--- a/product documents/Poster.pptx
+++ b/product documents/Poster.pptx
@@ -113,6 +113,3382 @@
     </p:ext>
   </p:extLst>
 </p:presentation>
+</file>
+
+<file path=ppt/diagrams/colors1.xml><?xml version="1.0" encoding="utf-8"?>
+<dgm:colorsDef xmlns:dgm="http://schemas.openxmlformats.org/drawingml/2006/diagram" xmlns:a="http://schemas.openxmlformats.org/drawingml/2006/main" uniqueId="urn:microsoft.com/office/officeart/2005/8/colors/accent1_2">
+  <dgm:title val=""/>
+  <dgm:desc val=""/>
+  <dgm:catLst>
+    <dgm:cat type="accent1" pri="11200"/>
+  </dgm:catLst>
+  <dgm:styleLbl name="node0">
+    <dgm:fillClrLst meth="repeat">
+      <a:schemeClr val="accent1"/>
+    </dgm:fillClrLst>
+    <dgm:linClrLst meth="repeat">
+      <a:schemeClr val="lt1"/>
+    </dgm:linClrLst>
+    <dgm:effectClrLst/>
+    <dgm:txLinClrLst/>
+    <dgm:txFillClrLst/>
+    <dgm:txEffectClrLst/>
+  </dgm:styleLbl>
+  <dgm:styleLbl name="alignNode1">
+    <dgm:fillClrLst meth="repeat">
+      <a:schemeClr val="accent1"/>
+    </dgm:fillClrLst>
+    <dgm:linClrLst meth="repeat">
+      <a:schemeClr val="accent1"/>
+    </dgm:linClrLst>
+    <dgm:effectClrLst/>
+    <dgm:txLinClrLst/>
+    <dgm:txFillClrLst/>
+    <dgm:txEffectClrLst/>
+  </dgm:styleLbl>
+  <dgm:styleLbl name="node1">
+    <dgm:fillClrLst meth="repeat">
+      <a:schemeClr val="accent1"/>
+    </dgm:fillClrLst>
+    <dgm:linClrLst meth="repeat">
+      <a:schemeClr val="lt1"/>
+    </dgm:linClrLst>
+    <dgm:effectClrLst/>
+    <dgm:txLinClrLst/>
+    <dgm:txFillClrLst/>
+    <dgm:txEffectClrLst/>
+  </dgm:styleLbl>
+  <dgm:styleLbl name="lnNode1">
+    <dgm:fillClrLst meth="repeat">
+      <a:schemeClr val="accent1"/>
+    </dgm:fillClrLst>
+    <dgm:linClrLst meth="repeat">
+      <a:schemeClr val="lt1"/>
+    </dgm:linClrLst>
+    <dgm:effectClrLst/>
+    <dgm:txLinClrLst/>
+    <dgm:txFillClrLst/>
+    <dgm:txEffectClrLst/>
+  </dgm:styleLbl>
+  <dgm:styleLbl name="vennNode1">
+    <dgm:fillClrLst meth="repeat">
+      <a:schemeClr val="accent1">
+        <a:alpha val="50000"/>
+      </a:schemeClr>
+    </dgm:fillClrLst>
+    <dgm:linClrLst meth="repeat">
+      <a:schemeClr val="lt1"/>
+    </dgm:linClrLst>
+    <dgm:effectClrLst/>
+    <dgm:txLinClrLst/>
+    <dgm:txFillClrLst/>
+    <dgm:txEffectClrLst/>
+  </dgm:styleLbl>
+  <dgm:styleLbl name="node2">
+    <dgm:fillClrLst meth="repeat">
+      <a:schemeClr val="accent1"/>
+    </dgm:fillClrLst>
+    <dgm:linClrLst meth="repeat">
+      <a:schemeClr val="lt1"/>
+    </dgm:linClrLst>
+    <dgm:effectClrLst/>
+    <dgm:txLinClrLst/>
+    <dgm:txFillClrLst/>
+    <dgm:txEffectClrLst/>
+  </dgm:styleLbl>
+  <dgm:styleLbl name="node3">
+    <dgm:fillClrLst meth="repeat">
+      <a:schemeClr val="accent1"/>
+    </dgm:fillClrLst>
+    <dgm:linClrLst meth="repeat">
+      <a:schemeClr val="lt1"/>
+    </dgm:linClrLst>
+    <dgm:effectClrLst/>
+    <dgm:txLinClrLst/>
+    <dgm:txFillClrLst/>
+    <dgm:txEffectClrLst/>
+  </dgm:styleLbl>
+  <dgm:styleLbl name="node4">
+    <dgm:fillClrLst meth="repeat">
+      <a:schemeClr val="accent1"/>
+    </dgm:fillClrLst>
+    <dgm:linClrLst meth="repeat">
+      <a:schemeClr val="lt1"/>
+    </dgm:linClrLst>
+    <dgm:effectClrLst/>
+    <dgm:txLinClrLst/>
+    <dgm:txFillClrLst/>
+    <dgm:txEffectClrLst/>
+  </dgm:styleLbl>
+  <dgm:styleLbl name="fgImgPlace1">
+    <dgm:fillClrLst meth="repeat">
+      <a:schemeClr val="accent1">
+        <a:tint val="50000"/>
+      </a:schemeClr>
+    </dgm:fillClrLst>
+    <dgm:linClrLst meth="repeat">
+      <a:schemeClr val="lt1"/>
+    </dgm:linClrLst>
+    <dgm:effectClrLst/>
+    <dgm:txLinClrLst/>
+    <dgm:txFillClrLst meth="repeat">
+      <a:schemeClr val="lt1"/>
+    </dgm:txFillClrLst>
+    <dgm:txEffectClrLst/>
+  </dgm:styleLbl>
+  <dgm:styleLbl name="alignImgPlace1">
+    <dgm:fillClrLst meth="repeat">
+      <a:schemeClr val="accent1">
+        <a:tint val="50000"/>
+      </a:schemeClr>
+    </dgm:fillClrLst>
+    <dgm:linClrLst meth="repeat">
+      <a:schemeClr val="lt1"/>
+    </dgm:linClrLst>
+    <dgm:effectClrLst/>
+    <dgm:txLinClrLst/>
+    <dgm:txFillClrLst meth="repeat">
+      <a:schemeClr val="lt1"/>
+    </dgm:txFillClrLst>
+    <dgm:txEffectClrLst/>
+  </dgm:styleLbl>
+  <dgm:styleLbl name="bgImgPlace1">
+    <dgm:fillClrLst meth="repeat">
+      <a:schemeClr val="accent1">
+        <a:tint val="50000"/>
+      </a:schemeClr>
+    </dgm:fillClrLst>
+    <dgm:linClrLst meth="repeat">
+      <a:schemeClr val="lt1"/>
+    </dgm:linClrLst>
+    <dgm:effectClrLst/>
+    <dgm:txLinClrLst/>
+    <dgm:txFillClrLst meth="repeat">
+      <a:schemeClr val="lt1"/>
+    </dgm:txFillClrLst>
+    <dgm:txEffectClrLst/>
+  </dgm:styleLbl>
+  <dgm:styleLbl name="sibTrans2D1">
+    <dgm:fillClrLst meth="repeat">
+      <a:schemeClr val="accent1">
+        <a:tint val="60000"/>
+      </a:schemeClr>
+    </dgm:fillClrLst>
+    <dgm:linClrLst meth="repeat">
+      <a:schemeClr val="accent1">
+        <a:tint val="60000"/>
+      </a:schemeClr>
+    </dgm:linClrLst>
+    <dgm:effectClrLst/>
+    <dgm:txLinClrLst/>
+    <dgm:txFillClrLst/>
+    <dgm:txEffectClrLst/>
+  </dgm:styleLbl>
+  <dgm:styleLbl name="fgSibTrans2D1">
+    <dgm:fillClrLst meth="repeat">
+      <a:schemeClr val="accent1">
+        <a:tint val="60000"/>
+      </a:schemeClr>
+    </dgm:fillClrLst>
+    <dgm:linClrLst meth="repeat">
+      <a:schemeClr val="accent1">
+        <a:tint val="60000"/>
+      </a:schemeClr>
+    </dgm:linClrLst>
+    <dgm:effectClrLst/>
+    <dgm:txLinClrLst/>
+    <dgm:txFillClrLst/>
+    <dgm:txEffectClrLst/>
+  </dgm:styleLbl>
+  <dgm:styleLbl name="bgSibTrans2D1">
+    <dgm:fillClrLst meth="repeat">
+      <a:schemeClr val="accent1">
+        <a:tint val="60000"/>
+      </a:schemeClr>
+    </dgm:fillClrLst>
+    <dgm:linClrLst meth="repeat">
+      <a:schemeClr val="accent1">
+        <a:tint val="60000"/>
+      </a:schemeClr>
+    </dgm:linClrLst>
+    <dgm:effectClrLst/>
+    <dgm:txLinClrLst/>
+    <dgm:txFillClrLst/>
+    <dgm:txEffectClrLst/>
+  </dgm:styleLbl>
+  <dgm:styleLbl name="sibTrans1D1">
+    <dgm:fillClrLst meth="repeat">
+      <a:schemeClr val="accent1"/>
+    </dgm:fillClrLst>
+    <dgm:linClrLst meth="repeat">
+      <a:schemeClr val="accent1"/>
+    </dgm:linClrLst>
+    <dgm:effectClrLst/>
+    <dgm:txLinClrLst/>
+    <dgm:txFillClrLst meth="repeat">
+      <a:schemeClr val="tx1"/>
+    </dgm:txFillClrLst>
+    <dgm:txEffectClrLst/>
+  </dgm:styleLbl>
+  <dgm:styleLbl name="callout">
+    <dgm:fillClrLst meth="repeat">
+      <a:schemeClr val="accent1"/>
+    </dgm:fillClrLst>
+    <dgm:linClrLst meth="repeat">
+      <a:schemeClr val="accent1">
+        <a:tint val="50000"/>
+      </a:schemeClr>
+    </dgm:linClrLst>
+    <dgm:effectClrLst/>
+    <dgm:txLinClrLst/>
+    <dgm:txFillClrLst meth="repeat">
+      <a:schemeClr val="tx1"/>
+    </dgm:txFillClrLst>
+    <dgm:txEffectClrLst/>
+  </dgm:styleLbl>
+  <dgm:styleLbl name="asst0">
+    <dgm:fillClrLst meth="repeat">
+      <a:schemeClr val="accent1"/>
+    </dgm:fillClrLst>
+    <dgm:linClrLst meth="repeat">
+      <a:schemeClr val="lt1"/>
+    </dgm:linClrLst>
+    <dgm:effectClrLst/>
+    <dgm:txLinClrLst/>
+    <dgm:txFillClrLst/>
+    <dgm:txEffectClrLst/>
+  </dgm:styleLbl>
+  <dgm:styleLbl name="asst1">
+    <dgm:fillClrLst meth="repeat">
+      <a:schemeClr val="accent1"/>
+    </dgm:fillClrLst>
+    <dgm:linClrLst meth="repeat">
+      <a:schemeClr val="lt1"/>
+    </dgm:linClrLst>
+    <dgm:effectClrLst/>
+    <dgm:txLinClrLst/>
+    <dgm:txFillClrLst/>
+    <dgm:txEffectClrLst/>
+  </dgm:styleLbl>
+  <dgm:styleLbl name="asst2">
+    <dgm:fillClrLst meth="repeat">
+      <a:schemeClr val="accent1"/>
+    </dgm:fillClrLst>
+    <dgm:linClrLst meth="repeat">
+      <a:schemeClr val="lt1"/>
+    </dgm:linClrLst>
+    <dgm:effectClrLst/>
+    <dgm:txLinClrLst/>
+    <dgm:txFillClrLst/>
+    <dgm:txEffectClrLst/>
+  </dgm:styleLbl>
+  <dgm:styleLbl name="asst3">
+    <dgm:fillClrLst meth="repeat">
+      <a:schemeClr val="accent1"/>
+    </dgm:fillClrLst>
+    <dgm:linClrLst meth="repeat">
+      <a:schemeClr val="lt1"/>
+    </dgm:linClrLst>
+    <dgm:effectClrLst/>
+    <dgm:txLinClrLst/>
+    <dgm:txFillClrLst/>
+    <dgm:txEffectClrLst/>
+  </dgm:styleLbl>
+  <dgm:styleLbl name="asst4">
+    <dgm:fillClrLst meth="repeat">
+      <a:schemeClr val="accent1"/>
+    </dgm:fillClrLst>
+    <dgm:linClrLst meth="repeat">
+      <a:schemeClr val="lt1"/>
+    </dgm:linClrLst>
+    <dgm:effectClrLst/>
+    <dgm:txLinClrLst/>
+    <dgm:txFillClrLst/>
+    <dgm:txEffectClrLst/>
+  </dgm:styleLbl>
+  <dgm:styleLbl name="parChTrans2D1">
+    <dgm:fillClrLst meth="repeat">
+      <a:schemeClr val="accent1">
+        <a:tint val="60000"/>
+      </a:schemeClr>
+    </dgm:fillClrLst>
+    <dgm:linClrLst meth="repeat">
+      <a:schemeClr val="accent1">
+        <a:tint val="60000"/>
+      </a:schemeClr>
+    </dgm:linClrLst>
+    <dgm:effectClrLst/>
+    <dgm:txLinClrLst/>
+    <dgm:txFillClrLst meth="repeat">
+      <a:schemeClr val="lt1"/>
+    </dgm:txFillClrLst>
+    <dgm:txEffectClrLst/>
+  </dgm:styleLbl>
+  <dgm:styleLbl name="parChTrans2D2">
+    <dgm:fillClrLst meth="repeat">
+      <a:schemeClr val="accent1"/>
+    </dgm:fillClrLst>
+    <dgm:linClrLst meth="repeat">
+      <a:schemeClr val="accent1"/>
+    </dgm:linClrLst>
+    <dgm:effectClrLst/>
+    <dgm:txLinClrLst/>
+    <dgm:txFillClrLst meth="repeat">
+      <a:schemeClr val="lt1"/>
+    </dgm:txFillClrLst>
+    <dgm:txEffectClrLst/>
+  </dgm:styleLbl>
+  <dgm:styleLbl name="parChTrans2D3">
+    <dgm:fillClrLst meth="repeat">
+      <a:schemeClr val="accent1"/>
+    </dgm:fillClrLst>
+    <dgm:linClrLst meth="repeat">
+      <a:schemeClr val="accent1"/>
+    </dgm:linClrLst>
+    <dgm:effectClrLst/>
+    <dgm:txLinClrLst/>
+    <dgm:txFillClrLst meth="repeat">
+      <a:schemeClr val="lt1"/>
+    </dgm:txFillClrLst>
+    <dgm:txEffectClrLst/>
+  </dgm:styleLbl>
+  <dgm:styleLbl name="parChTrans2D4">
+    <dgm:fillClrLst meth="repeat">
+      <a:schemeClr val="accent1"/>
+    </dgm:fillClrLst>
+    <dgm:linClrLst meth="repeat">
+      <a:schemeClr val="accent1"/>
+    </dgm:linClrLst>
+    <dgm:effectClrLst/>
+    <dgm:txLinClrLst/>
+    <dgm:txFillClrLst meth="repeat">
+      <a:schemeClr val="lt1"/>
+    </dgm:txFillClrLst>
+    <dgm:txEffectClrLst/>
+  </dgm:styleLbl>
+  <dgm:styleLbl name="parChTrans1D1">
+    <dgm:fillClrLst meth="repeat">
+      <a:schemeClr val="accent1"/>
+    </dgm:fillClrLst>
+    <dgm:linClrLst meth="repeat">
+      <a:schemeClr val="accent1">
+        <a:shade val="60000"/>
+      </a:schemeClr>
+    </dgm:linClrLst>
+    <dgm:effectClrLst/>
+    <dgm:txLinClrLst/>
+    <dgm:txFillClrLst meth="repeat">
+      <a:schemeClr val="tx1"/>
+    </dgm:txFillClrLst>
+    <dgm:txEffectClrLst/>
+  </dgm:styleLbl>
+  <dgm:styleLbl name="parChTrans1D2">
+    <dgm:fillClrLst meth="repeat">
+      <a:schemeClr val="accent1"/>
+    </dgm:fillClrLst>
+    <dgm:linClrLst meth="repeat">
+      <a:schemeClr val="accent1">
+        <a:shade val="60000"/>
+      </a:schemeClr>
+    </dgm:linClrLst>
+    <dgm:effectClrLst/>
+    <dgm:txLinClrLst/>
+    <dgm:txFillClrLst meth="repeat">
+      <a:schemeClr val="tx1"/>
+    </dgm:txFillClrLst>
+    <dgm:txEffectClrLst/>
+  </dgm:styleLbl>
+  <dgm:styleLbl name="parChTrans1D3">
+    <dgm:fillClrLst meth="repeat">
+      <a:schemeClr val="accent1"/>
+    </dgm:fillClrLst>
+    <dgm:linClrLst meth="repeat">
+      <a:schemeClr val="accent1">
+        <a:shade val="80000"/>
+      </a:schemeClr>
+    </dgm:linClrLst>
+    <dgm:effectClrLst/>
+    <dgm:txLinClrLst/>
+    <dgm:txFillClrLst meth="repeat">
+      <a:schemeClr val="tx1"/>
+    </dgm:txFillClrLst>
+    <dgm:txEffectClrLst/>
+  </dgm:styleLbl>
+  <dgm:styleLbl name="parChTrans1D4">
+    <dgm:fillClrLst meth="repeat">
+      <a:schemeClr val="accent1"/>
+    </dgm:fillClrLst>
+    <dgm:linClrLst meth="repeat">
+      <a:schemeClr val="accent1">
+        <a:shade val="80000"/>
+      </a:schemeClr>
+    </dgm:linClrLst>
+    <dgm:effectClrLst/>
+    <dgm:txLinClrLst/>
+    <dgm:txFillClrLst meth="repeat">
+      <a:schemeClr val="tx1"/>
+    </dgm:txFillClrLst>
+    <dgm:txEffectClrLst/>
+  </dgm:styleLbl>
+  <dgm:styleLbl name="fgAcc1">
+    <dgm:fillClrLst meth="repeat">
+      <a:schemeClr val="lt1">
+        <a:alpha val="90000"/>
+      </a:schemeClr>
+    </dgm:fillClrLst>
+    <dgm:linClrLst meth="repeat">
+      <a:schemeClr val="accent1"/>
+    </dgm:linClrLst>
+    <dgm:effectClrLst/>
+    <dgm:txLinClrLst/>
+    <dgm:txFillClrLst meth="repeat">
+      <a:schemeClr val="dk1"/>
+    </dgm:txFillClrLst>
+    <dgm:txEffectClrLst/>
+  </dgm:styleLbl>
+  <dgm:styleLbl name="conFgAcc1">
+    <dgm:fillClrLst meth="repeat">
+      <a:schemeClr val="lt1">
+        <a:alpha val="90000"/>
+      </a:schemeClr>
+    </dgm:fillClrLst>
+    <dgm:linClrLst meth="repeat">
+      <a:schemeClr val="accent1"/>
+    </dgm:linClrLst>
+    <dgm:effectClrLst/>
+    <dgm:txLinClrLst/>
+    <dgm:txFillClrLst meth="repeat">
+      <a:schemeClr val="dk1"/>
+    </dgm:txFillClrLst>
+    <dgm:txEffectClrLst/>
+  </dgm:styleLbl>
+  <dgm:styleLbl name="alignAcc1">
+    <dgm:fillClrLst meth="repeat">
+      <a:schemeClr val="lt1">
+        <a:alpha val="90000"/>
+      </a:schemeClr>
+    </dgm:fillClrLst>
+    <dgm:linClrLst meth="repeat">
+      <a:schemeClr val="accent1"/>
+    </dgm:linClrLst>
+    <dgm:effectClrLst/>
+    <dgm:txLinClrLst/>
+    <dgm:txFillClrLst meth="repeat">
+      <a:schemeClr val="dk1"/>
+    </dgm:txFillClrLst>
+    <dgm:txEffectClrLst/>
+  </dgm:styleLbl>
+  <dgm:styleLbl name="trAlignAcc1">
+    <dgm:fillClrLst meth="repeat">
+      <a:schemeClr val="lt1">
+        <a:alpha val="40000"/>
+      </a:schemeClr>
+    </dgm:fillClrLst>
+    <dgm:linClrLst meth="repeat">
+      <a:schemeClr val="accent1"/>
+    </dgm:linClrLst>
+    <dgm:effectClrLst/>
+    <dgm:txLinClrLst/>
+    <dgm:txFillClrLst meth="repeat">
+      <a:schemeClr val="dk1"/>
+    </dgm:txFillClrLst>
+    <dgm:txEffectClrLst/>
+  </dgm:styleLbl>
+  <dgm:styleLbl name="bgAcc1">
+    <dgm:fillClrLst meth="repeat">
+      <a:schemeClr val="lt1">
+        <a:alpha val="90000"/>
+      </a:schemeClr>
+    </dgm:fillClrLst>
+    <dgm:linClrLst meth="repeat">
+      <a:schemeClr val="accent1"/>
+    </dgm:linClrLst>
+    <dgm:effectClrLst/>
+    <dgm:txLinClrLst/>
+    <dgm:txFillClrLst meth="repeat">
+      <a:schemeClr val="dk1"/>
+    </dgm:txFillClrLst>
+    <dgm:txEffectClrLst/>
+  </dgm:styleLbl>
+  <dgm:styleLbl name="solidFgAcc1">
+    <dgm:fillClrLst meth="repeat">
+      <a:schemeClr val="lt1"/>
+    </dgm:fillClrLst>
+    <dgm:linClrLst meth="repeat">
+      <a:schemeClr val="accent1"/>
+    </dgm:linClrLst>
+    <dgm:effectClrLst/>
+    <dgm:txLinClrLst/>
+    <dgm:txFillClrLst meth="repeat">
+      <a:schemeClr val="dk1"/>
+    </dgm:txFillClrLst>
+    <dgm:txEffectClrLst/>
+  </dgm:styleLbl>
+  <dgm:styleLbl name="solidAlignAcc1">
+    <dgm:fillClrLst meth="repeat">
+      <a:schemeClr val="lt1"/>
+    </dgm:fillClrLst>
+    <dgm:linClrLst meth="repeat">
+      <a:schemeClr val="accent1"/>
+    </dgm:linClrLst>
+    <dgm:effectClrLst/>
+    <dgm:txLinClrLst/>
+    <dgm:txFillClrLst meth="repeat">
+      <a:schemeClr val="dk1"/>
+    </dgm:txFillClrLst>
+    <dgm:txEffectClrLst/>
+  </dgm:styleLbl>
+  <dgm:styleLbl name="solidBgAcc1">
+    <dgm:fillClrLst meth="repeat">
+      <a:schemeClr val="lt1"/>
+    </dgm:fillClrLst>
+    <dgm:linClrLst meth="repeat">
+      <a:schemeClr val="accent1"/>
+    </dgm:linClrLst>
+    <dgm:effectClrLst/>
+    <dgm:txLinClrLst/>
+    <dgm:txFillClrLst meth="repeat">
+      <a:schemeClr val="dk1"/>
+    </dgm:txFillClrLst>
+    <dgm:txEffectClrLst/>
+  </dgm:styleLbl>
+  <dgm:styleLbl name="fgAccFollowNode1">
+    <dgm:fillClrLst meth="repeat">
+      <a:schemeClr val="accent1">
+        <a:alpha val="90000"/>
+        <a:tint val="40000"/>
+      </a:schemeClr>
+    </dgm:fillClrLst>
+    <dgm:linClrLst meth="repeat">
+      <a:schemeClr val="accent1">
+        <a:alpha val="90000"/>
+        <a:tint val="40000"/>
+      </a:schemeClr>
+    </dgm:linClrLst>
+    <dgm:effectClrLst/>
+    <dgm:txLinClrLst/>
+    <dgm:txFillClrLst meth="repeat">
+      <a:schemeClr val="dk1"/>
+    </dgm:txFillClrLst>
+    <dgm:txEffectClrLst/>
+  </dgm:styleLbl>
+  <dgm:styleLbl name="alignAccFollowNode1">
+    <dgm:fillClrLst meth="repeat">
+      <a:schemeClr val="accent1">
+        <a:alpha val="90000"/>
+        <a:tint val="40000"/>
+      </a:schemeClr>
+    </dgm:fillClrLst>
+    <dgm:linClrLst meth="repeat">
+      <a:schemeClr val="accent1">
+        <a:alpha val="90000"/>
+        <a:tint val="40000"/>
+      </a:schemeClr>
+    </dgm:linClrLst>
+    <dgm:effectClrLst/>
+    <dgm:txLinClrLst/>
+    <dgm:txFillClrLst meth="repeat">
+      <a:schemeClr val="dk1"/>
+    </dgm:txFillClrLst>
+    <dgm:txEffectClrLst/>
+  </dgm:styleLbl>
+  <dgm:styleLbl name="bgAccFollowNode1">
+    <dgm:fillClrLst meth="repeat">
+      <a:schemeClr val="accent1">
+        <a:alpha val="90000"/>
+        <a:tint val="40000"/>
+      </a:schemeClr>
+    </dgm:fillClrLst>
+    <dgm:linClrLst meth="repeat">
+      <a:schemeClr val="accent1">
+        <a:alpha val="90000"/>
+        <a:tint val="40000"/>
+      </a:schemeClr>
+    </dgm:linClrLst>
+    <dgm:effectClrLst/>
+    <dgm:txLinClrLst/>
+    <dgm:txFillClrLst meth="repeat">
+      <a:schemeClr val="dk1"/>
+    </dgm:txFillClrLst>
+    <dgm:txEffectClrLst/>
+  </dgm:styleLbl>
+  <dgm:styleLbl name="fgAcc0">
+    <dgm:fillClrLst meth="repeat">
+      <a:schemeClr val="lt1">
+        <a:alpha val="90000"/>
+      </a:schemeClr>
+    </dgm:fillClrLst>
+    <dgm:linClrLst meth="repeat">
+      <a:schemeClr val="accent1"/>
+    </dgm:linClrLst>
+    <dgm:effectClrLst/>
+    <dgm:txLinClrLst/>
+    <dgm:txFillClrLst meth="repeat">
+      <a:schemeClr val="dk1"/>
+    </dgm:txFillClrLst>
+    <dgm:txEffectClrLst/>
+  </dgm:styleLbl>
+  <dgm:styleLbl name="fgAcc2">
+    <dgm:fillClrLst meth="repeat">
+      <a:schemeClr val="lt1">
+        <a:alpha val="90000"/>
+      </a:schemeClr>
+    </dgm:fillClrLst>
+    <dgm:linClrLst meth="repeat">
+      <a:schemeClr val="accent1"/>
+    </dgm:linClrLst>
+    <dgm:effectClrLst/>
+    <dgm:txLinClrLst/>
+    <dgm:txFillClrLst meth="repeat">
+      <a:schemeClr val="dk1"/>
+    </dgm:txFillClrLst>
+    <dgm:txEffectClrLst/>
+  </dgm:styleLbl>
+  <dgm:styleLbl name="fgAcc3">
+    <dgm:fillClrLst meth="repeat">
+      <a:schemeClr val="lt1">
+        <a:alpha val="90000"/>
+      </a:schemeClr>
+    </dgm:fillClrLst>
+    <dgm:linClrLst meth="repeat">
+      <a:schemeClr val="accent1"/>
+    </dgm:linClrLst>
+    <dgm:effectClrLst/>
+    <dgm:txLinClrLst/>
+    <dgm:txFillClrLst meth="repeat">
+      <a:schemeClr val="dk1"/>
+    </dgm:txFillClrLst>
+    <dgm:txEffectClrLst/>
+  </dgm:styleLbl>
+  <dgm:styleLbl name="fgAcc4">
+    <dgm:fillClrLst meth="repeat">
+      <a:schemeClr val="lt1">
+        <a:alpha val="90000"/>
+      </a:schemeClr>
+    </dgm:fillClrLst>
+    <dgm:linClrLst meth="repeat">
+      <a:schemeClr val="accent1"/>
+    </dgm:linClrLst>
+    <dgm:effectClrLst/>
+    <dgm:txLinClrLst/>
+    <dgm:txFillClrLst meth="repeat">
+      <a:schemeClr val="dk1"/>
+    </dgm:txFillClrLst>
+    <dgm:txEffectClrLst/>
+  </dgm:styleLbl>
+  <dgm:styleLbl name="bgShp">
+    <dgm:fillClrLst meth="repeat">
+      <a:schemeClr val="accent1">
+        <a:tint val="40000"/>
+      </a:schemeClr>
+    </dgm:fillClrLst>
+    <dgm:linClrLst meth="repeat">
+      <a:schemeClr val="accent1"/>
+    </dgm:linClrLst>
+    <dgm:effectClrLst/>
+    <dgm:txLinClrLst/>
+    <dgm:txFillClrLst meth="repeat">
+      <a:schemeClr val="dk1"/>
+    </dgm:txFillClrLst>
+    <dgm:txEffectClrLst/>
+  </dgm:styleLbl>
+  <dgm:styleLbl name="dkBgShp">
+    <dgm:fillClrLst meth="repeat">
+      <a:schemeClr val="accent1">
+        <a:shade val="80000"/>
+      </a:schemeClr>
+    </dgm:fillClrLst>
+    <dgm:linClrLst meth="repeat">
+      <a:schemeClr val="accent1"/>
+    </dgm:linClrLst>
+    <dgm:effectClrLst/>
+    <dgm:txLinClrLst/>
+    <dgm:txFillClrLst meth="repeat">
+      <a:schemeClr val="lt1"/>
+    </dgm:txFillClrLst>
+    <dgm:txEffectClrLst/>
+  </dgm:styleLbl>
+  <dgm:styleLbl name="trBgShp">
+    <dgm:fillClrLst meth="repeat">
+      <a:schemeClr val="accent1">
+        <a:tint val="50000"/>
+        <a:alpha val="40000"/>
+      </a:schemeClr>
+    </dgm:fillClrLst>
+    <dgm:linClrLst meth="repeat">
+      <a:schemeClr val="accent1"/>
+    </dgm:linClrLst>
+    <dgm:effectClrLst/>
+    <dgm:txLinClrLst/>
+    <dgm:txFillClrLst meth="repeat">
+      <a:schemeClr val="lt1"/>
+    </dgm:txFillClrLst>
+    <dgm:txEffectClrLst/>
+  </dgm:styleLbl>
+  <dgm:styleLbl name="fgShp">
+    <dgm:fillClrLst meth="repeat">
+      <a:schemeClr val="accent1">
+        <a:tint val="60000"/>
+      </a:schemeClr>
+    </dgm:fillClrLst>
+    <dgm:linClrLst meth="repeat">
+      <a:schemeClr val="lt1"/>
+    </dgm:linClrLst>
+    <dgm:effectClrLst/>
+    <dgm:txLinClrLst/>
+    <dgm:txFillClrLst meth="repeat">
+      <a:schemeClr val="dk1"/>
+    </dgm:txFillClrLst>
+    <dgm:txEffectClrLst/>
+  </dgm:styleLbl>
+  <dgm:styleLbl name="revTx">
+    <dgm:fillClrLst meth="repeat">
+      <a:schemeClr val="lt1">
+        <a:alpha val="0"/>
+      </a:schemeClr>
+    </dgm:fillClrLst>
+    <dgm:linClrLst meth="repeat">
+      <a:schemeClr val="dk1">
+        <a:alpha val="0"/>
+      </a:schemeClr>
+    </dgm:linClrLst>
+    <dgm:effectClrLst/>
+    <dgm:txLinClrLst/>
+    <dgm:txFillClrLst meth="repeat">
+      <a:schemeClr val="tx1"/>
+    </dgm:txFillClrLst>
+    <dgm:txEffectClrLst/>
+  </dgm:styleLbl>
+</dgm:colorsDef>
+</file>
+
+<file path=ppt/diagrams/data1.xml><?xml version="1.0" encoding="utf-8"?>
+<dgm:dataModel xmlns:dgm="http://schemas.openxmlformats.org/drawingml/2006/diagram" xmlns:a="http://schemas.openxmlformats.org/drawingml/2006/main">
+  <dgm:ptLst>
+    <dgm:pt modelId="{26B74E10-1B58-4E6E-9514-79C41C72080D}" type="doc">
+      <dgm:prSet loTypeId="urn:microsoft.com/office/officeart/2005/8/layout/vList5" loCatId="list" qsTypeId="urn:microsoft.com/office/officeart/2005/8/quickstyle/simple1" qsCatId="simple" csTypeId="urn:microsoft.com/office/officeart/2005/8/colors/accent1_2" csCatId="accent1" phldr="1"/>
+      <dgm:spPr/>
+      <dgm:t>
+        <a:bodyPr/>
+        <a:lstStyle/>
+        <a:p>
+          <a:endParaRPr lang="en-GB"/>
+        </a:p>
+      </dgm:t>
+    </dgm:pt>
+    <dgm:pt modelId="{CF73B5C2-897B-4B8A-B68B-43360192EF00}">
+      <dgm:prSet phldrT="[Text]"/>
+      <dgm:spPr>
+        <a:solidFill>
+          <a:srgbClr val="5E7A5F"/>
+        </a:solidFill>
+      </dgm:spPr>
+      <dgm:t>
+        <a:bodyPr/>
+        <a:lstStyle/>
+        <a:p>
+          <a:r>
+            <a:rPr lang="en-GB" dirty="0">
+              <a:latin typeface="Source Serif Pro" panose="02040603050405020204" pitchFamily="18" charset="0"/>
+              <a:ea typeface="Source Serif Pro" panose="02040603050405020204" pitchFamily="18" charset="0"/>
+            </a:rPr>
+            <a:t>Explore Campus</a:t>
+          </a:r>
+        </a:p>
+      </dgm:t>
+    </dgm:pt>
+    <dgm:pt modelId="{7D277E8E-C765-46C2-9C04-D2FAE97DA81C}" type="parTrans" cxnId="{ACF026D2-8010-42AB-A509-CA3E058A1132}">
+      <dgm:prSet/>
+      <dgm:spPr/>
+      <dgm:t>
+        <a:bodyPr/>
+        <a:lstStyle/>
+        <a:p>
+          <a:endParaRPr lang="en-GB"/>
+        </a:p>
+      </dgm:t>
+    </dgm:pt>
+    <dgm:pt modelId="{4284FEB6-E0B8-4023-B092-5E4F28D4BB11}" type="sibTrans" cxnId="{ACF026D2-8010-42AB-A509-CA3E058A1132}">
+      <dgm:prSet/>
+      <dgm:spPr/>
+      <dgm:t>
+        <a:bodyPr/>
+        <a:lstStyle/>
+        <a:p>
+          <a:endParaRPr lang="en-GB"/>
+        </a:p>
+      </dgm:t>
+    </dgm:pt>
+    <dgm:pt modelId="{9787B6CA-C2A0-4964-893F-1A5B4EF90DAA}">
+      <dgm:prSet phldrT="[Text]"/>
+      <dgm:spPr>
+        <a:noFill/>
+        <a:ln>
+          <a:noFill/>
+        </a:ln>
+      </dgm:spPr>
+      <dgm:t>
+        <a:bodyPr/>
+        <a:lstStyle/>
+        <a:p>
+          <a:pPr algn="ctr">
+            <a:buNone/>
+          </a:pPr>
+          <a:r>
+            <a:rPr lang="en-GB" dirty="0">
+              <a:latin typeface="Source Serif Pro ExtraLight" panose="02040203050405020204" pitchFamily="18" charset="0"/>
+              <a:ea typeface="Source Serif Pro ExtraLight" panose="02040203050405020204" pitchFamily="18" charset="0"/>
+            </a:rPr>
+            <a:t>Discover campus’s most beautiful spots.</a:t>
+          </a:r>
+        </a:p>
+      </dgm:t>
+    </dgm:pt>
+    <dgm:pt modelId="{FA98EE47-29AA-4017-BE78-8F0C25F0CDDE}" type="parTrans" cxnId="{A29964E2-0D0F-422C-8111-3AF72B8D137C}">
+      <dgm:prSet/>
+      <dgm:spPr/>
+      <dgm:t>
+        <a:bodyPr/>
+        <a:lstStyle/>
+        <a:p>
+          <a:endParaRPr lang="en-GB"/>
+        </a:p>
+      </dgm:t>
+    </dgm:pt>
+    <dgm:pt modelId="{930536DE-2BE5-4DCD-B520-54538322BB6D}" type="sibTrans" cxnId="{A29964E2-0D0F-422C-8111-3AF72B8D137C}">
+      <dgm:prSet/>
+      <dgm:spPr/>
+      <dgm:t>
+        <a:bodyPr/>
+        <a:lstStyle/>
+        <a:p>
+          <a:endParaRPr lang="en-GB"/>
+        </a:p>
+      </dgm:t>
+    </dgm:pt>
+    <dgm:pt modelId="{910ED96F-EFAE-4D45-9F50-60E3EBAED506}">
+      <dgm:prSet phldrT="[Text]"/>
+      <dgm:spPr>
+        <a:solidFill>
+          <a:srgbClr val="5E7A5F"/>
+        </a:solidFill>
+      </dgm:spPr>
+      <dgm:t>
+        <a:bodyPr/>
+        <a:lstStyle/>
+        <a:p>
+          <a:r>
+            <a:rPr lang="en-GB" dirty="0">
+              <a:latin typeface="Source Serif Pro" panose="02040603050405020204" pitchFamily="18" charset="0"/>
+              <a:ea typeface="Source Serif Pro" panose="02040603050405020204" pitchFamily="18" charset="0"/>
+            </a:rPr>
+            <a:t>Powered by AI</a:t>
+          </a:r>
+        </a:p>
+      </dgm:t>
+    </dgm:pt>
+    <dgm:pt modelId="{7097A080-6864-47F4-AB24-5BEF9595DFDC}" type="parTrans" cxnId="{FC4F64E8-2256-4951-8943-4E392D0E4501}">
+      <dgm:prSet/>
+      <dgm:spPr/>
+      <dgm:t>
+        <a:bodyPr/>
+        <a:lstStyle/>
+        <a:p>
+          <a:endParaRPr lang="en-GB"/>
+        </a:p>
+      </dgm:t>
+    </dgm:pt>
+    <dgm:pt modelId="{9B9248C0-314B-4729-B1B5-17ECA00CDB9C}" type="sibTrans" cxnId="{FC4F64E8-2256-4951-8943-4E392D0E4501}">
+      <dgm:prSet/>
+      <dgm:spPr/>
+      <dgm:t>
+        <a:bodyPr/>
+        <a:lstStyle/>
+        <a:p>
+          <a:endParaRPr lang="en-GB"/>
+        </a:p>
+      </dgm:t>
+    </dgm:pt>
+    <dgm:pt modelId="{C81C16D0-7DF2-433E-9D5C-69EB13F1F5F9}">
+      <dgm:prSet phldrT="[Text]"/>
+      <dgm:spPr>
+        <a:noFill/>
+        <a:ln>
+          <a:noFill/>
+        </a:ln>
+      </dgm:spPr>
+      <dgm:t>
+        <a:bodyPr/>
+        <a:lstStyle/>
+        <a:p>
+          <a:pPr algn="ctr">
+            <a:buNone/>
+          </a:pPr>
+          <a:r>
+            <a:rPr lang="en-GB" dirty="0">
+              <a:latin typeface="Source Serif Pro ExtraLight" panose="02040203050405020204" pitchFamily="18" charset="0"/>
+              <a:ea typeface="Source Serif Pro ExtraLight" panose="02040203050405020204" pitchFamily="18" charset="0"/>
+            </a:rPr>
+            <a:t>Image and facial recognitions.</a:t>
+          </a:r>
+        </a:p>
+      </dgm:t>
+    </dgm:pt>
+    <dgm:pt modelId="{0F0EF2A4-2EA6-400B-B917-E231A0A3BF4A}" type="parTrans" cxnId="{64BBA15F-55BB-4F6F-B542-0A6A90CCF25D}">
+      <dgm:prSet/>
+      <dgm:spPr/>
+      <dgm:t>
+        <a:bodyPr/>
+        <a:lstStyle/>
+        <a:p>
+          <a:endParaRPr lang="en-GB"/>
+        </a:p>
+      </dgm:t>
+    </dgm:pt>
+    <dgm:pt modelId="{55C99F71-6FDF-4CC3-8A73-137232C57BCF}" type="sibTrans" cxnId="{64BBA15F-55BB-4F6F-B542-0A6A90CCF25D}">
+      <dgm:prSet/>
+      <dgm:spPr/>
+      <dgm:t>
+        <a:bodyPr/>
+        <a:lstStyle/>
+        <a:p>
+          <a:endParaRPr lang="en-GB"/>
+        </a:p>
+      </dgm:t>
+    </dgm:pt>
+    <dgm:pt modelId="{328CE82E-A5DD-4F34-8521-ABCF699D2879}">
+      <dgm:prSet phldrT="[Text]"/>
+      <dgm:spPr>
+        <a:solidFill>
+          <a:srgbClr val="5E7A5F"/>
+        </a:solidFill>
+      </dgm:spPr>
+      <dgm:t>
+        <a:bodyPr/>
+        <a:lstStyle/>
+        <a:p>
+          <a:r>
+            <a:rPr lang="en-GB" dirty="0">
+              <a:latin typeface="Source Serif Pro" panose="02040603050405020204" pitchFamily="18" charset="0"/>
+              <a:ea typeface="Source Serif Pro" panose="02040603050405020204" pitchFamily="18" charset="0"/>
+            </a:rPr>
+            <a:t>Achieve Badges</a:t>
+          </a:r>
+        </a:p>
+      </dgm:t>
+    </dgm:pt>
+    <dgm:pt modelId="{31AF8A6E-ED29-40EB-8979-5082BA6386F2}" type="parTrans" cxnId="{EC5201EF-2D31-410E-9171-672D88460117}">
+      <dgm:prSet/>
+      <dgm:spPr/>
+      <dgm:t>
+        <a:bodyPr/>
+        <a:lstStyle/>
+        <a:p>
+          <a:endParaRPr lang="en-GB"/>
+        </a:p>
+      </dgm:t>
+    </dgm:pt>
+    <dgm:pt modelId="{B25684F5-0F72-48E3-8CA7-FB90D451E792}" type="sibTrans" cxnId="{EC5201EF-2D31-410E-9171-672D88460117}">
+      <dgm:prSet/>
+      <dgm:spPr/>
+      <dgm:t>
+        <a:bodyPr/>
+        <a:lstStyle/>
+        <a:p>
+          <a:endParaRPr lang="en-GB"/>
+        </a:p>
+      </dgm:t>
+    </dgm:pt>
+    <dgm:pt modelId="{C237F137-E7D4-4F57-A4EB-724AB4D8A19D}">
+      <dgm:prSet phldrT="[Text]"/>
+      <dgm:spPr>
+        <a:noFill/>
+        <a:ln>
+          <a:noFill/>
+        </a:ln>
+      </dgm:spPr>
+      <dgm:t>
+        <a:bodyPr/>
+        <a:lstStyle/>
+        <a:p>
+          <a:pPr algn="ctr">
+            <a:buNone/>
+          </a:pPr>
+          <a:r>
+            <a:rPr lang="en-GB" dirty="0">
+              <a:latin typeface="Source Serif Pro ExtraLight" panose="02040203050405020204" pitchFamily="18" charset="0"/>
+              <a:ea typeface="Source Serif Pro ExtraLight" panose="02040203050405020204" pitchFamily="18" charset="0"/>
+            </a:rPr>
+            <a:t>Gain badges for </a:t>
+          </a:r>
+        </a:p>
+      </dgm:t>
+    </dgm:pt>
+    <dgm:pt modelId="{DB6207A3-8FD8-44D0-A11D-CB993290C823}" type="parTrans" cxnId="{4BAB70C8-9F46-4E5E-90BB-B51EE3750413}">
+      <dgm:prSet/>
+      <dgm:spPr/>
+      <dgm:t>
+        <a:bodyPr/>
+        <a:lstStyle/>
+        <a:p>
+          <a:endParaRPr lang="en-GB"/>
+        </a:p>
+      </dgm:t>
+    </dgm:pt>
+    <dgm:pt modelId="{7BC629BD-7893-41FB-8675-C88C728E3E23}" type="sibTrans" cxnId="{4BAB70C8-9F46-4E5E-90BB-B51EE3750413}">
+      <dgm:prSet/>
+      <dgm:spPr/>
+      <dgm:t>
+        <a:bodyPr/>
+        <a:lstStyle/>
+        <a:p>
+          <a:endParaRPr lang="en-GB"/>
+        </a:p>
+      </dgm:t>
+    </dgm:pt>
+    <dgm:pt modelId="{9FCCEFCE-F847-4AD8-A3C9-401C3EDC6967}">
+      <dgm:prSet phldrT="[Text]"/>
+      <dgm:spPr>
+        <a:solidFill>
+          <a:srgbClr val="5E7A5F"/>
+        </a:solidFill>
+      </dgm:spPr>
+      <dgm:t>
+        <a:bodyPr/>
+        <a:lstStyle/>
+        <a:p>
+          <a:r>
+            <a:rPr lang="en-GB" dirty="0">
+              <a:latin typeface="Source Serif Pro" panose="02040603050405020204" pitchFamily="18" charset="0"/>
+              <a:ea typeface="Source Serif Pro" panose="02040603050405020204" pitchFamily="18" charset="0"/>
+            </a:rPr>
+            <a:t>Climb the Leader board</a:t>
+          </a:r>
+        </a:p>
+      </dgm:t>
+    </dgm:pt>
+    <dgm:pt modelId="{9132ED4F-1495-4C99-BE1A-878F08993D1E}" type="parTrans" cxnId="{F944F183-B901-4A90-BE4D-178B3763C4CC}">
+      <dgm:prSet/>
+      <dgm:spPr/>
+      <dgm:t>
+        <a:bodyPr/>
+        <a:lstStyle/>
+        <a:p>
+          <a:endParaRPr lang="en-GB"/>
+        </a:p>
+      </dgm:t>
+    </dgm:pt>
+    <dgm:pt modelId="{50C209D2-7E23-4113-BE43-CB5D9E85B612}" type="sibTrans" cxnId="{F944F183-B901-4A90-BE4D-178B3763C4CC}">
+      <dgm:prSet/>
+      <dgm:spPr/>
+      <dgm:t>
+        <a:bodyPr/>
+        <a:lstStyle/>
+        <a:p>
+          <a:endParaRPr lang="en-GB"/>
+        </a:p>
+      </dgm:t>
+    </dgm:pt>
+    <dgm:pt modelId="{B7134145-7D80-4B67-9063-56494AD2132A}">
+      <dgm:prSet phldrT="[Text]"/>
+      <dgm:spPr>
+        <a:noFill/>
+        <a:ln>
+          <a:noFill/>
+        </a:ln>
+      </dgm:spPr>
+      <dgm:t>
+        <a:bodyPr/>
+        <a:lstStyle/>
+        <a:p>
+          <a:pPr algn="ctr">
+            <a:buNone/>
+          </a:pPr>
+          <a:r>
+            <a:rPr lang="en-GB" dirty="0">
+              <a:latin typeface="Source Serif Pro ExtraLight" panose="02040203050405020204" pitchFamily="18" charset="0"/>
+              <a:ea typeface="Source Serif Pro ExtraLight" panose="02040203050405020204" pitchFamily="18" charset="0"/>
+            </a:rPr>
+            <a:t>Compete with students to reach the top. </a:t>
+          </a:r>
+        </a:p>
+      </dgm:t>
+    </dgm:pt>
+    <dgm:pt modelId="{52034C43-BFEE-49FE-A370-C8DD5A7C8EF2}" type="parTrans" cxnId="{7CE9C956-FDCD-4063-8428-9E18A01262C1}">
+      <dgm:prSet/>
+      <dgm:spPr/>
+      <dgm:t>
+        <a:bodyPr/>
+        <a:lstStyle/>
+        <a:p>
+          <a:endParaRPr lang="en-GB"/>
+        </a:p>
+      </dgm:t>
+    </dgm:pt>
+    <dgm:pt modelId="{76042E9D-F3CB-40AD-8E45-44637C221DC7}" type="sibTrans" cxnId="{7CE9C956-FDCD-4063-8428-9E18A01262C1}">
+      <dgm:prSet/>
+      <dgm:spPr/>
+      <dgm:t>
+        <a:bodyPr/>
+        <a:lstStyle/>
+        <a:p>
+          <a:endParaRPr lang="en-GB"/>
+        </a:p>
+      </dgm:t>
+    </dgm:pt>
+    <dgm:pt modelId="{B7B4DEAD-6652-4B83-8231-A3E0C26F8124}">
+      <dgm:prSet phldrT="[Text]"/>
+      <dgm:spPr>
+        <a:solidFill>
+          <a:srgbClr val="5E7A5F"/>
+        </a:solidFill>
+      </dgm:spPr>
+      <dgm:t>
+        <a:bodyPr/>
+        <a:lstStyle/>
+        <a:p>
+          <a:r>
+            <a:rPr lang="en-GB" dirty="0">
+              <a:latin typeface="Source Serif Pro" panose="02040603050405020204" pitchFamily="18" charset="0"/>
+              <a:ea typeface="Source Serif Pro" panose="02040603050405020204" pitchFamily="18" charset="0"/>
+            </a:rPr>
+            <a:t>Connect with Nature</a:t>
+          </a:r>
+        </a:p>
+      </dgm:t>
+    </dgm:pt>
+    <dgm:pt modelId="{4A88ED51-94E1-4BDA-96DA-8BB600AE13B3}" type="parTrans" cxnId="{158BE495-5F22-42A4-83CD-F657E1EA3E1D}">
+      <dgm:prSet/>
+      <dgm:spPr/>
+      <dgm:t>
+        <a:bodyPr/>
+        <a:lstStyle/>
+        <a:p>
+          <a:endParaRPr lang="en-GB"/>
+        </a:p>
+      </dgm:t>
+    </dgm:pt>
+    <dgm:pt modelId="{7B1FCF56-6D3B-4C26-ABEC-76BCD4CA63C4}" type="sibTrans" cxnId="{158BE495-5F22-42A4-83CD-F657E1EA3E1D}">
+      <dgm:prSet/>
+      <dgm:spPr/>
+      <dgm:t>
+        <a:bodyPr/>
+        <a:lstStyle/>
+        <a:p>
+          <a:endParaRPr lang="en-GB"/>
+        </a:p>
+      </dgm:t>
+    </dgm:pt>
+    <dgm:pt modelId="{2FE50C05-564C-488C-AB65-C59277EE87EA}">
+      <dgm:prSet phldrT="[Text]" phldr="1"/>
+      <dgm:spPr>
+        <a:noFill/>
+        <a:ln>
+          <a:noFill/>
+        </a:ln>
+      </dgm:spPr>
+      <dgm:t>
+        <a:bodyPr/>
+        <a:lstStyle/>
+        <a:p>
+          <a:pPr algn="ctr">
+            <a:buNone/>
+          </a:pPr>
+          <a:endParaRPr lang="en-GB" dirty="0">
+            <a:latin typeface="Source Serif Pro ExtraLight" panose="02040203050405020204" pitchFamily="18" charset="0"/>
+            <a:ea typeface="Source Serif Pro ExtraLight" panose="02040203050405020204" pitchFamily="18" charset="0"/>
+          </a:endParaRPr>
+        </a:p>
+      </dgm:t>
+    </dgm:pt>
+    <dgm:pt modelId="{2AF4A78C-32C5-4716-8558-742A6578355C}" type="parTrans" cxnId="{17476221-FB7E-4159-A6AB-4D8565E38E09}">
+      <dgm:prSet/>
+      <dgm:spPr/>
+      <dgm:t>
+        <a:bodyPr/>
+        <a:lstStyle/>
+        <a:p>
+          <a:endParaRPr lang="en-GB"/>
+        </a:p>
+      </dgm:t>
+    </dgm:pt>
+    <dgm:pt modelId="{95A64250-4337-4ABE-B0C2-C99A4273CC1E}" type="sibTrans" cxnId="{17476221-FB7E-4159-A6AB-4D8565E38E09}">
+      <dgm:prSet/>
+      <dgm:spPr/>
+      <dgm:t>
+        <a:bodyPr/>
+        <a:lstStyle/>
+        <a:p>
+          <a:endParaRPr lang="en-GB"/>
+        </a:p>
+      </dgm:t>
+    </dgm:pt>
+    <dgm:pt modelId="{4B41294A-7AAF-4EEA-84FB-CF028E669D22}" type="pres">
+      <dgm:prSet presAssocID="{26B74E10-1B58-4E6E-9514-79C41C72080D}" presName="Name0" presStyleCnt="0">
+        <dgm:presLayoutVars>
+          <dgm:dir/>
+          <dgm:animLvl val="lvl"/>
+          <dgm:resizeHandles val="exact"/>
+        </dgm:presLayoutVars>
+      </dgm:prSet>
+      <dgm:spPr/>
+    </dgm:pt>
+    <dgm:pt modelId="{F1E3530D-B97B-4CCF-B6CE-106470E20740}" type="pres">
+      <dgm:prSet presAssocID="{CF73B5C2-897B-4B8A-B68B-43360192EF00}" presName="linNode" presStyleCnt="0"/>
+      <dgm:spPr/>
+    </dgm:pt>
+    <dgm:pt modelId="{DFB4A00C-36B7-401A-9617-1C6E09996FCD}" type="pres">
+      <dgm:prSet presAssocID="{CF73B5C2-897B-4B8A-B68B-43360192EF00}" presName="parentText" presStyleLbl="node1" presStyleIdx="0" presStyleCnt="5">
+        <dgm:presLayoutVars>
+          <dgm:chMax val="1"/>
+          <dgm:bulletEnabled val="1"/>
+        </dgm:presLayoutVars>
+      </dgm:prSet>
+      <dgm:spPr/>
+    </dgm:pt>
+    <dgm:pt modelId="{BF6F5704-484A-4A47-AB93-390A42A2C6E5}" type="pres">
+      <dgm:prSet presAssocID="{CF73B5C2-897B-4B8A-B68B-43360192EF00}" presName="descendantText" presStyleLbl="alignAccFollowNode1" presStyleIdx="0" presStyleCnt="5">
+        <dgm:presLayoutVars>
+          <dgm:bulletEnabled val="1"/>
+        </dgm:presLayoutVars>
+      </dgm:prSet>
+      <dgm:spPr/>
+    </dgm:pt>
+    <dgm:pt modelId="{A1D834C0-A1F7-45B1-96BA-5BB4B07D5A7C}" type="pres">
+      <dgm:prSet presAssocID="{4284FEB6-E0B8-4023-B092-5E4F28D4BB11}" presName="sp" presStyleCnt="0"/>
+      <dgm:spPr/>
+    </dgm:pt>
+    <dgm:pt modelId="{76C613BA-24B0-4224-A5F6-E36DD248F393}" type="pres">
+      <dgm:prSet presAssocID="{910ED96F-EFAE-4D45-9F50-60E3EBAED506}" presName="linNode" presStyleCnt="0"/>
+      <dgm:spPr/>
+    </dgm:pt>
+    <dgm:pt modelId="{19CF64B8-4812-424C-8FC9-C5B7E97177A2}" type="pres">
+      <dgm:prSet presAssocID="{910ED96F-EFAE-4D45-9F50-60E3EBAED506}" presName="parentText" presStyleLbl="node1" presStyleIdx="1" presStyleCnt="5">
+        <dgm:presLayoutVars>
+          <dgm:chMax val="1"/>
+          <dgm:bulletEnabled val="1"/>
+        </dgm:presLayoutVars>
+      </dgm:prSet>
+      <dgm:spPr/>
+    </dgm:pt>
+    <dgm:pt modelId="{B96D5C01-E04F-4892-A828-4E11B2CFF2E1}" type="pres">
+      <dgm:prSet presAssocID="{910ED96F-EFAE-4D45-9F50-60E3EBAED506}" presName="descendantText" presStyleLbl="alignAccFollowNode1" presStyleIdx="1" presStyleCnt="5">
+        <dgm:presLayoutVars>
+          <dgm:bulletEnabled val="1"/>
+        </dgm:presLayoutVars>
+      </dgm:prSet>
+      <dgm:spPr/>
+    </dgm:pt>
+    <dgm:pt modelId="{93EC7CE2-2604-4B41-B031-0C8126E9479D}" type="pres">
+      <dgm:prSet presAssocID="{9B9248C0-314B-4729-B1B5-17ECA00CDB9C}" presName="sp" presStyleCnt="0"/>
+      <dgm:spPr/>
+    </dgm:pt>
+    <dgm:pt modelId="{BBD38A74-2D47-4476-9683-B3BEDBD37461}" type="pres">
+      <dgm:prSet presAssocID="{9FCCEFCE-F847-4AD8-A3C9-401C3EDC6967}" presName="linNode" presStyleCnt="0"/>
+      <dgm:spPr/>
+    </dgm:pt>
+    <dgm:pt modelId="{57D5B4E1-1BA8-4CF3-9FFC-D7AE5CE8C0AA}" type="pres">
+      <dgm:prSet presAssocID="{9FCCEFCE-F847-4AD8-A3C9-401C3EDC6967}" presName="parentText" presStyleLbl="node1" presStyleIdx="2" presStyleCnt="5">
+        <dgm:presLayoutVars>
+          <dgm:chMax val="1"/>
+          <dgm:bulletEnabled val="1"/>
+        </dgm:presLayoutVars>
+      </dgm:prSet>
+      <dgm:spPr/>
+    </dgm:pt>
+    <dgm:pt modelId="{5CEF5D08-58D9-4872-8584-35E9EF7975AD}" type="pres">
+      <dgm:prSet presAssocID="{9FCCEFCE-F847-4AD8-A3C9-401C3EDC6967}" presName="descendantText" presStyleLbl="alignAccFollowNode1" presStyleIdx="2" presStyleCnt="5">
+        <dgm:presLayoutVars>
+          <dgm:bulletEnabled val="1"/>
+        </dgm:presLayoutVars>
+      </dgm:prSet>
+      <dgm:spPr/>
+    </dgm:pt>
+    <dgm:pt modelId="{838A3D2F-36E7-41B6-A5D2-3EDCCCDDE0ED}" type="pres">
+      <dgm:prSet presAssocID="{50C209D2-7E23-4113-BE43-CB5D9E85B612}" presName="sp" presStyleCnt="0"/>
+      <dgm:spPr/>
+    </dgm:pt>
+    <dgm:pt modelId="{0A0AD189-B52B-4B13-AC28-0338599555B0}" type="pres">
+      <dgm:prSet presAssocID="{328CE82E-A5DD-4F34-8521-ABCF699D2879}" presName="linNode" presStyleCnt="0"/>
+      <dgm:spPr/>
+    </dgm:pt>
+    <dgm:pt modelId="{19D710BD-BBB9-42C4-91D3-D4D74ABB77B6}" type="pres">
+      <dgm:prSet presAssocID="{328CE82E-A5DD-4F34-8521-ABCF699D2879}" presName="parentText" presStyleLbl="node1" presStyleIdx="3" presStyleCnt="5">
+        <dgm:presLayoutVars>
+          <dgm:chMax val="1"/>
+          <dgm:bulletEnabled val="1"/>
+        </dgm:presLayoutVars>
+      </dgm:prSet>
+      <dgm:spPr/>
+    </dgm:pt>
+    <dgm:pt modelId="{659AC0E4-7D27-475B-91AB-0B73A3D5A50B}" type="pres">
+      <dgm:prSet presAssocID="{328CE82E-A5DD-4F34-8521-ABCF699D2879}" presName="descendantText" presStyleLbl="alignAccFollowNode1" presStyleIdx="3" presStyleCnt="5">
+        <dgm:presLayoutVars>
+          <dgm:bulletEnabled val="1"/>
+        </dgm:presLayoutVars>
+      </dgm:prSet>
+      <dgm:spPr/>
+    </dgm:pt>
+    <dgm:pt modelId="{3F4F218B-34BA-4AEB-A8DD-CA5AC934C729}" type="pres">
+      <dgm:prSet presAssocID="{B25684F5-0F72-48E3-8CA7-FB90D451E792}" presName="sp" presStyleCnt="0"/>
+      <dgm:spPr/>
+    </dgm:pt>
+    <dgm:pt modelId="{8CCB0235-D470-4174-B27E-50641FE5728B}" type="pres">
+      <dgm:prSet presAssocID="{B7B4DEAD-6652-4B83-8231-A3E0C26F8124}" presName="linNode" presStyleCnt="0"/>
+      <dgm:spPr/>
+    </dgm:pt>
+    <dgm:pt modelId="{F9F0DF7C-F605-4231-B5B3-F36A373F5E49}" type="pres">
+      <dgm:prSet presAssocID="{B7B4DEAD-6652-4B83-8231-A3E0C26F8124}" presName="parentText" presStyleLbl="node1" presStyleIdx="4" presStyleCnt="5" custLinFactNeighborX="-3091" custLinFactNeighborY="229">
+        <dgm:presLayoutVars>
+          <dgm:chMax val="1"/>
+          <dgm:bulletEnabled val="1"/>
+        </dgm:presLayoutVars>
+      </dgm:prSet>
+      <dgm:spPr/>
+    </dgm:pt>
+    <dgm:pt modelId="{515AE589-E4EC-40A3-968D-F03F67C2FFE6}" type="pres">
+      <dgm:prSet presAssocID="{B7B4DEAD-6652-4B83-8231-A3E0C26F8124}" presName="descendantText" presStyleLbl="alignAccFollowNode1" presStyleIdx="4" presStyleCnt="5">
+        <dgm:presLayoutVars>
+          <dgm:bulletEnabled val="1"/>
+        </dgm:presLayoutVars>
+      </dgm:prSet>
+      <dgm:spPr/>
+    </dgm:pt>
+  </dgm:ptLst>
+  <dgm:cxnLst>
+    <dgm:cxn modelId="{17476221-FB7E-4159-A6AB-4D8565E38E09}" srcId="{B7B4DEAD-6652-4B83-8231-A3E0C26F8124}" destId="{2FE50C05-564C-488C-AB65-C59277EE87EA}" srcOrd="0" destOrd="0" parTransId="{2AF4A78C-32C5-4716-8558-742A6578355C}" sibTransId="{95A64250-4337-4ABE-B0C2-C99A4273CC1E}"/>
+    <dgm:cxn modelId="{9BB63630-2A60-4FA7-8DC9-6314B56717B5}" type="presOf" srcId="{910ED96F-EFAE-4D45-9F50-60E3EBAED506}" destId="{19CF64B8-4812-424C-8FC9-C5B7E97177A2}" srcOrd="0" destOrd="0" presId="urn:microsoft.com/office/officeart/2005/8/layout/vList5"/>
+    <dgm:cxn modelId="{1FE5025E-A37D-4001-A5E8-EC02483D63CE}" type="presOf" srcId="{C237F137-E7D4-4F57-A4EB-724AB4D8A19D}" destId="{659AC0E4-7D27-475B-91AB-0B73A3D5A50B}" srcOrd="0" destOrd="0" presId="urn:microsoft.com/office/officeart/2005/8/layout/vList5"/>
+    <dgm:cxn modelId="{64BBA15F-55BB-4F6F-B542-0A6A90CCF25D}" srcId="{910ED96F-EFAE-4D45-9F50-60E3EBAED506}" destId="{C81C16D0-7DF2-433E-9D5C-69EB13F1F5F9}" srcOrd="0" destOrd="0" parTransId="{0F0EF2A4-2EA6-400B-B917-E231A0A3BF4A}" sibTransId="{55C99F71-6FDF-4CC3-8A73-137232C57BCF}"/>
+    <dgm:cxn modelId="{7856A746-C4D7-45E8-A7DA-644FC30CA1D8}" type="presOf" srcId="{CF73B5C2-897B-4B8A-B68B-43360192EF00}" destId="{DFB4A00C-36B7-401A-9617-1C6E09996FCD}" srcOrd="0" destOrd="0" presId="urn:microsoft.com/office/officeart/2005/8/layout/vList5"/>
+    <dgm:cxn modelId="{25497656-91BF-4609-8F90-2A3D08024149}" type="presOf" srcId="{9787B6CA-C2A0-4964-893F-1A5B4EF90DAA}" destId="{BF6F5704-484A-4A47-AB93-390A42A2C6E5}" srcOrd="0" destOrd="0" presId="urn:microsoft.com/office/officeart/2005/8/layout/vList5"/>
+    <dgm:cxn modelId="{7CE9C956-FDCD-4063-8428-9E18A01262C1}" srcId="{9FCCEFCE-F847-4AD8-A3C9-401C3EDC6967}" destId="{B7134145-7D80-4B67-9063-56494AD2132A}" srcOrd="0" destOrd="0" parTransId="{52034C43-BFEE-49FE-A370-C8DD5A7C8EF2}" sibTransId="{76042E9D-F3CB-40AD-8E45-44637C221DC7}"/>
+    <dgm:cxn modelId="{F944F183-B901-4A90-BE4D-178B3763C4CC}" srcId="{26B74E10-1B58-4E6E-9514-79C41C72080D}" destId="{9FCCEFCE-F847-4AD8-A3C9-401C3EDC6967}" srcOrd="2" destOrd="0" parTransId="{9132ED4F-1495-4C99-BE1A-878F08993D1E}" sibTransId="{50C209D2-7E23-4113-BE43-CB5D9E85B612}"/>
+    <dgm:cxn modelId="{40FD6389-0FD9-44DE-A95D-61FBED57DA0F}" type="presOf" srcId="{B7134145-7D80-4B67-9063-56494AD2132A}" destId="{5CEF5D08-58D9-4872-8584-35E9EF7975AD}" srcOrd="0" destOrd="0" presId="urn:microsoft.com/office/officeart/2005/8/layout/vList5"/>
+    <dgm:cxn modelId="{158BE495-5F22-42A4-83CD-F657E1EA3E1D}" srcId="{26B74E10-1B58-4E6E-9514-79C41C72080D}" destId="{B7B4DEAD-6652-4B83-8231-A3E0C26F8124}" srcOrd="4" destOrd="0" parTransId="{4A88ED51-94E1-4BDA-96DA-8BB600AE13B3}" sibTransId="{7B1FCF56-6D3B-4C26-ABEC-76BCD4CA63C4}"/>
+    <dgm:cxn modelId="{67DC22A2-B96A-4BB8-A9B1-DF269C3FE79D}" type="presOf" srcId="{C81C16D0-7DF2-433E-9D5C-69EB13F1F5F9}" destId="{B96D5C01-E04F-4892-A828-4E11B2CFF2E1}" srcOrd="0" destOrd="0" presId="urn:microsoft.com/office/officeart/2005/8/layout/vList5"/>
+    <dgm:cxn modelId="{040EE3B6-E29B-4A0A-B355-A915376D42F1}" type="presOf" srcId="{B7B4DEAD-6652-4B83-8231-A3E0C26F8124}" destId="{F9F0DF7C-F605-4231-B5B3-F36A373F5E49}" srcOrd="0" destOrd="0" presId="urn:microsoft.com/office/officeart/2005/8/layout/vList5"/>
+    <dgm:cxn modelId="{4BAB70C8-9F46-4E5E-90BB-B51EE3750413}" srcId="{328CE82E-A5DD-4F34-8521-ABCF699D2879}" destId="{C237F137-E7D4-4F57-A4EB-724AB4D8A19D}" srcOrd="0" destOrd="0" parTransId="{DB6207A3-8FD8-44D0-A11D-CB993290C823}" sibTransId="{7BC629BD-7893-41FB-8675-C88C728E3E23}"/>
+    <dgm:cxn modelId="{ACF026D2-8010-42AB-A509-CA3E058A1132}" srcId="{26B74E10-1B58-4E6E-9514-79C41C72080D}" destId="{CF73B5C2-897B-4B8A-B68B-43360192EF00}" srcOrd="0" destOrd="0" parTransId="{7D277E8E-C765-46C2-9C04-D2FAE97DA81C}" sibTransId="{4284FEB6-E0B8-4023-B092-5E4F28D4BB11}"/>
+    <dgm:cxn modelId="{1DC30ED8-C60D-45C6-A8BF-5B1EAFB81DDE}" type="presOf" srcId="{26B74E10-1B58-4E6E-9514-79C41C72080D}" destId="{4B41294A-7AAF-4EEA-84FB-CF028E669D22}" srcOrd="0" destOrd="0" presId="urn:microsoft.com/office/officeart/2005/8/layout/vList5"/>
+    <dgm:cxn modelId="{046FC4D9-A156-4B68-82F1-1E6200C54160}" type="presOf" srcId="{9FCCEFCE-F847-4AD8-A3C9-401C3EDC6967}" destId="{57D5B4E1-1BA8-4CF3-9FFC-D7AE5CE8C0AA}" srcOrd="0" destOrd="0" presId="urn:microsoft.com/office/officeart/2005/8/layout/vList5"/>
+    <dgm:cxn modelId="{A29964E2-0D0F-422C-8111-3AF72B8D137C}" srcId="{CF73B5C2-897B-4B8A-B68B-43360192EF00}" destId="{9787B6CA-C2A0-4964-893F-1A5B4EF90DAA}" srcOrd="0" destOrd="0" parTransId="{FA98EE47-29AA-4017-BE78-8F0C25F0CDDE}" sibTransId="{930536DE-2BE5-4DCD-B520-54538322BB6D}"/>
+    <dgm:cxn modelId="{EAD5B2E2-00DB-45C4-A928-6BDC2BACC99F}" type="presOf" srcId="{2FE50C05-564C-488C-AB65-C59277EE87EA}" destId="{515AE589-E4EC-40A3-968D-F03F67C2FFE6}" srcOrd="0" destOrd="0" presId="urn:microsoft.com/office/officeart/2005/8/layout/vList5"/>
+    <dgm:cxn modelId="{FC4F64E8-2256-4951-8943-4E392D0E4501}" srcId="{26B74E10-1B58-4E6E-9514-79C41C72080D}" destId="{910ED96F-EFAE-4D45-9F50-60E3EBAED506}" srcOrd="1" destOrd="0" parTransId="{7097A080-6864-47F4-AB24-5BEF9595DFDC}" sibTransId="{9B9248C0-314B-4729-B1B5-17ECA00CDB9C}"/>
+    <dgm:cxn modelId="{EC5201EF-2D31-410E-9171-672D88460117}" srcId="{26B74E10-1B58-4E6E-9514-79C41C72080D}" destId="{328CE82E-A5DD-4F34-8521-ABCF699D2879}" srcOrd="3" destOrd="0" parTransId="{31AF8A6E-ED29-40EB-8979-5082BA6386F2}" sibTransId="{B25684F5-0F72-48E3-8CA7-FB90D451E792}"/>
+    <dgm:cxn modelId="{AE8BF4F5-F2C6-421A-9D5E-DF5B01B714FD}" type="presOf" srcId="{328CE82E-A5DD-4F34-8521-ABCF699D2879}" destId="{19D710BD-BBB9-42C4-91D3-D4D74ABB77B6}" srcOrd="0" destOrd="0" presId="urn:microsoft.com/office/officeart/2005/8/layout/vList5"/>
+    <dgm:cxn modelId="{0EF3287D-515D-4393-A77C-B13527AEA343}" type="presParOf" srcId="{4B41294A-7AAF-4EEA-84FB-CF028E669D22}" destId="{F1E3530D-B97B-4CCF-B6CE-106470E20740}" srcOrd="0" destOrd="0" presId="urn:microsoft.com/office/officeart/2005/8/layout/vList5"/>
+    <dgm:cxn modelId="{A946B456-FE39-4475-880C-AA0C5947D104}" type="presParOf" srcId="{F1E3530D-B97B-4CCF-B6CE-106470E20740}" destId="{DFB4A00C-36B7-401A-9617-1C6E09996FCD}" srcOrd="0" destOrd="0" presId="urn:microsoft.com/office/officeart/2005/8/layout/vList5"/>
+    <dgm:cxn modelId="{91D46700-4D7F-421F-B051-949EE5B65D0C}" type="presParOf" srcId="{F1E3530D-B97B-4CCF-B6CE-106470E20740}" destId="{BF6F5704-484A-4A47-AB93-390A42A2C6E5}" srcOrd="1" destOrd="0" presId="urn:microsoft.com/office/officeart/2005/8/layout/vList5"/>
+    <dgm:cxn modelId="{4F20AD0F-B029-4152-8928-33B428B2558C}" type="presParOf" srcId="{4B41294A-7AAF-4EEA-84FB-CF028E669D22}" destId="{A1D834C0-A1F7-45B1-96BA-5BB4B07D5A7C}" srcOrd="1" destOrd="0" presId="urn:microsoft.com/office/officeart/2005/8/layout/vList5"/>
+    <dgm:cxn modelId="{600DB6FC-F819-4477-912C-56416C35158A}" type="presParOf" srcId="{4B41294A-7AAF-4EEA-84FB-CF028E669D22}" destId="{76C613BA-24B0-4224-A5F6-E36DD248F393}" srcOrd="2" destOrd="0" presId="urn:microsoft.com/office/officeart/2005/8/layout/vList5"/>
+    <dgm:cxn modelId="{E3A3CC7D-AC9F-48C3-BF66-2C14AC929671}" type="presParOf" srcId="{76C613BA-24B0-4224-A5F6-E36DD248F393}" destId="{19CF64B8-4812-424C-8FC9-C5B7E97177A2}" srcOrd="0" destOrd="0" presId="urn:microsoft.com/office/officeart/2005/8/layout/vList5"/>
+    <dgm:cxn modelId="{38128F94-5044-4EF3-836A-4F3FDBE8AB99}" type="presParOf" srcId="{76C613BA-24B0-4224-A5F6-E36DD248F393}" destId="{B96D5C01-E04F-4892-A828-4E11B2CFF2E1}" srcOrd="1" destOrd="0" presId="urn:microsoft.com/office/officeart/2005/8/layout/vList5"/>
+    <dgm:cxn modelId="{5F2014D2-F58F-43FF-B0F7-AEA8C5F2CDBB}" type="presParOf" srcId="{4B41294A-7AAF-4EEA-84FB-CF028E669D22}" destId="{93EC7CE2-2604-4B41-B031-0C8126E9479D}" srcOrd="3" destOrd="0" presId="urn:microsoft.com/office/officeart/2005/8/layout/vList5"/>
+    <dgm:cxn modelId="{042338B1-69CF-4594-A762-C6666488D05E}" type="presParOf" srcId="{4B41294A-7AAF-4EEA-84FB-CF028E669D22}" destId="{BBD38A74-2D47-4476-9683-B3BEDBD37461}" srcOrd="4" destOrd="0" presId="urn:microsoft.com/office/officeart/2005/8/layout/vList5"/>
+    <dgm:cxn modelId="{1FB5A010-707D-4CCF-88BA-AEA284428503}" type="presParOf" srcId="{BBD38A74-2D47-4476-9683-B3BEDBD37461}" destId="{57D5B4E1-1BA8-4CF3-9FFC-D7AE5CE8C0AA}" srcOrd="0" destOrd="0" presId="urn:microsoft.com/office/officeart/2005/8/layout/vList5"/>
+    <dgm:cxn modelId="{B2B0B48E-BBCC-4EE2-98FC-8C6F70704C7E}" type="presParOf" srcId="{BBD38A74-2D47-4476-9683-B3BEDBD37461}" destId="{5CEF5D08-58D9-4872-8584-35E9EF7975AD}" srcOrd="1" destOrd="0" presId="urn:microsoft.com/office/officeart/2005/8/layout/vList5"/>
+    <dgm:cxn modelId="{ED33B28B-B441-4391-856E-97C554AF87AF}" type="presParOf" srcId="{4B41294A-7AAF-4EEA-84FB-CF028E669D22}" destId="{838A3D2F-36E7-41B6-A5D2-3EDCCCDDE0ED}" srcOrd="5" destOrd="0" presId="urn:microsoft.com/office/officeart/2005/8/layout/vList5"/>
+    <dgm:cxn modelId="{758A6642-FE03-407E-846F-DBFF8B6347F6}" type="presParOf" srcId="{4B41294A-7AAF-4EEA-84FB-CF028E669D22}" destId="{0A0AD189-B52B-4B13-AC28-0338599555B0}" srcOrd="6" destOrd="0" presId="urn:microsoft.com/office/officeart/2005/8/layout/vList5"/>
+    <dgm:cxn modelId="{2C3CCD4B-0590-40F1-9B7E-BF084CA59415}" type="presParOf" srcId="{0A0AD189-B52B-4B13-AC28-0338599555B0}" destId="{19D710BD-BBB9-42C4-91D3-D4D74ABB77B6}" srcOrd="0" destOrd="0" presId="urn:microsoft.com/office/officeart/2005/8/layout/vList5"/>
+    <dgm:cxn modelId="{0E3FEF9F-29C5-4922-91A0-6C600E94A4F4}" type="presParOf" srcId="{0A0AD189-B52B-4B13-AC28-0338599555B0}" destId="{659AC0E4-7D27-475B-91AB-0B73A3D5A50B}" srcOrd="1" destOrd="0" presId="urn:microsoft.com/office/officeart/2005/8/layout/vList5"/>
+    <dgm:cxn modelId="{F4E1A6AB-8FAF-4A5D-82FA-B8702A0BD31E}" type="presParOf" srcId="{4B41294A-7AAF-4EEA-84FB-CF028E669D22}" destId="{3F4F218B-34BA-4AEB-A8DD-CA5AC934C729}" srcOrd="7" destOrd="0" presId="urn:microsoft.com/office/officeart/2005/8/layout/vList5"/>
+    <dgm:cxn modelId="{162163F3-E54B-44A3-8154-3F9CAB44DB24}" type="presParOf" srcId="{4B41294A-7AAF-4EEA-84FB-CF028E669D22}" destId="{8CCB0235-D470-4174-B27E-50641FE5728B}" srcOrd="8" destOrd="0" presId="urn:microsoft.com/office/officeart/2005/8/layout/vList5"/>
+    <dgm:cxn modelId="{4F4BC6C5-1818-4DC6-923B-A3856013DD87}" type="presParOf" srcId="{8CCB0235-D470-4174-B27E-50641FE5728B}" destId="{F9F0DF7C-F605-4231-B5B3-F36A373F5E49}" srcOrd="0" destOrd="0" presId="urn:microsoft.com/office/officeart/2005/8/layout/vList5"/>
+    <dgm:cxn modelId="{90ECD006-1807-4FA4-A485-818E896E0269}" type="presParOf" srcId="{8CCB0235-D470-4174-B27E-50641FE5728B}" destId="{515AE589-E4EC-40A3-968D-F03F67C2FFE6}" srcOrd="1" destOrd="0" presId="urn:microsoft.com/office/officeart/2005/8/layout/vList5"/>
+  </dgm:cxnLst>
+  <dgm:bg/>
+  <dgm:whole/>
+  <dgm:extLst>
+    <a:ext uri="http://schemas.microsoft.com/office/drawing/2008/diagram">
+      <dsp:dataModelExt xmlns:dsp="http://schemas.microsoft.com/office/drawing/2008/diagram" relId="rId10" minVer="http://schemas.openxmlformats.org/drawingml/2006/diagram"/>
+    </a:ext>
+    <a:ext uri="{C62137D5-CB1D-491B-B009-E17868A290BF}">
+      <dgm14:recolorImg xmlns:dgm14="http://schemas.microsoft.com/office/drawing/2010/diagram" val="1"/>
+    </a:ext>
+  </dgm:extLst>
+</dgm:dataModel>
+</file>
+
+<file path=ppt/diagrams/drawing1.xml><?xml version="1.0" encoding="utf-8"?>
+<dsp:drawing xmlns:dgm="http://schemas.openxmlformats.org/drawingml/2006/diagram" xmlns:dsp="http://schemas.microsoft.com/office/drawing/2008/diagram" xmlns:a="http://schemas.openxmlformats.org/drawingml/2006/main">
+  <dsp:spTree>
+    <dsp:nvGrpSpPr>
+      <dsp:cNvPr id="0" name=""/>
+      <dsp:cNvGrpSpPr/>
+    </dsp:nvGrpSpPr>
+    <dsp:grpSpPr/>
+    <dsp:sp modelId="{BF6F5704-484A-4A47-AB93-390A42A2C6E5}">
+      <dsp:nvSpPr>
+        <dsp:cNvPr id="0" name=""/>
+        <dsp:cNvSpPr/>
+      </dsp:nvSpPr>
+      <dsp:spPr>
+        <a:xfrm rot="5400000">
+          <a:off x="11896276" y="-4541437"/>
+          <a:ext cx="2692064" cy="12463349"/>
+        </a:xfrm>
+        <a:prstGeom prst="round2SameRect">
+          <a:avLst/>
+        </a:prstGeom>
+        <a:noFill/>
+        <a:ln w="12700" cap="flat" cmpd="sng" algn="ctr">
+          <a:noFill/>
+          <a:prstDash val="solid"/>
+          <a:miter lim="800000"/>
+        </a:ln>
+        <a:effectLst/>
+      </dsp:spPr>
+      <dsp:style>
+        <a:lnRef idx="2">
+          <a:scrgbClr r="0" g="0" b="0"/>
+        </a:lnRef>
+        <a:fillRef idx="1">
+          <a:scrgbClr r="0" g="0" b="0"/>
+        </a:fillRef>
+        <a:effectRef idx="0">
+          <a:scrgbClr r="0" g="0" b="0"/>
+        </a:effectRef>
+        <a:fontRef idx="minor"/>
+      </dsp:style>
+      <dsp:txBody>
+        <a:bodyPr spcFirstLastPara="0" vert="horz" wrap="square" lIns="247650" tIns="123825" rIns="247650" bIns="123825" numCol="1" spcCol="1270" anchor="ctr" anchorCtr="0">
+          <a:noAutofit/>
+        </a:bodyPr>
+        <a:lstStyle/>
+        <a:p>
+          <a:pPr marL="285750" lvl="1" indent="-285750" algn="ctr" defTabSz="2889250">
+            <a:lnSpc>
+              <a:spcPct val="90000"/>
+            </a:lnSpc>
+            <a:spcBef>
+              <a:spcPct val="0"/>
+            </a:spcBef>
+            <a:spcAft>
+              <a:spcPct val="15000"/>
+            </a:spcAft>
+            <a:buNone/>
+          </a:pPr>
+          <a:r>
+            <a:rPr lang="en-GB" sz="6500" kern="1200" dirty="0">
+              <a:latin typeface="Source Serif Pro ExtraLight" panose="02040203050405020204" pitchFamily="18" charset="0"/>
+              <a:ea typeface="Source Serif Pro ExtraLight" panose="02040203050405020204" pitchFamily="18" charset="0"/>
+            </a:rPr>
+            <a:t>Discover campus’s most beautiful spots.</a:t>
+          </a:r>
+        </a:p>
+      </dsp:txBody>
+      <dsp:txXfrm rot="-5400000">
+        <a:off x="7010634" y="475621"/>
+        <a:ext cx="12331933" cy="2429232"/>
+      </dsp:txXfrm>
+    </dsp:sp>
+    <dsp:sp modelId="{DFB4A00C-36B7-401A-9617-1C6E09996FCD}">
+      <dsp:nvSpPr>
+        <dsp:cNvPr id="0" name=""/>
+        <dsp:cNvSpPr/>
+      </dsp:nvSpPr>
+      <dsp:spPr>
+        <a:xfrm>
+          <a:off x="0" y="7696"/>
+          <a:ext cx="7010633" cy="3365080"/>
+        </a:xfrm>
+        <a:prstGeom prst="roundRect">
+          <a:avLst/>
+        </a:prstGeom>
+        <a:solidFill>
+          <a:srgbClr val="5E7A5F"/>
+        </a:solidFill>
+        <a:ln w="12700" cap="flat" cmpd="sng" algn="ctr">
+          <a:solidFill>
+            <a:schemeClr val="lt1">
+              <a:hueOff val="0"/>
+              <a:satOff val="0"/>
+              <a:lumOff val="0"/>
+              <a:alphaOff val="0"/>
+            </a:schemeClr>
+          </a:solidFill>
+          <a:prstDash val="solid"/>
+          <a:miter lim="800000"/>
+        </a:ln>
+        <a:effectLst/>
+      </dsp:spPr>
+      <dsp:style>
+        <a:lnRef idx="2">
+          <a:scrgbClr r="0" g="0" b="0"/>
+        </a:lnRef>
+        <a:fillRef idx="1">
+          <a:scrgbClr r="0" g="0" b="0"/>
+        </a:fillRef>
+        <a:effectRef idx="0">
+          <a:scrgbClr r="0" g="0" b="0"/>
+        </a:effectRef>
+        <a:fontRef idx="minor">
+          <a:schemeClr val="lt1"/>
+        </a:fontRef>
+      </dsp:style>
+      <dsp:txBody>
+        <a:bodyPr spcFirstLastPara="0" vert="horz" wrap="square" lIns="247650" tIns="123825" rIns="247650" bIns="123825" numCol="1" spcCol="1270" anchor="ctr" anchorCtr="0">
+          <a:noAutofit/>
+        </a:bodyPr>
+        <a:lstStyle/>
+        <a:p>
+          <a:pPr marL="0" lvl="0" indent="0" algn="ctr" defTabSz="2889250">
+            <a:lnSpc>
+              <a:spcPct val="90000"/>
+            </a:lnSpc>
+            <a:spcBef>
+              <a:spcPct val="0"/>
+            </a:spcBef>
+            <a:spcAft>
+              <a:spcPct val="35000"/>
+            </a:spcAft>
+            <a:buNone/>
+          </a:pPr>
+          <a:r>
+            <a:rPr lang="en-GB" sz="6500" kern="1200" dirty="0">
+              <a:latin typeface="Source Serif Pro" panose="02040603050405020204" pitchFamily="18" charset="0"/>
+              <a:ea typeface="Source Serif Pro" panose="02040603050405020204" pitchFamily="18" charset="0"/>
+            </a:rPr>
+            <a:t>Explore Campus</a:t>
+          </a:r>
+        </a:p>
+      </dsp:txBody>
+      <dsp:txXfrm>
+        <a:off x="164270" y="171966"/>
+        <a:ext cx="6682093" cy="3036540"/>
+      </dsp:txXfrm>
+    </dsp:sp>
+    <dsp:sp modelId="{B96D5C01-E04F-4892-A828-4E11B2CFF2E1}">
+      <dsp:nvSpPr>
+        <dsp:cNvPr id="0" name=""/>
+        <dsp:cNvSpPr/>
+      </dsp:nvSpPr>
+      <dsp:spPr>
+        <a:xfrm rot="5400000">
+          <a:off x="11896276" y="-1008102"/>
+          <a:ext cx="2692064" cy="12463349"/>
+        </a:xfrm>
+        <a:prstGeom prst="round2SameRect">
+          <a:avLst/>
+        </a:prstGeom>
+        <a:noFill/>
+        <a:ln w="12700" cap="flat" cmpd="sng" algn="ctr">
+          <a:noFill/>
+          <a:prstDash val="solid"/>
+          <a:miter lim="800000"/>
+        </a:ln>
+        <a:effectLst/>
+      </dsp:spPr>
+      <dsp:style>
+        <a:lnRef idx="2">
+          <a:scrgbClr r="0" g="0" b="0"/>
+        </a:lnRef>
+        <a:fillRef idx="1">
+          <a:scrgbClr r="0" g="0" b="0"/>
+        </a:fillRef>
+        <a:effectRef idx="0">
+          <a:scrgbClr r="0" g="0" b="0"/>
+        </a:effectRef>
+        <a:fontRef idx="minor"/>
+      </dsp:style>
+      <dsp:txBody>
+        <a:bodyPr spcFirstLastPara="0" vert="horz" wrap="square" lIns="247650" tIns="123825" rIns="247650" bIns="123825" numCol="1" spcCol="1270" anchor="ctr" anchorCtr="0">
+          <a:noAutofit/>
+        </a:bodyPr>
+        <a:lstStyle/>
+        <a:p>
+          <a:pPr marL="285750" lvl="1" indent="-285750" algn="ctr" defTabSz="2889250">
+            <a:lnSpc>
+              <a:spcPct val="90000"/>
+            </a:lnSpc>
+            <a:spcBef>
+              <a:spcPct val="0"/>
+            </a:spcBef>
+            <a:spcAft>
+              <a:spcPct val="15000"/>
+            </a:spcAft>
+            <a:buNone/>
+          </a:pPr>
+          <a:r>
+            <a:rPr lang="en-GB" sz="6500" kern="1200" dirty="0">
+              <a:latin typeface="Source Serif Pro ExtraLight" panose="02040203050405020204" pitchFamily="18" charset="0"/>
+              <a:ea typeface="Source Serif Pro ExtraLight" panose="02040203050405020204" pitchFamily="18" charset="0"/>
+            </a:rPr>
+            <a:t>Image and facial recognitions.</a:t>
+          </a:r>
+        </a:p>
+      </dsp:txBody>
+      <dsp:txXfrm rot="-5400000">
+        <a:off x="7010634" y="4008956"/>
+        <a:ext cx="12331933" cy="2429232"/>
+      </dsp:txXfrm>
+    </dsp:sp>
+    <dsp:sp modelId="{19CF64B8-4812-424C-8FC9-C5B7E97177A2}">
+      <dsp:nvSpPr>
+        <dsp:cNvPr id="0" name=""/>
+        <dsp:cNvSpPr/>
+      </dsp:nvSpPr>
+      <dsp:spPr>
+        <a:xfrm>
+          <a:off x="0" y="3541031"/>
+          <a:ext cx="7010633" cy="3365080"/>
+        </a:xfrm>
+        <a:prstGeom prst="roundRect">
+          <a:avLst/>
+        </a:prstGeom>
+        <a:solidFill>
+          <a:srgbClr val="5E7A5F"/>
+        </a:solidFill>
+        <a:ln w="12700" cap="flat" cmpd="sng" algn="ctr">
+          <a:solidFill>
+            <a:schemeClr val="lt1">
+              <a:hueOff val="0"/>
+              <a:satOff val="0"/>
+              <a:lumOff val="0"/>
+              <a:alphaOff val="0"/>
+            </a:schemeClr>
+          </a:solidFill>
+          <a:prstDash val="solid"/>
+          <a:miter lim="800000"/>
+        </a:ln>
+        <a:effectLst/>
+      </dsp:spPr>
+      <dsp:style>
+        <a:lnRef idx="2">
+          <a:scrgbClr r="0" g="0" b="0"/>
+        </a:lnRef>
+        <a:fillRef idx="1">
+          <a:scrgbClr r="0" g="0" b="0"/>
+        </a:fillRef>
+        <a:effectRef idx="0">
+          <a:scrgbClr r="0" g="0" b="0"/>
+        </a:effectRef>
+        <a:fontRef idx="minor">
+          <a:schemeClr val="lt1"/>
+        </a:fontRef>
+      </dsp:style>
+      <dsp:txBody>
+        <a:bodyPr spcFirstLastPara="0" vert="horz" wrap="square" lIns="247650" tIns="123825" rIns="247650" bIns="123825" numCol="1" spcCol="1270" anchor="ctr" anchorCtr="0">
+          <a:noAutofit/>
+        </a:bodyPr>
+        <a:lstStyle/>
+        <a:p>
+          <a:pPr marL="0" lvl="0" indent="0" algn="ctr" defTabSz="2889250">
+            <a:lnSpc>
+              <a:spcPct val="90000"/>
+            </a:lnSpc>
+            <a:spcBef>
+              <a:spcPct val="0"/>
+            </a:spcBef>
+            <a:spcAft>
+              <a:spcPct val="35000"/>
+            </a:spcAft>
+            <a:buNone/>
+          </a:pPr>
+          <a:r>
+            <a:rPr lang="en-GB" sz="6500" kern="1200" dirty="0">
+              <a:latin typeface="Source Serif Pro" panose="02040603050405020204" pitchFamily="18" charset="0"/>
+              <a:ea typeface="Source Serif Pro" panose="02040603050405020204" pitchFamily="18" charset="0"/>
+            </a:rPr>
+            <a:t>Powered by AI</a:t>
+          </a:r>
+        </a:p>
+      </dsp:txBody>
+      <dsp:txXfrm>
+        <a:off x="164270" y="3705301"/>
+        <a:ext cx="6682093" cy="3036540"/>
+      </dsp:txXfrm>
+    </dsp:sp>
+    <dsp:sp modelId="{5CEF5D08-58D9-4872-8584-35E9EF7975AD}">
+      <dsp:nvSpPr>
+        <dsp:cNvPr id="0" name=""/>
+        <dsp:cNvSpPr/>
+      </dsp:nvSpPr>
+      <dsp:spPr>
+        <a:xfrm rot="5400000">
+          <a:off x="11896276" y="2525232"/>
+          <a:ext cx="2692064" cy="12463349"/>
+        </a:xfrm>
+        <a:prstGeom prst="round2SameRect">
+          <a:avLst/>
+        </a:prstGeom>
+        <a:noFill/>
+        <a:ln w="12700" cap="flat" cmpd="sng" algn="ctr">
+          <a:noFill/>
+          <a:prstDash val="solid"/>
+          <a:miter lim="800000"/>
+        </a:ln>
+        <a:effectLst/>
+      </dsp:spPr>
+      <dsp:style>
+        <a:lnRef idx="2">
+          <a:scrgbClr r="0" g="0" b="0"/>
+        </a:lnRef>
+        <a:fillRef idx="1">
+          <a:scrgbClr r="0" g="0" b="0"/>
+        </a:fillRef>
+        <a:effectRef idx="0">
+          <a:scrgbClr r="0" g="0" b="0"/>
+        </a:effectRef>
+        <a:fontRef idx="minor"/>
+      </dsp:style>
+      <dsp:txBody>
+        <a:bodyPr spcFirstLastPara="0" vert="horz" wrap="square" lIns="247650" tIns="123825" rIns="247650" bIns="123825" numCol="1" spcCol="1270" anchor="ctr" anchorCtr="0">
+          <a:noAutofit/>
+        </a:bodyPr>
+        <a:lstStyle/>
+        <a:p>
+          <a:pPr marL="285750" lvl="1" indent="-285750" algn="ctr" defTabSz="2889250">
+            <a:lnSpc>
+              <a:spcPct val="90000"/>
+            </a:lnSpc>
+            <a:spcBef>
+              <a:spcPct val="0"/>
+            </a:spcBef>
+            <a:spcAft>
+              <a:spcPct val="15000"/>
+            </a:spcAft>
+            <a:buNone/>
+          </a:pPr>
+          <a:r>
+            <a:rPr lang="en-GB" sz="6500" kern="1200" dirty="0">
+              <a:latin typeface="Source Serif Pro ExtraLight" panose="02040203050405020204" pitchFamily="18" charset="0"/>
+              <a:ea typeface="Source Serif Pro ExtraLight" panose="02040203050405020204" pitchFamily="18" charset="0"/>
+            </a:rPr>
+            <a:t>Compete with students to reach the top. </a:t>
+          </a:r>
+        </a:p>
+      </dsp:txBody>
+      <dsp:txXfrm rot="-5400000">
+        <a:off x="7010634" y="7542290"/>
+        <a:ext cx="12331933" cy="2429232"/>
+      </dsp:txXfrm>
+    </dsp:sp>
+    <dsp:sp modelId="{57D5B4E1-1BA8-4CF3-9FFC-D7AE5CE8C0AA}">
+      <dsp:nvSpPr>
+        <dsp:cNvPr id="0" name=""/>
+        <dsp:cNvSpPr/>
+      </dsp:nvSpPr>
+      <dsp:spPr>
+        <a:xfrm>
+          <a:off x="0" y="7074366"/>
+          <a:ext cx="7010633" cy="3365080"/>
+        </a:xfrm>
+        <a:prstGeom prst="roundRect">
+          <a:avLst/>
+        </a:prstGeom>
+        <a:solidFill>
+          <a:srgbClr val="5E7A5F"/>
+        </a:solidFill>
+        <a:ln w="12700" cap="flat" cmpd="sng" algn="ctr">
+          <a:solidFill>
+            <a:schemeClr val="lt1">
+              <a:hueOff val="0"/>
+              <a:satOff val="0"/>
+              <a:lumOff val="0"/>
+              <a:alphaOff val="0"/>
+            </a:schemeClr>
+          </a:solidFill>
+          <a:prstDash val="solid"/>
+          <a:miter lim="800000"/>
+        </a:ln>
+        <a:effectLst/>
+      </dsp:spPr>
+      <dsp:style>
+        <a:lnRef idx="2">
+          <a:scrgbClr r="0" g="0" b="0"/>
+        </a:lnRef>
+        <a:fillRef idx="1">
+          <a:scrgbClr r="0" g="0" b="0"/>
+        </a:fillRef>
+        <a:effectRef idx="0">
+          <a:scrgbClr r="0" g="0" b="0"/>
+        </a:effectRef>
+        <a:fontRef idx="minor">
+          <a:schemeClr val="lt1"/>
+        </a:fontRef>
+      </dsp:style>
+      <dsp:txBody>
+        <a:bodyPr spcFirstLastPara="0" vert="horz" wrap="square" lIns="247650" tIns="123825" rIns="247650" bIns="123825" numCol="1" spcCol="1270" anchor="ctr" anchorCtr="0">
+          <a:noAutofit/>
+        </a:bodyPr>
+        <a:lstStyle/>
+        <a:p>
+          <a:pPr marL="0" lvl="0" indent="0" algn="ctr" defTabSz="2889250">
+            <a:lnSpc>
+              <a:spcPct val="90000"/>
+            </a:lnSpc>
+            <a:spcBef>
+              <a:spcPct val="0"/>
+            </a:spcBef>
+            <a:spcAft>
+              <a:spcPct val="35000"/>
+            </a:spcAft>
+            <a:buNone/>
+          </a:pPr>
+          <a:r>
+            <a:rPr lang="en-GB" sz="6500" kern="1200" dirty="0">
+              <a:latin typeface="Source Serif Pro" panose="02040603050405020204" pitchFamily="18" charset="0"/>
+              <a:ea typeface="Source Serif Pro" panose="02040603050405020204" pitchFamily="18" charset="0"/>
+            </a:rPr>
+            <a:t>Climb the Leader board</a:t>
+          </a:r>
+        </a:p>
+      </dsp:txBody>
+      <dsp:txXfrm>
+        <a:off x="164270" y="7238636"/>
+        <a:ext cx="6682093" cy="3036540"/>
+      </dsp:txXfrm>
+    </dsp:sp>
+    <dsp:sp modelId="{659AC0E4-7D27-475B-91AB-0B73A3D5A50B}">
+      <dsp:nvSpPr>
+        <dsp:cNvPr id="0" name=""/>
+        <dsp:cNvSpPr/>
+      </dsp:nvSpPr>
+      <dsp:spPr>
+        <a:xfrm rot="5400000">
+          <a:off x="11896276" y="6058567"/>
+          <a:ext cx="2692064" cy="12463349"/>
+        </a:xfrm>
+        <a:prstGeom prst="round2SameRect">
+          <a:avLst/>
+        </a:prstGeom>
+        <a:noFill/>
+        <a:ln w="12700" cap="flat" cmpd="sng" algn="ctr">
+          <a:noFill/>
+          <a:prstDash val="solid"/>
+          <a:miter lim="800000"/>
+        </a:ln>
+        <a:effectLst/>
+      </dsp:spPr>
+      <dsp:style>
+        <a:lnRef idx="2">
+          <a:scrgbClr r="0" g="0" b="0"/>
+        </a:lnRef>
+        <a:fillRef idx="1">
+          <a:scrgbClr r="0" g="0" b="0"/>
+        </a:fillRef>
+        <a:effectRef idx="0">
+          <a:scrgbClr r="0" g="0" b="0"/>
+        </a:effectRef>
+        <a:fontRef idx="minor"/>
+      </dsp:style>
+      <dsp:txBody>
+        <a:bodyPr spcFirstLastPara="0" vert="horz" wrap="square" lIns="247650" tIns="123825" rIns="247650" bIns="123825" numCol="1" spcCol="1270" anchor="ctr" anchorCtr="0">
+          <a:noAutofit/>
+        </a:bodyPr>
+        <a:lstStyle/>
+        <a:p>
+          <a:pPr marL="285750" lvl="1" indent="-285750" algn="ctr" defTabSz="2889250">
+            <a:lnSpc>
+              <a:spcPct val="90000"/>
+            </a:lnSpc>
+            <a:spcBef>
+              <a:spcPct val="0"/>
+            </a:spcBef>
+            <a:spcAft>
+              <a:spcPct val="15000"/>
+            </a:spcAft>
+            <a:buNone/>
+          </a:pPr>
+          <a:r>
+            <a:rPr lang="en-GB" sz="6500" kern="1200" dirty="0">
+              <a:latin typeface="Source Serif Pro ExtraLight" panose="02040203050405020204" pitchFamily="18" charset="0"/>
+              <a:ea typeface="Source Serif Pro ExtraLight" panose="02040203050405020204" pitchFamily="18" charset="0"/>
+            </a:rPr>
+            <a:t>Gain badges for </a:t>
+          </a:r>
+        </a:p>
+      </dsp:txBody>
+      <dsp:txXfrm rot="-5400000">
+        <a:off x="7010634" y="11075625"/>
+        <a:ext cx="12331933" cy="2429232"/>
+      </dsp:txXfrm>
+    </dsp:sp>
+    <dsp:sp modelId="{19D710BD-BBB9-42C4-91D3-D4D74ABB77B6}">
+      <dsp:nvSpPr>
+        <dsp:cNvPr id="0" name=""/>
+        <dsp:cNvSpPr/>
+      </dsp:nvSpPr>
+      <dsp:spPr>
+        <a:xfrm>
+          <a:off x="0" y="10607701"/>
+          <a:ext cx="7010633" cy="3365080"/>
+        </a:xfrm>
+        <a:prstGeom prst="roundRect">
+          <a:avLst/>
+        </a:prstGeom>
+        <a:solidFill>
+          <a:srgbClr val="5E7A5F"/>
+        </a:solidFill>
+        <a:ln w="12700" cap="flat" cmpd="sng" algn="ctr">
+          <a:solidFill>
+            <a:schemeClr val="lt1">
+              <a:hueOff val="0"/>
+              <a:satOff val="0"/>
+              <a:lumOff val="0"/>
+              <a:alphaOff val="0"/>
+            </a:schemeClr>
+          </a:solidFill>
+          <a:prstDash val="solid"/>
+          <a:miter lim="800000"/>
+        </a:ln>
+        <a:effectLst/>
+      </dsp:spPr>
+      <dsp:style>
+        <a:lnRef idx="2">
+          <a:scrgbClr r="0" g="0" b="0"/>
+        </a:lnRef>
+        <a:fillRef idx="1">
+          <a:scrgbClr r="0" g="0" b="0"/>
+        </a:fillRef>
+        <a:effectRef idx="0">
+          <a:scrgbClr r="0" g="0" b="0"/>
+        </a:effectRef>
+        <a:fontRef idx="minor">
+          <a:schemeClr val="lt1"/>
+        </a:fontRef>
+      </dsp:style>
+      <dsp:txBody>
+        <a:bodyPr spcFirstLastPara="0" vert="horz" wrap="square" lIns="247650" tIns="123825" rIns="247650" bIns="123825" numCol="1" spcCol="1270" anchor="ctr" anchorCtr="0">
+          <a:noAutofit/>
+        </a:bodyPr>
+        <a:lstStyle/>
+        <a:p>
+          <a:pPr marL="0" lvl="0" indent="0" algn="ctr" defTabSz="2889250">
+            <a:lnSpc>
+              <a:spcPct val="90000"/>
+            </a:lnSpc>
+            <a:spcBef>
+              <a:spcPct val="0"/>
+            </a:spcBef>
+            <a:spcAft>
+              <a:spcPct val="35000"/>
+            </a:spcAft>
+            <a:buNone/>
+          </a:pPr>
+          <a:r>
+            <a:rPr lang="en-GB" sz="6500" kern="1200" dirty="0">
+              <a:latin typeface="Source Serif Pro" panose="02040603050405020204" pitchFamily="18" charset="0"/>
+              <a:ea typeface="Source Serif Pro" panose="02040603050405020204" pitchFamily="18" charset="0"/>
+            </a:rPr>
+            <a:t>Achieve Badges</a:t>
+          </a:r>
+        </a:p>
+      </dsp:txBody>
+      <dsp:txXfrm>
+        <a:off x="164270" y="10771971"/>
+        <a:ext cx="6682093" cy="3036540"/>
+      </dsp:txXfrm>
+    </dsp:sp>
+    <dsp:sp modelId="{515AE589-E4EC-40A3-968D-F03F67C2FFE6}">
+      <dsp:nvSpPr>
+        <dsp:cNvPr id="0" name=""/>
+        <dsp:cNvSpPr/>
+      </dsp:nvSpPr>
+      <dsp:spPr>
+        <a:xfrm rot="5400000">
+          <a:off x="11896276" y="9591902"/>
+          <a:ext cx="2692064" cy="12463349"/>
+        </a:xfrm>
+        <a:prstGeom prst="round2SameRect">
+          <a:avLst/>
+        </a:prstGeom>
+        <a:noFill/>
+        <a:ln w="12700" cap="flat" cmpd="sng" algn="ctr">
+          <a:noFill/>
+          <a:prstDash val="solid"/>
+          <a:miter lim="800000"/>
+        </a:ln>
+        <a:effectLst/>
+      </dsp:spPr>
+      <dsp:style>
+        <a:lnRef idx="2">
+          <a:scrgbClr r="0" g="0" b="0"/>
+        </a:lnRef>
+        <a:fillRef idx="1">
+          <a:scrgbClr r="0" g="0" b="0"/>
+        </a:fillRef>
+        <a:effectRef idx="0">
+          <a:scrgbClr r="0" g="0" b="0"/>
+        </a:effectRef>
+        <a:fontRef idx="minor"/>
+      </dsp:style>
+      <dsp:txBody>
+        <a:bodyPr spcFirstLastPara="0" vert="horz" wrap="square" lIns="247650" tIns="123825" rIns="247650" bIns="123825" numCol="1" spcCol="1270" anchor="ctr" anchorCtr="0">
+          <a:noAutofit/>
+        </a:bodyPr>
+        <a:lstStyle/>
+        <a:p>
+          <a:pPr marL="285750" lvl="1" indent="-285750" algn="ctr" defTabSz="2889250">
+            <a:lnSpc>
+              <a:spcPct val="90000"/>
+            </a:lnSpc>
+            <a:spcBef>
+              <a:spcPct val="0"/>
+            </a:spcBef>
+            <a:spcAft>
+              <a:spcPct val="15000"/>
+            </a:spcAft>
+            <a:buNone/>
+          </a:pPr>
+          <a:endParaRPr lang="en-GB" sz="6500" kern="1200" dirty="0">
+            <a:latin typeface="Source Serif Pro ExtraLight" panose="02040203050405020204" pitchFamily="18" charset="0"/>
+            <a:ea typeface="Source Serif Pro ExtraLight" panose="02040203050405020204" pitchFamily="18" charset="0"/>
+          </a:endParaRPr>
+        </a:p>
+      </dsp:txBody>
+      <dsp:txXfrm rot="-5400000">
+        <a:off x="7010634" y="14608960"/>
+        <a:ext cx="12331933" cy="2429232"/>
+      </dsp:txXfrm>
+    </dsp:sp>
+    <dsp:sp modelId="{F9F0DF7C-F605-4231-B5B3-F36A373F5E49}">
+      <dsp:nvSpPr>
+        <dsp:cNvPr id="0" name=""/>
+        <dsp:cNvSpPr/>
+      </dsp:nvSpPr>
+      <dsp:spPr>
+        <a:xfrm>
+          <a:off x="0" y="14148733"/>
+          <a:ext cx="7010633" cy="3365080"/>
+        </a:xfrm>
+        <a:prstGeom prst="roundRect">
+          <a:avLst/>
+        </a:prstGeom>
+        <a:solidFill>
+          <a:srgbClr val="5E7A5F"/>
+        </a:solidFill>
+        <a:ln w="12700" cap="flat" cmpd="sng" algn="ctr">
+          <a:solidFill>
+            <a:schemeClr val="lt1">
+              <a:hueOff val="0"/>
+              <a:satOff val="0"/>
+              <a:lumOff val="0"/>
+              <a:alphaOff val="0"/>
+            </a:schemeClr>
+          </a:solidFill>
+          <a:prstDash val="solid"/>
+          <a:miter lim="800000"/>
+        </a:ln>
+        <a:effectLst/>
+      </dsp:spPr>
+      <dsp:style>
+        <a:lnRef idx="2">
+          <a:scrgbClr r="0" g="0" b="0"/>
+        </a:lnRef>
+        <a:fillRef idx="1">
+          <a:scrgbClr r="0" g="0" b="0"/>
+        </a:fillRef>
+        <a:effectRef idx="0">
+          <a:scrgbClr r="0" g="0" b="0"/>
+        </a:effectRef>
+        <a:fontRef idx="minor">
+          <a:schemeClr val="lt1"/>
+        </a:fontRef>
+      </dsp:style>
+      <dsp:txBody>
+        <a:bodyPr spcFirstLastPara="0" vert="horz" wrap="square" lIns="247650" tIns="123825" rIns="247650" bIns="123825" numCol="1" spcCol="1270" anchor="ctr" anchorCtr="0">
+          <a:noAutofit/>
+        </a:bodyPr>
+        <a:lstStyle/>
+        <a:p>
+          <a:pPr marL="0" lvl="0" indent="0" algn="ctr" defTabSz="2889250">
+            <a:lnSpc>
+              <a:spcPct val="90000"/>
+            </a:lnSpc>
+            <a:spcBef>
+              <a:spcPct val="0"/>
+            </a:spcBef>
+            <a:spcAft>
+              <a:spcPct val="35000"/>
+            </a:spcAft>
+            <a:buNone/>
+          </a:pPr>
+          <a:r>
+            <a:rPr lang="en-GB" sz="6500" kern="1200" dirty="0">
+              <a:latin typeface="Source Serif Pro" panose="02040603050405020204" pitchFamily="18" charset="0"/>
+              <a:ea typeface="Source Serif Pro" panose="02040603050405020204" pitchFamily="18" charset="0"/>
+            </a:rPr>
+            <a:t>Connect with Nature</a:t>
+          </a:r>
+        </a:p>
+      </dsp:txBody>
+      <dsp:txXfrm>
+        <a:off x="164270" y="14313003"/>
+        <a:ext cx="6682093" cy="3036540"/>
+      </dsp:txXfrm>
+    </dsp:sp>
+  </dsp:spTree>
+</dsp:drawing>
+</file>
+
+<file path=ppt/diagrams/layout1.xml><?xml version="1.0" encoding="utf-8"?>
+<dgm:layoutDef xmlns:dgm="http://schemas.openxmlformats.org/drawingml/2006/diagram" xmlns:a="http://schemas.openxmlformats.org/drawingml/2006/main" uniqueId="urn:microsoft.com/office/officeart/2005/8/layout/vList5">
+  <dgm:title val=""/>
+  <dgm:desc val=""/>
+  <dgm:catLst>
+    <dgm:cat type="list" pri="15000"/>
+    <dgm:cat type="convert" pri="2000"/>
+  </dgm:catLst>
+  <dgm:sampData>
+    <dgm:dataModel>
+      <dgm:ptLst>
+        <dgm:pt modelId="0" type="doc"/>
+        <dgm:pt modelId="1">
+          <dgm:prSet phldr="1"/>
+        </dgm:pt>
+        <dgm:pt modelId="11">
+          <dgm:prSet phldr="1"/>
+        </dgm:pt>
+        <dgm:pt modelId="12">
+          <dgm:prSet phldr="1"/>
+        </dgm:pt>
+        <dgm:pt modelId="2">
+          <dgm:prSet phldr="1"/>
+        </dgm:pt>
+        <dgm:pt modelId="21">
+          <dgm:prSet phldr="1"/>
+        </dgm:pt>
+        <dgm:pt modelId="22">
+          <dgm:prSet phldr="1"/>
+        </dgm:pt>
+        <dgm:pt modelId="3">
+          <dgm:prSet phldr="1"/>
+        </dgm:pt>
+        <dgm:pt modelId="31">
+          <dgm:prSet phldr="1"/>
+        </dgm:pt>
+        <dgm:pt modelId="32">
+          <dgm:prSet phldr="1"/>
+        </dgm:pt>
+      </dgm:ptLst>
+      <dgm:cxnLst>
+        <dgm:cxn modelId="4" srcId="0" destId="1" srcOrd="0" destOrd="0"/>
+        <dgm:cxn modelId="5" srcId="0" destId="2" srcOrd="1" destOrd="0"/>
+        <dgm:cxn modelId="6" srcId="0" destId="3" srcOrd="2" destOrd="0"/>
+        <dgm:cxn modelId="13" srcId="1" destId="11" srcOrd="0" destOrd="0"/>
+        <dgm:cxn modelId="14" srcId="1" destId="12" srcOrd="1" destOrd="0"/>
+        <dgm:cxn modelId="23" srcId="2" destId="21" srcOrd="0" destOrd="0"/>
+        <dgm:cxn modelId="24" srcId="2" destId="22" srcOrd="1" destOrd="0"/>
+        <dgm:cxn modelId="33" srcId="3" destId="31" srcOrd="0" destOrd="0"/>
+        <dgm:cxn modelId="34" srcId="3" destId="32" srcOrd="1" destOrd="0"/>
+      </dgm:cxnLst>
+      <dgm:bg/>
+      <dgm:whole/>
+    </dgm:dataModel>
+  </dgm:sampData>
+  <dgm:styleData>
+    <dgm:dataModel>
+      <dgm:ptLst>
+        <dgm:pt modelId="0" type="doc"/>
+        <dgm:pt modelId="1"/>
+        <dgm:pt modelId="11"/>
+        <dgm:pt modelId="2"/>
+        <dgm:pt modelId="21"/>
+      </dgm:ptLst>
+      <dgm:cxnLst>
+        <dgm:cxn modelId="4" srcId="0" destId="1" srcOrd="0" destOrd="0"/>
+        <dgm:cxn modelId="5" srcId="0" destId="2" srcOrd="1" destOrd="0"/>
+        <dgm:cxn modelId="13" srcId="1" destId="11" srcOrd="0" destOrd="0"/>
+        <dgm:cxn modelId="23" srcId="2" destId="21" srcOrd="0" destOrd="0"/>
+      </dgm:cxnLst>
+      <dgm:bg/>
+      <dgm:whole/>
+    </dgm:dataModel>
+  </dgm:styleData>
+  <dgm:clrData>
+    <dgm:dataModel>
+      <dgm:ptLst>
+        <dgm:pt modelId="0" type="doc"/>
+        <dgm:pt modelId="1"/>
+        <dgm:pt modelId="11"/>
+        <dgm:pt modelId="2"/>
+        <dgm:pt modelId="21"/>
+        <dgm:pt modelId="3"/>
+        <dgm:pt modelId="31"/>
+        <dgm:pt modelId="4"/>
+        <dgm:pt modelId="41"/>
+      </dgm:ptLst>
+      <dgm:cxnLst>
+        <dgm:cxn modelId="5" srcId="0" destId="1" srcOrd="0" destOrd="0"/>
+        <dgm:cxn modelId="6" srcId="0" destId="2" srcOrd="1" destOrd="0"/>
+        <dgm:cxn modelId="7" srcId="0" destId="3" srcOrd="2" destOrd="0"/>
+        <dgm:cxn modelId="8" srcId="0" destId="4" srcOrd="3" destOrd="0"/>
+        <dgm:cxn modelId="13" srcId="1" destId="11" srcOrd="0" destOrd="0"/>
+        <dgm:cxn modelId="23" srcId="2" destId="21" srcOrd="0" destOrd="0"/>
+        <dgm:cxn modelId="33" srcId="3" destId="31" srcOrd="0" destOrd="0"/>
+        <dgm:cxn modelId="43" srcId="4" destId="41" srcOrd="0" destOrd="0"/>
+      </dgm:cxnLst>
+      <dgm:bg/>
+      <dgm:whole/>
+    </dgm:dataModel>
+  </dgm:clrData>
+  <dgm:layoutNode name="Name0">
+    <dgm:varLst>
+      <dgm:dir/>
+      <dgm:animLvl val="lvl"/>
+      <dgm:resizeHandles val="exact"/>
+    </dgm:varLst>
+    <dgm:choose name="Name1">
+      <dgm:if name="Name2" func="var" arg="dir" op="equ" val="norm">
+        <dgm:alg type="lin">
+          <dgm:param type="linDir" val="fromT"/>
+          <dgm:param type="nodeHorzAlign" val="l"/>
+        </dgm:alg>
+      </dgm:if>
+      <dgm:else name="Name3">
+        <dgm:alg type="lin">
+          <dgm:param type="linDir" val="fromT"/>
+          <dgm:param type="nodeHorzAlign" val="r"/>
+        </dgm:alg>
+      </dgm:else>
+    </dgm:choose>
+    <dgm:shape xmlns:r="http://schemas.openxmlformats.org/officeDocument/2006/relationships" r:blip="">
+      <dgm:adjLst/>
+    </dgm:shape>
+    <dgm:presOf/>
+    <dgm:constrLst>
+      <dgm:constr type="h" for="ch" forName="linNode" refType="h"/>
+      <dgm:constr type="w" for="ch" forName="linNode" refType="w"/>
+      <dgm:constr type="h" for="ch" forName="sp" refType="h" fact="0.05"/>
+      <dgm:constr type="primFontSz" for="des" forName="parentText" op="equ" val="65"/>
+      <dgm:constr type="secFontSz" for="des" forName="descendantText" op="equ"/>
+    </dgm:constrLst>
+    <dgm:ruleLst/>
+    <dgm:forEach name="Name4" axis="ch" ptType="node">
+      <dgm:layoutNode name="linNode">
+        <dgm:choose name="Name5">
+          <dgm:if name="Name6" func="var" arg="dir" op="equ" val="norm">
+            <dgm:alg type="lin">
+              <dgm:param type="linDir" val="fromL"/>
+            </dgm:alg>
+          </dgm:if>
+          <dgm:else name="Name7">
+            <dgm:alg type="lin">
+              <dgm:param type="linDir" val="fromR"/>
+            </dgm:alg>
+          </dgm:else>
+        </dgm:choose>
+        <dgm:shape xmlns:r="http://schemas.openxmlformats.org/officeDocument/2006/relationships" r:blip="">
+          <dgm:adjLst/>
+        </dgm:shape>
+        <dgm:presOf/>
+        <dgm:constrLst>
+          <dgm:constr type="w" for="ch" forName="parentText" refType="w" fact="0.36"/>
+          <dgm:constr type="w" for="ch" forName="descendantText" refType="w" fact="0.64"/>
+          <dgm:constr type="h" for="ch" forName="parentText" refType="h"/>
+          <dgm:constr type="h" for="ch" forName="descendantText" refType="h" refFor="ch" refForName="parentText" fact="0.8"/>
+        </dgm:constrLst>
+        <dgm:ruleLst/>
+        <dgm:layoutNode name="parentText">
+          <dgm:varLst>
+            <dgm:chMax val="1"/>
+            <dgm:bulletEnabled val="1"/>
+          </dgm:varLst>
+          <dgm:alg type="tx"/>
+          <dgm:shape xmlns:r="http://schemas.openxmlformats.org/officeDocument/2006/relationships" type="roundRect" r:blip="" zOrderOff="3">
+            <dgm:adjLst/>
+          </dgm:shape>
+          <dgm:presOf axis="self" ptType="node"/>
+          <dgm:constrLst>
+            <dgm:constr type="tMarg" refType="primFontSz" fact="0.15"/>
+            <dgm:constr type="bMarg" refType="primFontSz" fact="0.15"/>
+            <dgm:constr type="lMarg" refType="primFontSz" fact="0.3"/>
+            <dgm:constr type="rMarg" refType="primFontSz" fact="0.3"/>
+          </dgm:constrLst>
+          <dgm:ruleLst>
+            <dgm:rule type="primFontSz" val="5" fact="NaN" max="NaN"/>
+          </dgm:ruleLst>
+        </dgm:layoutNode>
+        <dgm:choose name="Name8">
+          <dgm:if name="Name9" axis="ch" ptType="node" func="cnt" op="gte" val="1">
+            <dgm:layoutNode name="descendantText" styleLbl="alignAccFollowNode1">
+              <dgm:varLst>
+                <dgm:bulletEnabled val="1"/>
+              </dgm:varLst>
+              <dgm:alg type="tx">
+                <dgm:param type="stBulletLvl" val="1"/>
+                <dgm:param type="txAnchorVertCh" val="mid"/>
+              </dgm:alg>
+              <dgm:choose name="Name10">
+                <dgm:if name="Name11" func="var" arg="dir" op="equ" val="norm">
+                  <dgm:shape xmlns:r="http://schemas.openxmlformats.org/officeDocument/2006/relationships" rot="90" type="round2SameRect" r:blip="">
+                    <dgm:adjLst/>
+                  </dgm:shape>
+                </dgm:if>
+                <dgm:else name="Name12">
+                  <dgm:shape xmlns:r="http://schemas.openxmlformats.org/officeDocument/2006/relationships" rot="-90" type="round2SameRect" r:blip="">
+                    <dgm:adjLst/>
+                  </dgm:shape>
+                </dgm:else>
+              </dgm:choose>
+              <dgm:presOf axis="des" ptType="node"/>
+              <dgm:constrLst>
+                <dgm:constr type="secFontSz" val="65"/>
+                <dgm:constr type="primFontSz" refType="secFontSz"/>
+                <dgm:constr type="lMarg" refType="secFontSz" fact="0.3"/>
+                <dgm:constr type="rMarg" refType="secFontSz" fact="0.3"/>
+                <dgm:constr type="tMarg" refType="secFontSz" fact="0.15"/>
+                <dgm:constr type="bMarg" refType="secFontSz" fact="0.15"/>
+              </dgm:constrLst>
+              <dgm:ruleLst>
+                <dgm:rule type="secFontSz" val="5" fact="NaN" max="NaN"/>
+              </dgm:ruleLst>
+            </dgm:layoutNode>
+          </dgm:if>
+          <dgm:else name="Name13"/>
+        </dgm:choose>
+      </dgm:layoutNode>
+      <dgm:forEach name="Name14" axis="followSib" ptType="sibTrans" cnt="1">
+        <dgm:layoutNode name="sp">
+          <dgm:alg type="sp"/>
+          <dgm:shape xmlns:r="http://schemas.openxmlformats.org/officeDocument/2006/relationships" r:blip="">
+            <dgm:adjLst/>
+          </dgm:shape>
+          <dgm:presOf/>
+          <dgm:constrLst/>
+          <dgm:ruleLst/>
+        </dgm:layoutNode>
+      </dgm:forEach>
+    </dgm:forEach>
+  </dgm:layoutNode>
+</dgm:layoutDef>
+</file>
+
+<file path=ppt/diagrams/quickStyle1.xml><?xml version="1.0" encoding="utf-8"?>
+<dgm:styleDef xmlns:dgm="http://schemas.openxmlformats.org/drawingml/2006/diagram" xmlns:a="http://schemas.openxmlformats.org/drawingml/2006/main" uniqueId="urn:microsoft.com/office/officeart/2005/8/quickstyle/simple1">
+  <dgm:title val=""/>
+  <dgm:desc val=""/>
+  <dgm:catLst>
+    <dgm:cat type="simple" pri="10100"/>
+  </dgm:catLst>
+  <dgm:scene3d>
+    <a:camera prst="orthographicFront"/>
+    <a:lightRig rig="threePt" dir="t"/>
+  </dgm:scene3d>
+  <dgm:styleLbl name="node0">
+    <dgm:scene3d>
+      <a:camera prst="orthographicFront"/>
+      <a:lightRig rig="threePt" dir="t"/>
+    </dgm:scene3d>
+    <dgm:sp3d/>
+    <dgm:txPr/>
+    <dgm:style>
+      <a:lnRef idx="2">
+        <a:scrgbClr r="0" g="0" b="0"/>
+      </a:lnRef>
+      <a:fillRef idx="1">
+        <a:scrgbClr r="0" g="0" b="0"/>
+      </a:fillRef>
+      <a:effectRef idx="0">
+        <a:scrgbClr r="0" g="0" b="0"/>
+      </a:effectRef>
+      <a:fontRef idx="minor">
+        <a:schemeClr val="lt1"/>
+      </a:fontRef>
+    </dgm:style>
+  </dgm:styleLbl>
+  <dgm:styleLbl name="lnNode1">
+    <dgm:scene3d>
+      <a:camera prst="orthographicFront"/>
+      <a:lightRig rig="threePt" dir="t"/>
+    </dgm:scene3d>
+    <dgm:sp3d/>
+    <dgm:txPr/>
+    <dgm:style>
+      <a:lnRef idx="2">
+        <a:scrgbClr r="0" g="0" b="0"/>
+      </a:lnRef>
+      <a:fillRef idx="1">
+        <a:scrgbClr r="0" g="0" b="0"/>
+      </a:fillRef>
+      <a:effectRef idx="0">
+        <a:scrgbClr r="0" g="0" b="0"/>
+      </a:effectRef>
+      <a:fontRef idx="minor">
+        <a:schemeClr val="lt1"/>
+      </a:fontRef>
+    </dgm:style>
+  </dgm:styleLbl>
+  <dgm:styleLbl name="vennNode1">
+    <dgm:scene3d>
+      <a:camera prst="orthographicFront"/>
+      <a:lightRig rig="threePt" dir="t"/>
+    </dgm:scene3d>
+    <dgm:sp3d/>
+    <dgm:txPr/>
+    <dgm:style>
+      <a:lnRef idx="2">
+        <a:scrgbClr r="0" g="0" b="0"/>
+      </a:lnRef>
+      <a:fillRef idx="1">
+        <a:scrgbClr r="0" g="0" b="0"/>
+      </a:fillRef>
+      <a:effectRef idx="0">
+        <a:scrgbClr r="0" g="0" b="0"/>
+      </a:effectRef>
+      <a:fontRef idx="minor">
+        <a:schemeClr val="tx1"/>
+      </a:fontRef>
+    </dgm:style>
+  </dgm:styleLbl>
+  <dgm:styleLbl name="alignNode1">
+    <dgm:scene3d>
+      <a:camera prst="orthographicFront"/>
+      <a:lightRig rig="threePt" dir="t"/>
+    </dgm:scene3d>
+    <dgm:sp3d/>
+    <dgm:txPr/>
+    <dgm:style>
+      <a:lnRef idx="2">
+        <a:scrgbClr r="0" g="0" b="0"/>
+      </a:lnRef>
+      <a:fillRef idx="1">
+        <a:scrgbClr r="0" g="0" b="0"/>
+      </a:fillRef>
+      <a:effectRef idx="0">
+        <a:scrgbClr r="0" g="0" b="0"/>
+      </a:effectRef>
+      <a:fontRef idx="minor">
+        <a:schemeClr val="lt1"/>
+      </a:fontRef>
+    </dgm:style>
+  </dgm:styleLbl>
+  <dgm:styleLbl name="node1">
+    <dgm:scene3d>
+      <a:camera prst="orthographicFront"/>
+      <a:lightRig rig="threePt" dir="t"/>
+    </dgm:scene3d>
+    <dgm:sp3d/>
+    <dgm:txPr/>
+    <dgm:style>
+      <a:lnRef idx="2">
+        <a:scrgbClr r="0" g="0" b="0"/>
+      </a:lnRef>
+      <a:fillRef idx="1">
+        <a:scrgbClr r="0" g="0" b="0"/>
+      </a:fillRef>
+      <a:effectRef idx="0">
+        <a:scrgbClr r="0" g="0" b="0"/>
+      </a:effectRef>
+      <a:fontRef idx="minor">
+        <a:schemeClr val="lt1"/>
+      </a:fontRef>
+    </dgm:style>
+  </dgm:styleLbl>
+  <dgm:styleLbl name="node2">
+    <dgm:scene3d>
+      <a:camera prst="orthographicFront"/>
+      <a:lightRig rig="threePt" dir="t"/>
+    </dgm:scene3d>
+    <dgm:sp3d/>
+    <dgm:txPr/>
+    <dgm:style>
+      <a:lnRef idx="2">
+        <a:scrgbClr r="0" g="0" b="0"/>
+      </a:lnRef>
+      <a:fillRef idx="1">
+        <a:scrgbClr r="0" g="0" b="0"/>
+      </a:fillRef>
+      <a:effectRef idx="0">
+        <a:scrgbClr r="0" g="0" b="0"/>
+      </a:effectRef>
+      <a:fontRef idx="minor">
+        <a:schemeClr val="lt1"/>
+      </a:fontRef>
+    </dgm:style>
+  </dgm:styleLbl>
+  <dgm:styleLbl name="node3">
+    <dgm:scene3d>
+      <a:camera prst="orthographicFront"/>
+      <a:lightRig rig="threePt" dir="t"/>
+    </dgm:scene3d>
+    <dgm:sp3d/>
+    <dgm:txPr/>
+    <dgm:style>
+      <a:lnRef idx="2">
+        <a:scrgbClr r="0" g="0" b="0"/>
+      </a:lnRef>
+      <a:fillRef idx="1">
+        <a:scrgbClr r="0" g="0" b="0"/>
+      </a:fillRef>
+      <a:effectRef idx="0">
+        <a:scrgbClr r="0" g="0" b="0"/>
+      </a:effectRef>
+      <a:fontRef idx="minor">
+        <a:schemeClr val="lt1"/>
+      </a:fontRef>
+    </dgm:style>
+  </dgm:styleLbl>
+  <dgm:styleLbl name="node4">
+    <dgm:scene3d>
+      <a:camera prst="orthographicFront"/>
+      <a:lightRig rig="threePt" dir="t"/>
+    </dgm:scene3d>
+    <dgm:sp3d/>
+    <dgm:txPr/>
+    <dgm:style>
+      <a:lnRef idx="2">
+        <a:scrgbClr r="0" g="0" b="0"/>
+      </a:lnRef>
+      <a:fillRef idx="1">
+        <a:scrgbClr r="0" g="0" b="0"/>
+      </a:fillRef>
+      <a:effectRef idx="0">
+        <a:scrgbClr r="0" g="0" b="0"/>
+      </a:effectRef>
+      <a:fontRef idx="minor">
+        <a:schemeClr val="lt1"/>
+      </a:fontRef>
+    </dgm:style>
+  </dgm:styleLbl>
+  <dgm:styleLbl name="fgImgPlace1">
+    <dgm:scene3d>
+      <a:camera prst="orthographicFront"/>
+      <a:lightRig rig="threePt" dir="t"/>
+    </dgm:scene3d>
+    <dgm:sp3d/>
+    <dgm:txPr/>
+    <dgm:style>
+      <a:lnRef idx="2">
+        <a:scrgbClr r="0" g="0" b="0"/>
+      </a:lnRef>
+      <a:fillRef idx="1">
+        <a:scrgbClr r="0" g="0" b="0"/>
+      </a:fillRef>
+      <a:effectRef idx="0">
+        <a:scrgbClr r="0" g="0" b="0"/>
+      </a:effectRef>
+      <a:fontRef idx="minor"/>
+    </dgm:style>
+  </dgm:styleLbl>
+  <dgm:styleLbl name="alignImgPlace1">
+    <dgm:scene3d>
+      <a:camera prst="orthographicFront"/>
+      <a:lightRig rig="threePt" dir="t"/>
+    </dgm:scene3d>
+    <dgm:sp3d/>
+    <dgm:txPr/>
+    <dgm:style>
+      <a:lnRef idx="2">
+        <a:scrgbClr r="0" g="0" b="0"/>
+      </a:lnRef>
+      <a:fillRef idx="1">
+        <a:scrgbClr r="0" g="0" b="0"/>
+      </a:fillRef>
+      <a:effectRef idx="0">
+        <a:scrgbClr r="0" g="0" b="0"/>
+      </a:effectRef>
+      <a:fontRef idx="minor"/>
+    </dgm:style>
+  </dgm:styleLbl>
+  <dgm:styleLbl name="bgImgPlace1">
+    <dgm:scene3d>
+      <a:camera prst="orthographicFront"/>
+      <a:lightRig rig="threePt" dir="t"/>
+    </dgm:scene3d>
+    <dgm:sp3d/>
+    <dgm:txPr/>
+    <dgm:style>
+      <a:lnRef idx="2">
+        <a:scrgbClr r="0" g="0" b="0"/>
+      </a:lnRef>
+      <a:fillRef idx="1">
+        <a:scrgbClr r="0" g="0" b="0"/>
+      </a:fillRef>
+      <a:effectRef idx="0">
+        <a:scrgbClr r="0" g="0" b="0"/>
+      </a:effectRef>
+      <a:fontRef idx="minor"/>
+    </dgm:style>
+  </dgm:styleLbl>
+  <dgm:styleLbl name="sibTrans2D1">
+    <dgm:scene3d>
+      <a:camera prst="orthographicFront"/>
+      <a:lightRig rig="threePt" dir="t"/>
+    </dgm:scene3d>
+    <dgm:sp3d/>
+    <dgm:txPr/>
+    <dgm:style>
+      <a:lnRef idx="0">
+        <a:scrgbClr r="0" g="0" b="0"/>
+      </a:lnRef>
+      <a:fillRef idx="1">
+        <a:scrgbClr r="0" g="0" b="0"/>
+      </a:fillRef>
+      <a:effectRef idx="0">
+        <a:scrgbClr r="0" g="0" b="0"/>
+      </a:effectRef>
+      <a:fontRef idx="minor">
+        <a:schemeClr val="lt1"/>
+      </a:fontRef>
+    </dgm:style>
+  </dgm:styleLbl>
+  <dgm:styleLbl name="fgSibTrans2D1">
+    <dgm:scene3d>
+      <a:camera prst="orthographicFront"/>
+      <a:lightRig rig="threePt" dir="t"/>
+    </dgm:scene3d>
+    <dgm:sp3d/>
+    <dgm:txPr/>
+    <dgm:style>
+      <a:lnRef idx="0">
+        <a:scrgbClr r="0" g="0" b="0"/>
+      </a:lnRef>
+      <a:fillRef idx="1">
+        <a:scrgbClr r="0" g="0" b="0"/>
+      </a:fillRef>
+      <a:effectRef idx="0">
+        <a:scrgbClr r="0" g="0" b="0"/>
+      </a:effectRef>
+      <a:fontRef idx="minor">
+        <a:schemeClr val="lt1"/>
+      </a:fontRef>
+    </dgm:style>
+  </dgm:styleLbl>
+  <dgm:styleLbl name="bgSibTrans2D1">
+    <dgm:scene3d>
+      <a:camera prst="orthographicFront"/>
+      <a:lightRig rig="threePt" dir="t"/>
+    </dgm:scene3d>
+    <dgm:sp3d/>
+    <dgm:txPr/>
+    <dgm:style>
+      <a:lnRef idx="0">
+        <a:scrgbClr r="0" g="0" b="0"/>
+      </a:lnRef>
+      <a:fillRef idx="1">
+        <a:scrgbClr r="0" g="0" b="0"/>
+      </a:fillRef>
+      <a:effectRef idx="0">
+        <a:scrgbClr r="0" g="0" b="0"/>
+      </a:effectRef>
+      <a:fontRef idx="minor">
+        <a:schemeClr val="lt1"/>
+      </a:fontRef>
+    </dgm:style>
+  </dgm:styleLbl>
+  <dgm:styleLbl name="sibTrans1D1">
+    <dgm:scene3d>
+      <a:camera prst="orthographicFront"/>
+      <a:lightRig rig="threePt" dir="t"/>
+    </dgm:scene3d>
+    <dgm:sp3d/>
+    <dgm:txPr/>
+    <dgm:style>
+      <a:lnRef idx="1">
+        <a:scrgbClr r="0" g="0" b="0"/>
+      </a:lnRef>
+      <a:fillRef idx="0">
+        <a:scrgbClr r="0" g="0" b="0"/>
+      </a:fillRef>
+      <a:effectRef idx="0">
+        <a:scrgbClr r="0" g="0" b="0"/>
+      </a:effectRef>
+      <a:fontRef idx="minor"/>
+    </dgm:style>
+  </dgm:styleLbl>
+  <dgm:styleLbl name="callout">
+    <dgm:scene3d>
+      <a:camera prst="orthographicFront"/>
+      <a:lightRig rig="threePt" dir="t"/>
+    </dgm:scene3d>
+    <dgm:sp3d/>
+    <dgm:txPr/>
+    <dgm:style>
+      <a:lnRef idx="2">
+        <a:scrgbClr r="0" g="0" b="0"/>
+      </a:lnRef>
+      <a:fillRef idx="1">
+        <a:scrgbClr r="0" g="0" b="0"/>
+      </a:fillRef>
+      <a:effectRef idx="0">
+        <a:scrgbClr r="0" g="0" b="0"/>
+      </a:effectRef>
+      <a:fontRef idx="minor"/>
+    </dgm:style>
+  </dgm:styleLbl>
+  <dgm:styleLbl name="asst0">
+    <dgm:scene3d>
+      <a:camera prst="orthographicFront"/>
+      <a:lightRig rig="threePt" dir="t"/>
+    </dgm:scene3d>
+    <dgm:sp3d/>
+    <dgm:txPr/>
+    <dgm:style>
+      <a:lnRef idx="2">
+        <a:scrgbClr r="0" g="0" b="0"/>
+      </a:lnRef>
+      <a:fillRef idx="1">
+        <a:scrgbClr r="0" g="0" b="0"/>
+      </a:fillRef>
+      <a:effectRef idx="0">
+        <a:scrgbClr r="0" g="0" b="0"/>
+      </a:effectRef>
+      <a:fontRef idx="minor">
+        <a:schemeClr val="lt1"/>
+      </a:fontRef>
+    </dgm:style>
+  </dgm:styleLbl>
+  <dgm:styleLbl name="asst1">
+    <dgm:scene3d>
+      <a:camera prst="orthographicFront"/>
+      <a:lightRig rig="threePt" dir="t"/>
+    </dgm:scene3d>
+    <dgm:sp3d/>
+    <dgm:txPr/>
+    <dgm:style>
+      <a:lnRef idx="2">
+        <a:scrgbClr r="0" g="0" b="0"/>
+      </a:lnRef>
+      <a:fillRef idx="1">
+        <a:scrgbClr r="0" g="0" b="0"/>
+      </a:fillRef>
+      <a:effectRef idx="0">
+        <a:scrgbClr r="0" g="0" b="0"/>
+      </a:effectRef>
+      <a:fontRef idx="minor">
+        <a:schemeClr val="lt1"/>
+      </a:fontRef>
+    </dgm:style>
+  </dgm:styleLbl>
+  <dgm:styleLbl name="asst2">
+    <dgm:scene3d>
+      <a:camera prst="orthographicFront"/>
+      <a:lightRig rig="threePt" dir="t"/>
+    </dgm:scene3d>
+    <dgm:sp3d/>
+    <dgm:txPr/>
+    <dgm:style>
+      <a:lnRef idx="2">
+        <a:scrgbClr r="0" g="0" b="0"/>
+      </a:lnRef>
+      <a:fillRef idx="1">
+        <a:scrgbClr r="0" g="0" b="0"/>
+      </a:fillRef>
+      <a:effectRef idx="0">
+        <a:scrgbClr r="0" g="0" b="0"/>
+      </a:effectRef>
+      <a:fontRef idx="minor">
+        <a:schemeClr val="lt1"/>
+      </a:fontRef>
+    </dgm:style>
+  </dgm:styleLbl>
+  <dgm:styleLbl name="asst3">
+    <dgm:scene3d>
+      <a:camera prst="orthographicFront"/>
+      <a:lightRig rig="threePt" dir="t"/>
+    </dgm:scene3d>
+    <dgm:sp3d/>
+    <dgm:txPr/>
+    <dgm:style>
+      <a:lnRef idx="2">
+        <a:scrgbClr r="0" g="0" b="0"/>
+      </a:lnRef>
+      <a:fillRef idx="1">
+        <a:scrgbClr r="0" g="0" b="0"/>
+      </a:fillRef>
+      <a:effectRef idx="0">
+        <a:scrgbClr r="0" g="0" b="0"/>
+      </a:effectRef>
+      <a:fontRef idx="minor">
+        <a:schemeClr val="lt1"/>
+      </a:fontRef>
+    </dgm:style>
+  </dgm:styleLbl>
+  <dgm:styleLbl name="asst4">
+    <dgm:scene3d>
+      <a:camera prst="orthographicFront"/>
+      <a:lightRig rig="threePt" dir="t"/>
+    </dgm:scene3d>
+    <dgm:sp3d/>
+    <dgm:txPr/>
+    <dgm:style>
+      <a:lnRef idx="2">
+        <a:scrgbClr r="0" g="0" b="0"/>
+      </a:lnRef>
+      <a:fillRef idx="1">
+        <a:scrgbClr r="0" g="0" b="0"/>
+      </a:fillRef>
+      <a:effectRef idx="0">
+        <a:scrgbClr r="0" g="0" b="0"/>
+      </a:effectRef>
+      <a:fontRef idx="minor">
+        <a:schemeClr val="lt1"/>
+      </a:fontRef>
+    </dgm:style>
+  </dgm:styleLbl>
+  <dgm:styleLbl name="parChTrans2D1">
+    <dgm:scene3d>
+      <a:camera prst="orthographicFront"/>
+      <a:lightRig rig="threePt" dir="t"/>
+    </dgm:scene3d>
+    <dgm:sp3d/>
+    <dgm:txPr/>
+    <dgm:style>
+      <a:lnRef idx="2">
+        <a:scrgbClr r="0" g="0" b="0"/>
+      </a:lnRef>
+      <a:fillRef idx="1">
+        <a:scrgbClr r="0" g="0" b="0"/>
+      </a:fillRef>
+      <a:effectRef idx="0">
+        <a:scrgbClr r="0" g="0" b="0"/>
+      </a:effectRef>
+      <a:fontRef idx="minor">
+        <a:schemeClr val="lt1"/>
+      </a:fontRef>
+    </dgm:style>
+  </dgm:styleLbl>
+  <dgm:styleLbl name="parChTrans2D2">
+    <dgm:scene3d>
+      <a:camera prst="orthographicFront"/>
+      <a:lightRig rig="threePt" dir="t"/>
+    </dgm:scene3d>
+    <dgm:sp3d/>
+    <dgm:txPr/>
+    <dgm:style>
+      <a:lnRef idx="2">
+        <a:scrgbClr r="0" g="0" b="0"/>
+      </a:lnRef>
+      <a:fillRef idx="1">
+        <a:scrgbClr r="0" g="0" b="0"/>
+      </a:fillRef>
+      <a:effectRef idx="0">
+        <a:scrgbClr r="0" g="0" b="0"/>
+      </a:effectRef>
+      <a:fontRef idx="minor">
+        <a:schemeClr val="lt1"/>
+      </a:fontRef>
+    </dgm:style>
+  </dgm:styleLbl>
+  <dgm:styleLbl name="parChTrans2D3">
+    <dgm:scene3d>
+      <a:camera prst="orthographicFront"/>
+      <a:lightRig rig="threePt" dir="t"/>
+    </dgm:scene3d>
+    <dgm:sp3d/>
+    <dgm:txPr/>
+    <dgm:style>
+      <a:lnRef idx="2">
+        <a:scrgbClr r="0" g="0" b="0"/>
+      </a:lnRef>
+      <a:fillRef idx="1">
+        <a:scrgbClr r="0" g="0" b="0"/>
+      </a:fillRef>
+      <a:effectRef idx="0">
+        <a:scrgbClr r="0" g="0" b="0"/>
+      </a:effectRef>
+      <a:fontRef idx="minor">
+        <a:schemeClr val="lt1"/>
+      </a:fontRef>
+    </dgm:style>
+  </dgm:styleLbl>
+  <dgm:styleLbl name="parChTrans2D4">
+    <dgm:scene3d>
+      <a:camera prst="orthographicFront"/>
+      <a:lightRig rig="threePt" dir="t"/>
+    </dgm:scene3d>
+    <dgm:sp3d/>
+    <dgm:txPr/>
+    <dgm:style>
+      <a:lnRef idx="2">
+        <a:scrgbClr r="0" g="0" b="0"/>
+      </a:lnRef>
+      <a:fillRef idx="1">
+        <a:scrgbClr r="0" g="0" b="0"/>
+      </a:fillRef>
+      <a:effectRef idx="0">
+        <a:scrgbClr r="0" g="0" b="0"/>
+      </a:effectRef>
+      <a:fontRef idx="minor">
+        <a:schemeClr val="lt1"/>
+      </a:fontRef>
+    </dgm:style>
+  </dgm:styleLbl>
+  <dgm:styleLbl name="parChTrans1D1">
+    <dgm:scene3d>
+      <a:camera prst="orthographicFront"/>
+      <a:lightRig rig="threePt" dir="t"/>
+    </dgm:scene3d>
+    <dgm:sp3d/>
+    <dgm:txPr/>
+    <dgm:style>
+      <a:lnRef idx="2">
+        <a:scrgbClr r="0" g="0" b="0"/>
+      </a:lnRef>
+      <a:fillRef idx="0">
+        <a:scrgbClr r="0" g="0" b="0"/>
+      </a:fillRef>
+      <a:effectRef idx="0">
+        <a:scrgbClr r="0" g="0" b="0"/>
+      </a:effectRef>
+      <a:fontRef idx="minor"/>
+    </dgm:style>
+  </dgm:styleLbl>
+  <dgm:styleLbl name="parChTrans1D2">
+    <dgm:scene3d>
+      <a:camera prst="orthographicFront"/>
+      <a:lightRig rig="threePt" dir="t"/>
+    </dgm:scene3d>
+    <dgm:sp3d/>
+    <dgm:txPr/>
+    <dgm:style>
+      <a:lnRef idx="2">
+        <a:scrgbClr r="0" g="0" b="0"/>
+      </a:lnRef>
+      <a:fillRef idx="0">
+        <a:scrgbClr r="0" g="0" b="0"/>
+      </a:fillRef>
+      <a:effectRef idx="0">
+        <a:scrgbClr r="0" g="0" b="0"/>
+      </a:effectRef>
+      <a:fontRef idx="minor"/>
+    </dgm:style>
+  </dgm:styleLbl>
+  <dgm:styleLbl name="parChTrans1D3">
+    <dgm:scene3d>
+      <a:camera prst="orthographicFront"/>
+      <a:lightRig rig="threePt" dir="t"/>
+    </dgm:scene3d>
+    <dgm:sp3d/>
+    <dgm:txPr/>
+    <dgm:style>
+      <a:lnRef idx="2">
+        <a:scrgbClr r="0" g="0" b="0"/>
+      </a:lnRef>
+      <a:fillRef idx="0">
+        <a:scrgbClr r="0" g="0" b="0"/>
+      </a:fillRef>
+      <a:effectRef idx="0">
+        <a:scrgbClr r="0" g="0" b="0"/>
+      </a:effectRef>
+      <a:fontRef idx="minor"/>
+    </dgm:style>
+  </dgm:styleLbl>
+  <dgm:styleLbl name="parChTrans1D4">
+    <dgm:scene3d>
+      <a:camera prst="orthographicFront"/>
+      <a:lightRig rig="threePt" dir="t"/>
+    </dgm:scene3d>
+    <dgm:sp3d/>
+    <dgm:txPr/>
+    <dgm:style>
+      <a:lnRef idx="2">
+        <a:scrgbClr r="0" g="0" b="0"/>
+      </a:lnRef>
+      <a:fillRef idx="0">
+        <a:scrgbClr r="0" g="0" b="0"/>
+      </a:fillRef>
+      <a:effectRef idx="0">
+        <a:scrgbClr r="0" g="0" b="0"/>
+      </a:effectRef>
+      <a:fontRef idx="minor"/>
+    </dgm:style>
+  </dgm:styleLbl>
+  <dgm:styleLbl name="fgAcc1">
+    <dgm:scene3d>
+      <a:camera prst="orthographicFront"/>
+      <a:lightRig rig="threePt" dir="t"/>
+    </dgm:scene3d>
+    <dgm:sp3d/>
+    <dgm:txPr/>
+    <dgm:style>
+      <a:lnRef idx="2">
+        <a:scrgbClr r="0" g="0" b="0"/>
+      </a:lnRef>
+      <a:fillRef idx="1">
+        <a:scrgbClr r="0" g="0" b="0"/>
+      </a:fillRef>
+      <a:effectRef idx="0">
+        <a:scrgbClr r="0" g="0" b="0"/>
+      </a:effectRef>
+      <a:fontRef idx="minor"/>
+    </dgm:style>
+  </dgm:styleLbl>
+  <dgm:styleLbl name="conFgAcc1">
+    <dgm:scene3d>
+      <a:camera prst="orthographicFront"/>
+      <a:lightRig rig="threePt" dir="t"/>
+    </dgm:scene3d>
+    <dgm:sp3d/>
+    <dgm:txPr/>
+    <dgm:style>
+      <a:lnRef idx="2">
+        <a:scrgbClr r="0" g="0" b="0"/>
+      </a:lnRef>
+      <a:fillRef idx="1">
+        <a:scrgbClr r="0" g="0" b="0"/>
+      </a:fillRef>
+      <a:effectRef idx="0">
+        <a:scrgbClr r="0" g="0" b="0"/>
+      </a:effectRef>
+      <a:fontRef idx="minor"/>
+    </dgm:style>
+  </dgm:styleLbl>
+  <dgm:styleLbl name="alignAcc1">
+    <dgm:scene3d>
+      <a:camera prst="orthographicFront"/>
+      <a:lightRig rig="threePt" dir="t"/>
+    </dgm:scene3d>
+    <dgm:sp3d/>
+    <dgm:txPr/>
+    <dgm:style>
+      <a:lnRef idx="2">
+        <a:scrgbClr r="0" g="0" b="0"/>
+      </a:lnRef>
+      <a:fillRef idx="1">
+        <a:scrgbClr r="0" g="0" b="0"/>
+      </a:fillRef>
+      <a:effectRef idx="0">
+        <a:scrgbClr r="0" g="0" b="0"/>
+      </a:effectRef>
+      <a:fontRef idx="minor"/>
+    </dgm:style>
+  </dgm:styleLbl>
+  <dgm:styleLbl name="trAlignAcc1">
+    <dgm:scene3d>
+      <a:camera prst="orthographicFront"/>
+      <a:lightRig rig="threePt" dir="t"/>
+    </dgm:scene3d>
+    <dgm:sp3d/>
+    <dgm:txPr/>
+    <dgm:style>
+      <a:lnRef idx="1">
+        <a:scrgbClr r="0" g="0" b="0"/>
+      </a:lnRef>
+      <a:fillRef idx="1">
+        <a:scrgbClr r="0" g="0" b="0"/>
+      </a:fillRef>
+      <a:effectRef idx="0">
+        <a:scrgbClr r="0" g="0" b="0"/>
+      </a:effectRef>
+      <a:fontRef idx="minor"/>
+    </dgm:style>
+  </dgm:styleLbl>
+  <dgm:styleLbl name="bgAcc1">
+    <dgm:scene3d>
+      <a:camera prst="orthographicFront"/>
+      <a:lightRig rig="threePt" dir="t"/>
+    </dgm:scene3d>
+    <dgm:sp3d/>
+    <dgm:txPr/>
+    <dgm:style>
+      <a:lnRef idx="2">
+        <a:scrgbClr r="0" g="0" b="0"/>
+      </a:lnRef>
+      <a:fillRef idx="1">
+        <a:scrgbClr r="0" g="0" b="0"/>
+      </a:fillRef>
+      <a:effectRef idx="0">
+        <a:scrgbClr r="0" g="0" b="0"/>
+      </a:effectRef>
+      <a:fontRef idx="minor"/>
+    </dgm:style>
+  </dgm:styleLbl>
+  <dgm:styleLbl name="solidFgAcc1">
+    <dgm:scene3d>
+      <a:camera prst="orthographicFront"/>
+      <a:lightRig rig="threePt" dir="t"/>
+    </dgm:scene3d>
+    <dgm:sp3d/>
+    <dgm:txPr/>
+    <dgm:style>
+      <a:lnRef idx="2">
+        <a:scrgbClr r="0" g="0" b="0"/>
+      </a:lnRef>
+      <a:fillRef idx="1">
+        <a:scrgbClr r="0" g="0" b="0"/>
+      </a:fillRef>
+      <a:effectRef idx="0">
+        <a:scrgbClr r="0" g="0" b="0"/>
+      </a:effectRef>
+      <a:fontRef idx="minor"/>
+    </dgm:style>
+  </dgm:styleLbl>
+  <dgm:styleLbl name="solidAlignAcc1">
+    <dgm:scene3d>
+      <a:camera prst="orthographicFront"/>
+      <a:lightRig rig="threePt" dir="t"/>
+    </dgm:scene3d>
+    <dgm:sp3d/>
+    <dgm:txPr/>
+    <dgm:style>
+      <a:lnRef idx="2">
+        <a:scrgbClr r="0" g="0" b="0"/>
+      </a:lnRef>
+      <a:fillRef idx="1">
+        <a:scrgbClr r="0" g="0" b="0"/>
+      </a:fillRef>
+      <a:effectRef idx="0">
+        <a:scrgbClr r="0" g="0" b="0"/>
+      </a:effectRef>
+      <a:fontRef idx="minor"/>
+    </dgm:style>
+  </dgm:styleLbl>
+  <dgm:styleLbl name="solidBgAcc1">
+    <dgm:scene3d>
+      <a:camera prst="orthographicFront"/>
+      <a:lightRig rig="threePt" dir="t"/>
+    </dgm:scene3d>
+    <dgm:sp3d/>
+    <dgm:txPr/>
+    <dgm:style>
+      <a:lnRef idx="2">
+        <a:scrgbClr r="0" g="0" b="0"/>
+      </a:lnRef>
+      <a:fillRef idx="1">
+        <a:scrgbClr r="0" g="0" b="0"/>
+      </a:fillRef>
+      <a:effectRef idx="0">
+        <a:scrgbClr r="0" g="0" b="0"/>
+      </a:effectRef>
+      <a:fontRef idx="minor"/>
+    </dgm:style>
+  </dgm:styleLbl>
+  <dgm:styleLbl name="fgAccFollowNode1">
+    <dgm:scene3d>
+      <a:camera prst="orthographicFront"/>
+      <a:lightRig rig="threePt" dir="t"/>
+    </dgm:scene3d>
+    <dgm:sp3d/>
+    <dgm:txPr/>
+    <dgm:style>
+      <a:lnRef idx="2">
+        <a:scrgbClr r="0" g="0" b="0"/>
+      </a:lnRef>
+      <a:fillRef idx="1">
+        <a:scrgbClr r="0" g="0" b="0"/>
+      </a:fillRef>
+      <a:effectRef idx="0">
+        <a:scrgbClr r="0" g="0" b="0"/>
+      </a:effectRef>
+      <a:fontRef idx="minor"/>
+    </dgm:style>
+  </dgm:styleLbl>
+  <dgm:styleLbl name="alignAccFollowNode1">
+    <dgm:scene3d>
+      <a:camera prst="orthographicFront"/>
+      <a:lightRig rig="threePt" dir="t"/>
+    </dgm:scene3d>
+    <dgm:sp3d/>
+    <dgm:txPr/>
+    <dgm:style>
+      <a:lnRef idx="2">
+        <a:scrgbClr r="0" g="0" b="0"/>
+      </a:lnRef>
+      <a:fillRef idx="1">
+        <a:scrgbClr r="0" g="0" b="0"/>
+      </a:fillRef>
+      <a:effectRef idx="0">
+        <a:scrgbClr r="0" g="0" b="0"/>
+      </a:effectRef>
+      <a:fontRef idx="minor"/>
+    </dgm:style>
+  </dgm:styleLbl>
+  <dgm:styleLbl name="bgAccFollowNode1">
+    <dgm:scene3d>
+      <a:camera prst="orthographicFront"/>
+      <a:lightRig rig="threePt" dir="t"/>
+    </dgm:scene3d>
+    <dgm:sp3d/>
+    <dgm:txPr/>
+    <dgm:style>
+      <a:lnRef idx="2">
+        <a:scrgbClr r="0" g="0" b="0"/>
+      </a:lnRef>
+      <a:fillRef idx="1">
+        <a:scrgbClr r="0" g="0" b="0"/>
+      </a:fillRef>
+      <a:effectRef idx="0">
+        <a:scrgbClr r="0" g="0" b="0"/>
+      </a:effectRef>
+      <a:fontRef idx="minor"/>
+    </dgm:style>
+  </dgm:styleLbl>
+  <dgm:styleLbl name="fgAcc0">
+    <dgm:scene3d>
+      <a:camera prst="orthographicFront"/>
+      <a:lightRig rig="threePt" dir="t"/>
+    </dgm:scene3d>
+    <dgm:sp3d/>
+    <dgm:txPr/>
+    <dgm:style>
+      <a:lnRef idx="2">
+        <a:scrgbClr r="0" g="0" b="0"/>
+      </a:lnRef>
+      <a:fillRef idx="1">
+        <a:scrgbClr r="0" g="0" b="0"/>
+      </a:fillRef>
+      <a:effectRef idx="0">
+        <a:scrgbClr r="0" g="0" b="0"/>
+      </a:effectRef>
+      <a:fontRef idx="minor"/>
+    </dgm:style>
+  </dgm:styleLbl>
+  <dgm:styleLbl name="fgAcc2">
+    <dgm:scene3d>
+      <a:camera prst="orthographicFront"/>
+      <a:lightRig rig="threePt" dir="t"/>
+    </dgm:scene3d>
+    <dgm:sp3d/>
+    <dgm:txPr/>
+    <dgm:style>
+      <a:lnRef idx="2">
+        <a:scrgbClr r="0" g="0" b="0"/>
+      </a:lnRef>
+      <a:fillRef idx="1">
+        <a:scrgbClr r="0" g="0" b="0"/>
+      </a:fillRef>
+      <a:effectRef idx="0">
+        <a:scrgbClr r="0" g="0" b="0"/>
+      </a:effectRef>
+      <a:fontRef idx="minor"/>
+    </dgm:style>
+  </dgm:styleLbl>
+  <dgm:styleLbl name="fgAcc3">
+    <dgm:scene3d>
+      <a:camera prst="orthographicFront"/>
+      <a:lightRig rig="threePt" dir="t"/>
+    </dgm:scene3d>
+    <dgm:sp3d/>
+    <dgm:txPr/>
+    <dgm:style>
+      <a:lnRef idx="2">
+        <a:scrgbClr r="0" g="0" b="0"/>
+      </a:lnRef>
+      <a:fillRef idx="1">
+        <a:scrgbClr r="0" g="0" b="0"/>
+      </a:fillRef>
+      <a:effectRef idx="0">
+        <a:scrgbClr r="0" g="0" b="0"/>
+      </a:effectRef>
+      <a:fontRef idx="minor"/>
+    </dgm:style>
+  </dgm:styleLbl>
+  <dgm:styleLbl name="fgAcc4">
+    <dgm:scene3d>
+      <a:camera prst="orthographicFront"/>
+      <a:lightRig rig="threePt" dir="t"/>
+    </dgm:scene3d>
+    <dgm:sp3d/>
+    <dgm:txPr/>
+    <dgm:style>
+      <a:lnRef idx="2">
+        <a:scrgbClr r="0" g="0" b="0"/>
+      </a:lnRef>
+      <a:fillRef idx="1">
+        <a:scrgbClr r="0" g="0" b="0"/>
+      </a:fillRef>
+      <a:effectRef idx="0">
+        <a:scrgbClr r="0" g="0" b="0"/>
+      </a:effectRef>
+      <a:fontRef idx="minor"/>
+    </dgm:style>
+  </dgm:styleLbl>
+  <dgm:styleLbl name="bgShp">
+    <dgm:scene3d>
+      <a:camera prst="orthographicFront"/>
+      <a:lightRig rig="threePt" dir="t"/>
+    </dgm:scene3d>
+    <dgm:sp3d/>
+    <dgm:txPr/>
+    <dgm:style>
+      <a:lnRef idx="0">
+        <a:scrgbClr r="0" g="0" b="0"/>
+      </a:lnRef>
+      <a:fillRef idx="1">
+        <a:scrgbClr r="0" g="0" b="0"/>
+      </a:fillRef>
+      <a:effectRef idx="0">
+        <a:scrgbClr r="0" g="0" b="0"/>
+      </a:effectRef>
+      <a:fontRef idx="minor"/>
+    </dgm:style>
+  </dgm:styleLbl>
+  <dgm:styleLbl name="dkBgShp">
+    <dgm:scene3d>
+      <a:camera prst="orthographicFront"/>
+      <a:lightRig rig="threePt" dir="t"/>
+    </dgm:scene3d>
+    <dgm:sp3d/>
+    <dgm:txPr/>
+    <dgm:style>
+      <a:lnRef idx="0">
+        <a:scrgbClr r="0" g="0" b="0"/>
+      </a:lnRef>
+      <a:fillRef idx="1">
+        <a:scrgbClr r="0" g="0" b="0"/>
+      </a:fillRef>
+      <a:effectRef idx="0">
+        <a:scrgbClr r="0" g="0" b="0"/>
+      </a:effectRef>
+      <a:fontRef idx="minor"/>
+    </dgm:style>
+  </dgm:styleLbl>
+  <dgm:styleLbl name="trBgShp">
+    <dgm:scene3d>
+      <a:camera prst="orthographicFront"/>
+      <a:lightRig rig="threePt" dir="t"/>
+    </dgm:scene3d>
+    <dgm:sp3d/>
+    <dgm:txPr/>
+    <dgm:style>
+      <a:lnRef idx="0">
+        <a:scrgbClr r="0" g="0" b="0"/>
+      </a:lnRef>
+      <a:fillRef idx="1">
+        <a:scrgbClr r="0" g="0" b="0"/>
+      </a:fillRef>
+      <a:effectRef idx="0">
+        <a:scrgbClr r="0" g="0" b="0"/>
+      </a:effectRef>
+      <a:fontRef idx="minor"/>
+    </dgm:style>
+  </dgm:styleLbl>
+  <dgm:styleLbl name="fgShp">
+    <dgm:scene3d>
+      <a:camera prst="orthographicFront"/>
+      <a:lightRig rig="threePt" dir="t"/>
+    </dgm:scene3d>
+    <dgm:sp3d/>
+    <dgm:txPr/>
+    <dgm:style>
+      <a:lnRef idx="2">
+        <a:scrgbClr r="0" g="0" b="0"/>
+      </a:lnRef>
+      <a:fillRef idx="1">
+        <a:scrgbClr r="0" g="0" b="0"/>
+      </a:fillRef>
+      <a:effectRef idx="0">
+        <a:scrgbClr r="0" g="0" b="0"/>
+      </a:effectRef>
+      <a:fontRef idx="minor"/>
+    </dgm:style>
+  </dgm:styleLbl>
+  <dgm:styleLbl name="revTx">
+    <dgm:scene3d>
+      <a:camera prst="orthographicFront"/>
+      <a:lightRig rig="threePt" dir="t"/>
+    </dgm:scene3d>
+    <dgm:sp3d/>
+    <dgm:txPr/>
+    <dgm:style>
+      <a:lnRef idx="0">
+        <a:scrgbClr r="0" g="0" b="0"/>
+      </a:lnRef>
+      <a:fillRef idx="0">
+        <a:scrgbClr r="0" g="0" b="0"/>
+      </a:fillRef>
+      <a:effectRef idx="0">
+        <a:scrgbClr r="0" g="0" b="0"/>
+      </a:effectRef>
+      <a:fontRef idx="minor"/>
+    </dgm:style>
+  </dgm:styleLbl>
+</dgm:styleDef>
 </file>
 
 <file path=ppt/notesMasters/notesMaster1.xml><?xml version="1.0" encoding="utf-8"?>
@@ -3440,8 +6816,8 @@
         </p:nvSpPr>
         <p:spPr>
           <a:xfrm>
-            <a:off x="16944735" y="750658"/>
-            <a:ext cx="17316932" cy="2178122"/>
+            <a:off x="17330617" y="0"/>
+            <a:ext cx="16931050" cy="3290083"/>
           </a:xfrm>
         </p:spPr>
         <p:txBody>
@@ -3595,8 +6971,8 @@
         </p:nvSpPr>
         <p:spPr>
           <a:xfrm>
-            <a:off x="7551117" y="23349895"/>
-            <a:ext cx="9393618" cy="2237151"/>
+            <a:off x="14100658" y="26321695"/>
+            <a:ext cx="23005083" cy="1522212"/>
           </a:xfrm>
           <a:prstGeom prst="rect">
             <a:avLst/>
@@ -3611,15 +6987,22 @@
             <a:pPr algn="ctr"/>
             <a:r>
               <a:rPr lang="en-US" sz="4646" dirty="0">
+                <a:solidFill>
+                  <a:schemeClr val="bg1"/>
+                </a:solidFill>
                 <a:latin typeface="Source Serif Pro" panose="02040603050405020204" pitchFamily="18" charset="0"/>
                 <a:ea typeface="Source Serif Pro" panose="02040603050405020204" pitchFamily="18" charset="0"/>
               </a:rPr>
-              <a:t>Group website: https://django-deploy-3kpp3.ondigitalocean.app/</a:t>
+              <a:t>https://django-deploy-3kpp3.ondigitalocean.app/</a:t>
             </a:r>
           </a:p>
           <a:p>
             <a:pPr algn="ctr"/>
-            <a:endParaRPr lang="en-US" sz="4646" dirty="0"/>
+            <a:endParaRPr lang="en-US" sz="4646" dirty="0">
+              <a:solidFill>
+                <a:schemeClr val="bg1"/>
+              </a:solidFill>
+            </a:endParaRPr>
           </a:p>
         </p:txBody>
       </p:sp>
@@ -3751,6 +7134,34 @@
           </a:prstGeom>
         </p:spPr>
       </p:pic>
+      <p:graphicFrame>
+        <p:nvGraphicFramePr>
+          <p:cNvPr id="10" name="Diagram 9">
+            <a:extLst>
+              <a:ext uri="{FF2B5EF4-FFF2-40B4-BE49-F238E27FC236}">
+                <a16:creationId xmlns:a16="http://schemas.microsoft.com/office/drawing/2014/main" id="{07B5A57A-9296-46A1-9EDE-A3D86013533E}"/>
+              </a:ext>
+            </a:extLst>
+          </p:cNvPr>
+          <p:cNvGraphicFramePr/>
+          <p:nvPr>
+            <p:extLst>
+              <p:ext uri="{D42A27DB-BD31-4B8C-83A1-F6EECF244321}">
+                <p14:modId xmlns:p14="http://schemas.microsoft.com/office/powerpoint/2010/main" val="1873628795"/>
+              </p:ext>
+            </p:extLst>
+          </p:nvPr>
+        </p:nvGraphicFramePr>
+        <p:xfrm>
+          <a:off x="15866207" y="6597187"/>
+          <a:ext cx="19473983" cy="17513814"/>
+        </p:xfrm>
+        <a:graphic>
+          <a:graphicData uri="http://schemas.openxmlformats.org/drawingml/2006/diagram">
+            <dgm:relIds xmlns:dgm="http://schemas.openxmlformats.org/drawingml/2006/diagram" xmlns:r="http://schemas.openxmlformats.org/officeDocument/2006/relationships" r:dm="rId6" r:lo="rId7" r:qs="rId8" r:cs="rId9"/>
+          </a:graphicData>
+        </a:graphic>
+      </p:graphicFrame>
     </p:spTree>
     <p:extLst>
       <p:ext uri="{BB962C8B-B14F-4D97-AF65-F5344CB8AC3E}">

--- a/product documents/Poster.pptx
+++ b/product documents/Poster.pptx
@@ -1119,7 +1119,7 @@
               <a:latin typeface="Source Serif Pro ExtraLight" panose="02040203050405020204" pitchFamily="18" charset="0"/>
               <a:ea typeface="Source Serif Pro ExtraLight" panose="02040203050405020204" pitchFamily="18" charset="0"/>
             </a:rPr>
-            <a:t>Gain badges for </a:t>
+            <a:t>Gain badges for posting the best picture. </a:t>
           </a:r>
         </a:p>
       </dgm:t>
@@ -1252,7 +1252,7 @@
               <a:latin typeface="Source Serif Pro" panose="02040603050405020204" pitchFamily="18" charset="0"/>
               <a:ea typeface="Source Serif Pro" panose="02040603050405020204" pitchFamily="18" charset="0"/>
             </a:rPr>
-            <a:t>Connect with Nature</a:t>
+            <a:t>Connect with People</a:t>
           </a:r>
         </a:p>
       </dgm:t>
@@ -1280,7 +1280,7 @@
       </dgm:t>
     </dgm:pt>
     <dgm:pt modelId="{2FE50C05-564C-488C-AB65-C59277EE87EA}">
-      <dgm:prSet phldrT="[Text]" phldr="1"/>
+      <dgm:prSet phldrT="[Text]"/>
       <dgm:spPr>
         <a:noFill/>
         <a:ln>
@@ -1294,10 +1294,13 @@
           <a:pPr algn="ctr">
             <a:buNone/>
           </a:pPr>
-          <a:endParaRPr lang="en-GB" dirty="0">
-            <a:latin typeface="Source Serif Pro ExtraLight" panose="02040203050405020204" pitchFamily="18" charset="0"/>
-            <a:ea typeface="Source Serif Pro ExtraLight" panose="02040203050405020204" pitchFamily="18" charset="0"/>
-          </a:endParaRPr>
+          <a:r>
+            <a:rPr lang="en-GB" dirty="0">
+              <a:latin typeface="Source Serif Pro ExtraLight" panose="02040203050405020204" pitchFamily="18" charset="0"/>
+              <a:ea typeface="Source Serif Pro ExtraLight" panose="02040203050405020204" pitchFamily="18" charset="0"/>
+            </a:rPr>
+            <a:t>View peoples profile.</a:t>
+          </a:r>
         </a:p>
       </dgm:t>
     </dgm:pt>
@@ -1501,7 +1504,7 @@
   <dgm:whole/>
   <dgm:extLst>
     <a:ext uri="http://schemas.microsoft.com/office/drawing/2008/diagram">
-      <dsp:dataModelExt xmlns:dsp="http://schemas.microsoft.com/office/drawing/2008/diagram" relId="rId10" minVer="http://schemas.openxmlformats.org/drawingml/2006/diagram"/>
+      <dsp:dataModelExt xmlns:dsp="http://schemas.microsoft.com/office/drawing/2008/diagram" relId="rId12" minVer="http://schemas.openxmlformats.org/drawingml/2006/diagram"/>
     </a:ext>
     <a:ext uri="{C62137D5-CB1D-491B-B009-E17868A290BF}">
       <dgm14:recolorImg xmlns:dgm14="http://schemas.microsoft.com/office/drawing/2010/diagram" val="1"/>
@@ -1997,7 +2000,7 @@
               <a:latin typeface="Source Serif Pro ExtraLight" panose="02040203050405020204" pitchFamily="18" charset="0"/>
               <a:ea typeface="Source Serif Pro ExtraLight" panose="02040203050405020204" pitchFamily="18" charset="0"/>
             </a:rPr>
-            <a:t>Gain badges for </a:t>
+            <a:t>Gain badges for posting the best picture. </a:t>
           </a:r>
         </a:p>
       </dsp:txBody>
@@ -2133,10 +2136,13 @@
             </a:spcAft>
             <a:buNone/>
           </a:pPr>
-          <a:endParaRPr lang="en-GB" sz="6500" kern="1200" dirty="0">
-            <a:latin typeface="Source Serif Pro ExtraLight" panose="02040203050405020204" pitchFamily="18" charset="0"/>
-            <a:ea typeface="Source Serif Pro ExtraLight" panose="02040203050405020204" pitchFamily="18" charset="0"/>
-          </a:endParaRPr>
+          <a:r>
+            <a:rPr lang="en-GB" sz="6500" kern="1200" dirty="0">
+              <a:latin typeface="Source Serif Pro ExtraLight" panose="02040203050405020204" pitchFamily="18" charset="0"/>
+              <a:ea typeface="Source Serif Pro ExtraLight" panose="02040203050405020204" pitchFamily="18" charset="0"/>
+            </a:rPr>
+            <a:t>View peoples profile.</a:t>
+          </a:r>
         </a:p>
       </dsp:txBody>
       <dsp:txXfrm rot="-5400000">
@@ -2211,7 +2217,7 @@
               <a:latin typeface="Source Serif Pro" panose="02040603050405020204" pitchFamily="18" charset="0"/>
               <a:ea typeface="Source Serif Pro" panose="02040603050405020204" pitchFamily="18" charset="0"/>
             </a:rPr>
-            <a:t>Connect with Nature</a:t>
+            <a:t>Connect with People</a:t>
           </a:r>
         </a:p>
       </dsp:txBody>
@@ -6798,6 +6804,42 @@
           <a:chExt cx="0" cy="0"/>
         </a:xfrm>
       </p:grpSpPr>
+      <p:pic>
+        <p:nvPicPr>
+          <p:cNvPr id="16" name="Graphic 15" descr="Hill scene outline">
+            <a:extLst>
+              <a:ext uri="{FF2B5EF4-FFF2-40B4-BE49-F238E27FC236}">
+                <a16:creationId xmlns:a16="http://schemas.microsoft.com/office/drawing/2014/main" id="{77F163B4-148D-44AC-84A2-4D8A630C0078}"/>
+              </a:ext>
+            </a:extLst>
+          </p:cNvPr>
+          <p:cNvPicPr>
+            <a:picLocks noChangeAspect="1"/>
+          </p:cNvPicPr>
+          <p:nvPr/>
+        </p:nvPicPr>
+        <p:blipFill>
+          <a:blip r:embed="rId3">
+            <a:extLst>
+              <a:ext uri="{96DAC541-7B7A-43D3-8B79-37D633B846F1}">
+                <asvg:svgBlip xmlns:asvg="http://schemas.microsoft.com/office/drawing/2016/SVG/main" r:embed="rId4"/>
+              </a:ext>
+            </a:extLst>
+          </a:blip>
+          <a:stretch>
+            <a:fillRect/>
+          </a:stretch>
+        </p:blipFill>
+        <p:spPr>
+          <a:xfrm>
+            <a:off x="37554954" y="16418676"/>
+            <a:ext cx="14400000" cy="14400000"/>
+          </a:xfrm>
+          <a:prstGeom prst="rect">
+            <a:avLst/>
+          </a:prstGeom>
+        </p:spPr>
+      </p:pic>
       <p:sp>
         <p:nvSpPr>
           <p:cNvPr id="2" name="Title 1">
@@ -7006,6 +7048,66 @@
           </a:p>
         </p:txBody>
       </p:sp>
+      <p:sp>
+        <p:nvSpPr>
+          <p:cNvPr id="11" name="Rectangle: Rounded Corners 10">
+            <a:extLst>
+              <a:ext uri="{FF2B5EF4-FFF2-40B4-BE49-F238E27FC236}">
+                <a16:creationId xmlns:a16="http://schemas.microsoft.com/office/drawing/2014/main" id="{0ED07895-8C71-455E-B373-D49D7363430A}"/>
+              </a:ext>
+            </a:extLst>
+          </p:cNvPr>
+          <p:cNvSpPr/>
+          <p:nvPr/>
+        </p:nvSpPr>
+        <p:spPr>
+          <a:xfrm>
+            <a:off x="44324250" y="21411001"/>
+            <a:ext cx="5400000" cy="6432905"/>
+          </a:xfrm>
+          <a:prstGeom prst="roundRect">
+            <a:avLst/>
+          </a:prstGeom>
+          <a:solidFill>
+            <a:srgbClr val="5E7A5F"/>
+          </a:solidFill>
+          <a:ln w="12700">
+            <a:solidFill>
+              <a:srgbClr val="FFFFFF"/>
+            </a:solidFill>
+          </a:ln>
+        </p:spPr>
+        <p:style>
+          <a:lnRef idx="2">
+            <a:schemeClr val="accent1">
+              <a:shade val="50000"/>
+            </a:schemeClr>
+          </a:lnRef>
+          <a:fillRef idx="1">
+            <a:schemeClr val="accent1"/>
+          </a:fillRef>
+          <a:effectRef idx="0">
+            <a:schemeClr val="accent1"/>
+          </a:effectRef>
+          <a:fontRef idx="minor">
+            <a:schemeClr val="lt1"/>
+          </a:fontRef>
+        </p:style>
+        <p:txBody>
+          <a:bodyPr rtlCol="0" anchor="ctr"/>
+          <a:lstStyle/>
+          <a:p>
+            <a:pPr algn="ctr"/>
+            <a:endParaRPr lang="en-GB">
+              <a:ln>
+                <a:solidFill>
+                  <a:schemeClr val="bg1"/>
+                </a:solidFill>
+              </a:ln>
+            </a:endParaRPr>
+          </a:p>
+        </p:txBody>
+      </p:sp>
       <p:pic>
         <p:nvPicPr>
           <p:cNvPr id="5" name="Picture 4" descr="Logo, company name&#10;&#10;Description automatically generated with medium confidence">
@@ -7021,14 +7123,14 @@
           <p:nvPr/>
         </p:nvPicPr>
         <p:blipFill>
-          <a:blip r:embed="rId3"/>
+          <a:blip r:embed="rId5"/>
           <a:stretch>
             <a:fillRect/>
           </a:stretch>
         </p:blipFill>
         <p:spPr>
           <a:xfrm>
-            <a:off x="2151117" y="21411001"/>
+            <a:off x="1808217" y="21927453"/>
             <a:ext cx="5400000" cy="5400000"/>
           </a:xfrm>
           <a:prstGeom prst="ellipse">
@@ -7055,11 +7157,11 @@
           <p:nvPr/>
         </p:nvPicPr>
         <p:blipFill>
-          <a:blip r:embed="rId4">
+          <a:blip r:embed="rId6">
             <a:extLst>
               <a:ext uri="{BEBA8EAE-BF5A-486C-A8C5-ECC9F3942E4B}">
                 <a14:imgProps xmlns:a14="http://schemas.microsoft.com/office/drawing/2010/main">
-                  <a14:imgLayer r:embed="rId5">
+                  <a14:imgLayer r:embed="rId7">
                     <a14:imgEffect>
                       <a14:backgroundRemoval t="10000" b="90000" l="10000" r="90000">
                         <a14:foregroundMark x1="25000" y1="71667" x2="25000" y2="71667"/>
@@ -7147,7 +7249,7 @@
           <p:nvPr>
             <p:extLst>
               <p:ext uri="{D42A27DB-BD31-4B8C-83A1-F6EECF244321}">
-                <p14:modId xmlns:p14="http://schemas.microsoft.com/office/powerpoint/2010/main" val="1873628795"/>
+                <p14:modId xmlns:p14="http://schemas.microsoft.com/office/powerpoint/2010/main" val="699283887"/>
               </p:ext>
             </p:extLst>
           </p:nvPr>
@@ -7158,10 +7260,51 @@
         </p:xfrm>
         <a:graphic>
           <a:graphicData uri="http://schemas.openxmlformats.org/drawingml/2006/diagram">
-            <dgm:relIds xmlns:dgm="http://schemas.openxmlformats.org/drawingml/2006/diagram" xmlns:r="http://schemas.openxmlformats.org/officeDocument/2006/relationships" r:dm="rId6" r:lo="rId7" r:qs="rId8" r:cs="rId9"/>
+            <dgm:relIds xmlns:dgm="http://schemas.openxmlformats.org/drawingml/2006/diagram" xmlns:r="http://schemas.openxmlformats.org/officeDocument/2006/relationships" r:dm="rId8" r:lo="rId9" r:qs="rId10" r:cs="rId11"/>
           </a:graphicData>
         </a:graphic>
       </p:graphicFrame>
+      <p:sp>
+        <p:nvSpPr>
+          <p:cNvPr id="12" name="TextBox 11">
+            <a:extLst>
+              <a:ext uri="{FF2B5EF4-FFF2-40B4-BE49-F238E27FC236}">
+                <a16:creationId xmlns:a16="http://schemas.microsoft.com/office/drawing/2014/main" id="{48439FEA-5C5E-4D66-BA26-BEBBC83A5DC2}"/>
+              </a:ext>
+            </a:extLst>
+          </p:cNvPr>
+          <p:cNvSpPr txBox="1"/>
+          <p:nvPr/>
+        </p:nvSpPr>
+        <p:spPr>
+          <a:xfrm>
+            <a:off x="45539917" y="26573388"/>
+            <a:ext cx="3113783" cy="1015663"/>
+          </a:xfrm>
+          <a:prstGeom prst="rect">
+            <a:avLst/>
+          </a:prstGeom>
+          <a:noFill/>
+        </p:spPr>
+        <p:txBody>
+          <a:bodyPr wrap="square" rtlCol="0">
+            <a:spAutoFit/>
+          </a:bodyPr>
+          <a:lstStyle/>
+          <a:p>
+            <a:r>
+              <a:rPr lang="en-GB" sz="6000" dirty="0">
+                <a:solidFill>
+                  <a:schemeClr val="bg1"/>
+                </a:solidFill>
+                <a:latin typeface="Source Serif Pro" panose="02040603050405020204" pitchFamily="18" charset="0"/>
+                <a:ea typeface="Source Serif Pro" panose="02040603050405020204" pitchFamily="18" charset="0"/>
+              </a:rPr>
+              <a:t>Scan me</a:t>
+            </a:r>
+          </a:p>
+        </p:txBody>
+      </p:sp>
     </p:spTree>
     <p:extLst>
       <p:ext uri="{BB962C8B-B14F-4D97-AF65-F5344CB8AC3E}">

--- a/product documents/Poster.pptx
+++ b/product documents/Poster.pptx
@@ -1162,7 +1162,7 @@
               <a:latin typeface="Source Serif Pro" panose="02040603050405020204" pitchFamily="18" charset="0"/>
               <a:ea typeface="Source Serif Pro" panose="02040603050405020204" pitchFamily="18" charset="0"/>
             </a:rPr>
-            <a:t>Climb the Leader board</a:t>
+            <a:t>Climb the Leaderboard</a:t>
           </a:r>
         </a:p>
       </dgm:t>
@@ -1299,7 +1299,7 @@
               <a:latin typeface="Source Serif Pro ExtraLight" panose="02040203050405020204" pitchFamily="18" charset="0"/>
               <a:ea typeface="Source Serif Pro ExtraLight" panose="02040203050405020204" pitchFamily="18" charset="0"/>
             </a:rPr>
-            <a:t>View peoples profile.</a:t>
+            <a:t>View peoples profiles.</a:t>
           </a:r>
         </a:p>
       </dgm:t>
@@ -1528,8 +1528,8 @@
       </dsp:nvSpPr>
       <dsp:spPr>
         <a:xfrm rot="5400000">
-          <a:off x="11896276" y="-4541437"/>
-          <a:ext cx="2692064" cy="12463349"/>
+          <a:off x="8685281" y="-3218273"/>
+          <a:ext cx="2213437" cy="9216000"/>
         </a:xfrm>
         <a:prstGeom prst="round2SameRect">
           <a:avLst/>
@@ -1555,12 +1555,12 @@
         <a:fontRef idx="minor"/>
       </dsp:style>
       <dsp:txBody>
-        <a:bodyPr spcFirstLastPara="0" vert="horz" wrap="square" lIns="247650" tIns="123825" rIns="247650" bIns="123825" numCol="1" spcCol="1270" anchor="ctr" anchorCtr="0">
+        <a:bodyPr spcFirstLastPara="0" vert="horz" wrap="square" lIns="228600" tIns="114300" rIns="228600" bIns="114300" numCol="1" spcCol="1270" anchor="ctr" anchorCtr="0">
           <a:noAutofit/>
         </a:bodyPr>
         <a:lstStyle/>
         <a:p>
-          <a:pPr marL="285750" lvl="1" indent="-285750" algn="ctr" defTabSz="2889250">
+          <a:pPr marL="285750" lvl="1" indent="-285750" algn="ctr" defTabSz="2667000">
             <a:lnSpc>
               <a:spcPct val="90000"/>
             </a:lnSpc>
@@ -1573,7 +1573,7 @@
             <a:buNone/>
           </a:pPr>
           <a:r>
-            <a:rPr lang="en-GB" sz="6500" kern="1200" dirty="0">
+            <a:rPr lang="en-GB" sz="6000" kern="1200" dirty="0">
               <a:latin typeface="Source Serif Pro ExtraLight" panose="02040203050405020204" pitchFamily="18" charset="0"/>
               <a:ea typeface="Source Serif Pro ExtraLight" panose="02040203050405020204" pitchFamily="18" charset="0"/>
             </a:rPr>
@@ -1582,8 +1582,8 @@
         </a:p>
       </dsp:txBody>
       <dsp:txXfrm rot="-5400000">
-        <a:off x="7010634" y="475621"/>
-        <a:ext cx="12331933" cy="2429232"/>
+        <a:off x="5184000" y="391059"/>
+        <a:ext cx="9107949" cy="1997335"/>
       </dsp:txXfrm>
     </dsp:sp>
     <dsp:sp modelId="{DFB4A00C-36B7-401A-9617-1C6E09996FCD}">
@@ -1593,8 +1593,8 @@
       </dsp:nvSpPr>
       <dsp:spPr>
         <a:xfrm>
-          <a:off x="0" y="7696"/>
-          <a:ext cx="7010633" cy="3365080"/>
+          <a:off x="0" y="6328"/>
+          <a:ext cx="5184000" cy="2766796"/>
         </a:xfrm>
         <a:prstGeom prst="roundRect">
           <a:avLst/>
@@ -1631,12 +1631,12 @@
         </a:fontRef>
       </dsp:style>
       <dsp:txBody>
-        <a:bodyPr spcFirstLastPara="0" vert="horz" wrap="square" lIns="247650" tIns="123825" rIns="247650" bIns="123825" numCol="1" spcCol="1270" anchor="ctr" anchorCtr="0">
+        <a:bodyPr spcFirstLastPara="0" vert="horz" wrap="square" lIns="220980" tIns="110490" rIns="220980" bIns="110490" numCol="1" spcCol="1270" anchor="ctr" anchorCtr="0">
           <a:noAutofit/>
         </a:bodyPr>
         <a:lstStyle/>
         <a:p>
-          <a:pPr marL="0" lvl="0" indent="0" algn="ctr" defTabSz="2889250">
+          <a:pPr marL="0" lvl="0" indent="0" algn="ctr" defTabSz="2578100">
             <a:lnSpc>
               <a:spcPct val="90000"/>
             </a:lnSpc>
@@ -1649,7 +1649,7 @@
             <a:buNone/>
           </a:pPr>
           <a:r>
-            <a:rPr lang="en-GB" sz="6500" kern="1200" dirty="0">
+            <a:rPr lang="en-GB" sz="5800" kern="1200" dirty="0">
               <a:latin typeface="Source Serif Pro" panose="02040603050405020204" pitchFamily="18" charset="0"/>
               <a:ea typeface="Source Serif Pro" panose="02040603050405020204" pitchFamily="18" charset="0"/>
             </a:rPr>
@@ -1658,8 +1658,8 @@
         </a:p>
       </dsp:txBody>
       <dsp:txXfrm>
-        <a:off x="164270" y="171966"/>
-        <a:ext cx="6682093" cy="3036540"/>
+        <a:off x="135064" y="141392"/>
+        <a:ext cx="4913872" cy="2496668"/>
       </dsp:txXfrm>
     </dsp:sp>
     <dsp:sp modelId="{B96D5C01-E04F-4892-A828-4E11B2CFF2E1}">
@@ -1669,8 +1669,8 @@
       </dsp:nvSpPr>
       <dsp:spPr>
         <a:xfrm rot="5400000">
-          <a:off x="11896276" y="-1008102"/>
-          <a:ext cx="2692064" cy="12463349"/>
+          <a:off x="8685281" y="-313137"/>
+          <a:ext cx="2213437" cy="9216000"/>
         </a:xfrm>
         <a:prstGeom prst="round2SameRect">
           <a:avLst/>
@@ -1696,12 +1696,12 @@
         <a:fontRef idx="minor"/>
       </dsp:style>
       <dsp:txBody>
-        <a:bodyPr spcFirstLastPara="0" vert="horz" wrap="square" lIns="247650" tIns="123825" rIns="247650" bIns="123825" numCol="1" spcCol="1270" anchor="ctr" anchorCtr="0">
+        <a:bodyPr spcFirstLastPara="0" vert="horz" wrap="square" lIns="228600" tIns="114300" rIns="228600" bIns="114300" numCol="1" spcCol="1270" anchor="ctr" anchorCtr="0">
           <a:noAutofit/>
         </a:bodyPr>
         <a:lstStyle/>
         <a:p>
-          <a:pPr marL="285750" lvl="1" indent="-285750" algn="ctr" defTabSz="2889250">
+          <a:pPr marL="285750" lvl="1" indent="-285750" algn="ctr" defTabSz="2667000">
             <a:lnSpc>
               <a:spcPct val="90000"/>
             </a:lnSpc>
@@ -1714,7 +1714,7 @@
             <a:buNone/>
           </a:pPr>
           <a:r>
-            <a:rPr lang="en-GB" sz="6500" kern="1200" dirty="0">
+            <a:rPr lang="en-GB" sz="6000" kern="1200" dirty="0">
               <a:latin typeface="Source Serif Pro ExtraLight" panose="02040203050405020204" pitchFamily="18" charset="0"/>
               <a:ea typeface="Source Serif Pro ExtraLight" panose="02040203050405020204" pitchFamily="18" charset="0"/>
             </a:rPr>
@@ -1723,8 +1723,8 @@
         </a:p>
       </dsp:txBody>
       <dsp:txXfrm rot="-5400000">
-        <a:off x="7010634" y="4008956"/>
-        <a:ext cx="12331933" cy="2429232"/>
+        <a:off x="5184000" y="3296195"/>
+        <a:ext cx="9107949" cy="1997335"/>
       </dsp:txXfrm>
     </dsp:sp>
     <dsp:sp modelId="{19CF64B8-4812-424C-8FC9-C5B7E97177A2}">
@@ -1734,8 +1734,8 @@
       </dsp:nvSpPr>
       <dsp:spPr>
         <a:xfrm>
-          <a:off x="0" y="3541031"/>
-          <a:ext cx="7010633" cy="3365080"/>
+          <a:off x="0" y="2911464"/>
+          <a:ext cx="5184000" cy="2766796"/>
         </a:xfrm>
         <a:prstGeom prst="roundRect">
           <a:avLst/>
@@ -1772,12 +1772,12 @@
         </a:fontRef>
       </dsp:style>
       <dsp:txBody>
-        <a:bodyPr spcFirstLastPara="0" vert="horz" wrap="square" lIns="247650" tIns="123825" rIns="247650" bIns="123825" numCol="1" spcCol="1270" anchor="ctr" anchorCtr="0">
+        <a:bodyPr spcFirstLastPara="0" vert="horz" wrap="square" lIns="220980" tIns="110490" rIns="220980" bIns="110490" numCol="1" spcCol="1270" anchor="ctr" anchorCtr="0">
           <a:noAutofit/>
         </a:bodyPr>
         <a:lstStyle/>
         <a:p>
-          <a:pPr marL="0" lvl="0" indent="0" algn="ctr" defTabSz="2889250">
+          <a:pPr marL="0" lvl="0" indent="0" algn="ctr" defTabSz="2578100">
             <a:lnSpc>
               <a:spcPct val="90000"/>
             </a:lnSpc>
@@ -1790,7 +1790,7 @@
             <a:buNone/>
           </a:pPr>
           <a:r>
-            <a:rPr lang="en-GB" sz="6500" kern="1200" dirty="0">
+            <a:rPr lang="en-GB" sz="5800" kern="1200" dirty="0">
               <a:latin typeface="Source Serif Pro" panose="02040603050405020204" pitchFamily="18" charset="0"/>
               <a:ea typeface="Source Serif Pro" panose="02040603050405020204" pitchFamily="18" charset="0"/>
             </a:rPr>
@@ -1799,8 +1799,8 @@
         </a:p>
       </dsp:txBody>
       <dsp:txXfrm>
-        <a:off x="164270" y="3705301"/>
-        <a:ext cx="6682093" cy="3036540"/>
+        <a:off x="135064" y="3046528"/>
+        <a:ext cx="4913872" cy="2496668"/>
       </dsp:txXfrm>
     </dsp:sp>
     <dsp:sp modelId="{5CEF5D08-58D9-4872-8584-35E9EF7975AD}">
@@ -1810,8 +1810,8 @@
       </dsp:nvSpPr>
       <dsp:spPr>
         <a:xfrm rot="5400000">
-          <a:off x="11896276" y="2525232"/>
-          <a:ext cx="2692064" cy="12463349"/>
+          <a:off x="8685281" y="2591999"/>
+          <a:ext cx="2213437" cy="9216000"/>
         </a:xfrm>
         <a:prstGeom prst="round2SameRect">
           <a:avLst/>
@@ -1837,12 +1837,12 @@
         <a:fontRef idx="minor"/>
       </dsp:style>
       <dsp:txBody>
-        <a:bodyPr spcFirstLastPara="0" vert="horz" wrap="square" lIns="247650" tIns="123825" rIns="247650" bIns="123825" numCol="1" spcCol="1270" anchor="ctr" anchorCtr="0">
+        <a:bodyPr spcFirstLastPara="0" vert="horz" wrap="square" lIns="228600" tIns="114300" rIns="228600" bIns="114300" numCol="1" spcCol="1270" anchor="ctr" anchorCtr="0">
           <a:noAutofit/>
         </a:bodyPr>
         <a:lstStyle/>
         <a:p>
-          <a:pPr marL="285750" lvl="1" indent="-285750" algn="ctr" defTabSz="2889250">
+          <a:pPr marL="285750" lvl="1" indent="-285750" algn="ctr" defTabSz="2667000">
             <a:lnSpc>
               <a:spcPct val="90000"/>
             </a:lnSpc>
@@ -1855,7 +1855,7 @@
             <a:buNone/>
           </a:pPr>
           <a:r>
-            <a:rPr lang="en-GB" sz="6500" kern="1200" dirty="0">
+            <a:rPr lang="en-GB" sz="6000" kern="1200" dirty="0">
               <a:latin typeface="Source Serif Pro ExtraLight" panose="02040203050405020204" pitchFamily="18" charset="0"/>
               <a:ea typeface="Source Serif Pro ExtraLight" panose="02040203050405020204" pitchFamily="18" charset="0"/>
             </a:rPr>
@@ -1864,8 +1864,8 @@
         </a:p>
       </dsp:txBody>
       <dsp:txXfrm rot="-5400000">
-        <a:off x="7010634" y="7542290"/>
-        <a:ext cx="12331933" cy="2429232"/>
+        <a:off x="5184000" y="6201332"/>
+        <a:ext cx="9107949" cy="1997335"/>
       </dsp:txXfrm>
     </dsp:sp>
     <dsp:sp modelId="{57D5B4E1-1BA8-4CF3-9FFC-D7AE5CE8C0AA}">
@@ -1875,8 +1875,8 @@
       </dsp:nvSpPr>
       <dsp:spPr>
         <a:xfrm>
-          <a:off x="0" y="7074366"/>
-          <a:ext cx="7010633" cy="3365080"/>
+          <a:off x="0" y="5816601"/>
+          <a:ext cx="5184000" cy="2766796"/>
         </a:xfrm>
         <a:prstGeom prst="roundRect">
           <a:avLst/>
@@ -1913,12 +1913,12 @@
         </a:fontRef>
       </dsp:style>
       <dsp:txBody>
-        <a:bodyPr spcFirstLastPara="0" vert="horz" wrap="square" lIns="247650" tIns="123825" rIns="247650" bIns="123825" numCol="1" spcCol="1270" anchor="ctr" anchorCtr="0">
+        <a:bodyPr spcFirstLastPara="0" vert="horz" wrap="square" lIns="220980" tIns="110490" rIns="220980" bIns="110490" numCol="1" spcCol="1270" anchor="ctr" anchorCtr="0">
           <a:noAutofit/>
         </a:bodyPr>
         <a:lstStyle/>
         <a:p>
-          <a:pPr marL="0" lvl="0" indent="0" algn="ctr" defTabSz="2889250">
+          <a:pPr marL="0" lvl="0" indent="0" algn="ctr" defTabSz="2578100">
             <a:lnSpc>
               <a:spcPct val="90000"/>
             </a:lnSpc>
@@ -1931,17 +1931,17 @@
             <a:buNone/>
           </a:pPr>
           <a:r>
-            <a:rPr lang="en-GB" sz="6500" kern="1200" dirty="0">
+            <a:rPr lang="en-GB" sz="5800" kern="1200" dirty="0">
               <a:latin typeface="Source Serif Pro" panose="02040603050405020204" pitchFamily="18" charset="0"/>
               <a:ea typeface="Source Serif Pro" panose="02040603050405020204" pitchFamily="18" charset="0"/>
             </a:rPr>
-            <a:t>Climb the Leader board</a:t>
+            <a:t>Climb the Leaderboard</a:t>
           </a:r>
         </a:p>
       </dsp:txBody>
       <dsp:txXfrm>
-        <a:off x="164270" y="7238636"/>
-        <a:ext cx="6682093" cy="3036540"/>
+        <a:off x="135064" y="5951665"/>
+        <a:ext cx="4913872" cy="2496668"/>
       </dsp:txXfrm>
     </dsp:sp>
     <dsp:sp modelId="{659AC0E4-7D27-475B-91AB-0B73A3D5A50B}">
@@ -1951,8 +1951,8 @@
       </dsp:nvSpPr>
       <dsp:spPr>
         <a:xfrm rot="5400000">
-          <a:off x="11896276" y="6058567"/>
-          <a:ext cx="2692064" cy="12463349"/>
+          <a:off x="8685281" y="5497136"/>
+          <a:ext cx="2213437" cy="9216000"/>
         </a:xfrm>
         <a:prstGeom prst="round2SameRect">
           <a:avLst/>
@@ -1978,12 +1978,12 @@
         <a:fontRef idx="minor"/>
       </dsp:style>
       <dsp:txBody>
-        <a:bodyPr spcFirstLastPara="0" vert="horz" wrap="square" lIns="247650" tIns="123825" rIns="247650" bIns="123825" numCol="1" spcCol="1270" anchor="ctr" anchorCtr="0">
+        <a:bodyPr spcFirstLastPara="0" vert="horz" wrap="square" lIns="228600" tIns="114300" rIns="228600" bIns="114300" numCol="1" spcCol="1270" anchor="ctr" anchorCtr="0">
           <a:noAutofit/>
         </a:bodyPr>
         <a:lstStyle/>
         <a:p>
-          <a:pPr marL="285750" lvl="1" indent="-285750" algn="ctr" defTabSz="2889250">
+          <a:pPr marL="285750" lvl="1" indent="-285750" algn="ctr" defTabSz="2667000">
             <a:lnSpc>
               <a:spcPct val="90000"/>
             </a:lnSpc>
@@ -1996,7 +1996,7 @@
             <a:buNone/>
           </a:pPr>
           <a:r>
-            <a:rPr lang="en-GB" sz="6500" kern="1200" dirty="0">
+            <a:rPr lang="en-GB" sz="6000" kern="1200" dirty="0">
               <a:latin typeface="Source Serif Pro ExtraLight" panose="02040203050405020204" pitchFamily="18" charset="0"/>
               <a:ea typeface="Source Serif Pro ExtraLight" panose="02040203050405020204" pitchFamily="18" charset="0"/>
             </a:rPr>
@@ -2005,8 +2005,8 @@
         </a:p>
       </dsp:txBody>
       <dsp:txXfrm rot="-5400000">
-        <a:off x="7010634" y="11075625"/>
-        <a:ext cx="12331933" cy="2429232"/>
+        <a:off x="5184000" y="9106469"/>
+        <a:ext cx="9107949" cy="1997335"/>
       </dsp:txXfrm>
     </dsp:sp>
     <dsp:sp modelId="{19D710BD-BBB9-42C4-91D3-D4D74ABB77B6}">
@@ -2016,8 +2016,8 @@
       </dsp:nvSpPr>
       <dsp:spPr>
         <a:xfrm>
-          <a:off x="0" y="10607701"/>
-          <a:ext cx="7010633" cy="3365080"/>
+          <a:off x="0" y="8721738"/>
+          <a:ext cx="5184000" cy="2766796"/>
         </a:xfrm>
         <a:prstGeom prst="roundRect">
           <a:avLst/>
@@ -2054,12 +2054,12 @@
         </a:fontRef>
       </dsp:style>
       <dsp:txBody>
-        <a:bodyPr spcFirstLastPara="0" vert="horz" wrap="square" lIns="247650" tIns="123825" rIns="247650" bIns="123825" numCol="1" spcCol="1270" anchor="ctr" anchorCtr="0">
+        <a:bodyPr spcFirstLastPara="0" vert="horz" wrap="square" lIns="220980" tIns="110490" rIns="220980" bIns="110490" numCol="1" spcCol="1270" anchor="ctr" anchorCtr="0">
           <a:noAutofit/>
         </a:bodyPr>
         <a:lstStyle/>
         <a:p>
-          <a:pPr marL="0" lvl="0" indent="0" algn="ctr" defTabSz="2889250">
+          <a:pPr marL="0" lvl="0" indent="0" algn="ctr" defTabSz="2578100">
             <a:lnSpc>
               <a:spcPct val="90000"/>
             </a:lnSpc>
@@ -2072,7 +2072,7 @@
             <a:buNone/>
           </a:pPr>
           <a:r>
-            <a:rPr lang="en-GB" sz="6500" kern="1200" dirty="0">
+            <a:rPr lang="en-GB" sz="5800" kern="1200" dirty="0">
               <a:latin typeface="Source Serif Pro" panose="02040603050405020204" pitchFamily="18" charset="0"/>
               <a:ea typeface="Source Serif Pro" panose="02040603050405020204" pitchFamily="18" charset="0"/>
             </a:rPr>
@@ -2081,8 +2081,8 @@
         </a:p>
       </dsp:txBody>
       <dsp:txXfrm>
-        <a:off x="164270" y="10771971"/>
-        <a:ext cx="6682093" cy="3036540"/>
+        <a:off x="135064" y="8856802"/>
+        <a:ext cx="4913872" cy="2496668"/>
       </dsp:txXfrm>
     </dsp:sp>
     <dsp:sp modelId="{515AE589-E4EC-40A3-968D-F03F67C2FFE6}">
@@ -2092,8 +2092,8 @@
       </dsp:nvSpPr>
       <dsp:spPr>
         <a:xfrm rot="5400000">
-          <a:off x="11896276" y="9591902"/>
-          <a:ext cx="2692064" cy="12463349"/>
+          <a:off x="8685281" y="8402273"/>
+          <a:ext cx="2213437" cy="9216000"/>
         </a:xfrm>
         <a:prstGeom prst="round2SameRect">
           <a:avLst/>
@@ -2119,12 +2119,12 @@
         <a:fontRef idx="minor"/>
       </dsp:style>
       <dsp:txBody>
-        <a:bodyPr spcFirstLastPara="0" vert="horz" wrap="square" lIns="247650" tIns="123825" rIns="247650" bIns="123825" numCol="1" spcCol="1270" anchor="ctr" anchorCtr="0">
+        <a:bodyPr spcFirstLastPara="0" vert="horz" wrap="square" lIns="228600" tIns="114300" rIns="228600" bIns="114300" numCol="1" spcCol="1270" anchor="ctr" anchorCtr="0">
           <a:noAutofit/>
         </a:bodyPr>
         <a:lstStyle/>
         <a:p>
-          <a:pPr marL="285750" lvl="1" indent="-285750" algn="ctr" defTabSz="2889250">
+          <a:pPr marL="285750" lvl="1" indent="-285750" algn="ctr" defTabSz="2667000">
             <a:lnSpc>
               <a:spcPct val="90000"/>
             </a:lnSpc>
@@ -2137,17 +2137,17 @@
             <a:buNone/>
           </a:pPr>
           <a:r>
-            <a:rPr lang="en-GB" sz="6500" kern="1200" dirty="0">
+            <a:rPr lang="en-GB" sz="6000" kern="1200" dirty="0">
               <a:latin typeface="Source Serif Pro ExtraLight" panose="02040203050405020204" pitchFamily="18" charset="0"/>
               <a:ea typeface="Source Serif Pro ExtraLight" panose="02040203050405020204" pitchFamily="18" charset="0"/>
             </a:rPr>
-            <a:t>View peoples profile.</a:t>
+            <a:t>View peoples profiles.</a:t>
           </a:r>
         </a:p>
       </dsp:txBody>
       <dsp:txXfrm rot="-5400000">
-        <a:off x="7010634" y="14608960"/>
-        <a:ext cx="12331933" cy="2429232"/>
+        <a:off x="5184000" y="12011606"/>
+        <a:ext cx="9107949" cy="1997335"/>
       </dsp:txXfrm>
     </dsp:sp>
     <dsp:sp modelId="{F9F0DF7C-F605-4231-B5B3-F36A373F5E49}">
@@ -2157,8 +2157,8 @@
       </dsp:nvSpPr>
       <dsp:spPr>
         <a:xfrm>
-          <a:off x="0" y="14148733"/>
-          <a:ext cx="7010633" cy="3365080"/>
+          <a:off x="0" y="11633203"/>
+          <a:ext cx="5184000" cy="2766796"/>
         </a:xfrm>
         <a:prstGeom prst="roundRect">
           <a:avLst/>
@@ -2195,12 +2195,12 @@
         </a:fontRef>
       </dsp:style>
       <dsp:txBody>
-        <a:bodyPr spcFirstLastPara="0" vert="horz" wrap="square" lIns="247650" tIns="123825" rIns="247650" bIns="123825" numCol="1" spcCol="1270" anchor="ctr" anchorCtr="0">
+        <a:bodyPr spcFirstLastPara="0" vert="horz" wrap="square" lIns="220980" tIns="110490" rIns="220980" bIns="110490" numCol="1" spcCol="1270" anchor="ctr" anchorCtr="0">
           <a:noAutofit/>
         </a:bodyPr>
         <a:lstStyle/>
         <a:p>
-          <a:pPr marL="0" lvl="0" indent="0" algn="ctr" defTabSz="2889250">
+          <a:pPr marL="0" lvl="0" indent="0" algn="ctr" defTabSz="2578100">
             <a:lnSpc>
               <a:spcPct val="90000"/>
             </a:lnSpc>
@@ -2213,7 +2213,7 @@
             <a:buNone/>
           </a:pPr>
           <a:r>
-            <a:rPr lang="en-GB" sz="6500" kern="1200" dirty="0">
+            <a:rPr lang="en-GB" sz="5800" kern="1200" dirty="0">
               <a:latin typeface="Source Serif Pro" panose="02040603050405020204" pitchFamily="18" charset="0"/>
               <a:ea typeface="Source Serif Pro" panose="02040603050405020204" pitchFamily="18" charset="0"/>
             </a:rPr>
@@ -2222,8 +2222,8 @@
         </a:p>
       </dsp:txBody>
       <dsp:txXfrm>
-        <a:off x="164270" y="14313003"/>
-        <a:ext cx="6682093" cy="3036540"/>
+        <a:off x="135064" y="11768267"/>
+        <a:ext cx="4913872" cy="2496668"/>
       </dsp:txXfrm>
     </dsp:sp>
   </dsp:spTree>
@@ -6832,8 +6832,8 @@
         </p:blipFill>
         <p:spPr>
           <a:xfrm>
-            <a:off x="37554954" y="16418676"/>
-            <a:ext cx="14400000" cy="14400000"/>
+            <a:off x="40983954" y="19390476"/>
+            <a:ext cx="10800000" cy="10800000"/>
           </a:xfrm>
           <a:prstGeom prst="rect">
             <a:avLst/>
@@ -6864,12 +6864,12 @@
         </p:spPr>
         <p:txBody>
           <a:bodyPr>
-            <a:normAutofit fontScale="90000"/>
+            <a:normAutofit/>
           </a:bodyPr>
           <a:lstStyle/>
           <a:p>
             <a:r>
-              <a:rPr lang="en-US" dirty="0">
+              <a:rPr lang="en-US" sz="22500" dirty="0">
                 <a:latin typeface="Source Serif Pro" panose="02040603050405020204" pitchFamily="18" charset="0"/>
                 <a:ea typeface="Source Serif Pro" panose="02040603050405020204" pitchFamily="18" charset="0"/>
               </a:rPr>
@@ -6896,106 +6896,103 @@
         </p:nvSpPr>
         <p:spPr>
           <a:xfrm>
-            <a:off x="12172950" y="3170469"/>
+            <a:off x="12172950" y="3703869"/>
             <a:ext cx="26860500" cy="3661617"/>
           </a:xfrm>
         </p:spPr>
         <p:txBody>
           <a:bodyPr>
-            <a:normAutofit fontScale="92500"/>
+            <a:normAutofit/>
           </a:bodyPr>
           <a:lstStyle/>
           <a:p>
             <a:r>
-              <a:rPr lang="en-GB" b="0" i="0" dirty="0">
+              <a:rPr lang="en-GB" sz="8000" b="0" i="0" dirty="0">
                 <a:effectLst/>
                 <a:latin typeface="Source Serif Pro ExtraLight" panose="02040203050405020204" pitchFamily="18" charset="0"/>
                 <a:ea typeface="Source Serif Pro ExtraLight" panose="02040203050405020204" pitchFamily="18" charset="0"/>
               </a:rPr>
-              <a:t>Toby Forbes</a:t>
-            </a:r>
-            <a:r>
-              <a:rPr lang="en-US" dirty="0">
+              <a:t>Toby</a:t>
+            </a:r>
+            <a:r>
+              <a:rPr lang="en-US" sz="8000" dirty="0">
                 <a:latin typeface="Source Serif Pro ExtraLight" panose="02040203050405020204" pitchFamily="18" charset="0"/>
                 <a:ea typeface="Source Serif Pro ExtraLight" panose="02040203050405020204" pitchFamily="18" charset="0"/>
               </a:rPr>
-              <a:t> , </a:t>
-            </a:r>
-            <a:r>
-              <a:rPr lang="en-GB" b="0" i="0" dirty="0">
+              <a:t>, </a:t>
+            </a:r>
+            <a:r>
+              <a:rPr lang="en-GB" sz="8000" b="0" i="0" dirty="0">
                 <a:effectLst/>
                 <a:latin typeface="Source Serif Pro ExtraLight" panose="02040203050405020204" pitchFamily="18" charset="0"/>
                 <a:ea typeface="Source Serif Pro ExtraLight" panose="02040203050405020204" pitchFamily="18" charset="0"/>
               </a:rPr>
-              <a:t>Harry Collins</a:t>
-            </a:r>
-            <a:r>
-              <a:rPr lang="en-US" dirty="0">
+              <a:t>Harry</a:t>
+            </a:r>
+            <a:r>
+              <a:rPr lang="en-US" sz="8000" dirty="0">
                 <a:latin typeface="Source Serif Pro ExtraLight" panose="02040203050405020204" pitchFamily="18" charset="0"/>
                 <a:ea typeface="Source Serif Pro ExtraLight" panose="02040203050405020204" pitchFamily="18" charset="0"/>
               </a:rPr>
               <a:t>, </a:t>
             </a:r>
             <a:r>
-              <a:rPr lang="en-GB" b="0" i="0" dirty="0">
+              <a:rPr lang="en-GB" sz="8000" b="0" i="0" dirty="0">
                 <a:effectLst/>
                 <a:latin typeface="Source Serif Pro ExtraLight" panose="02040203050405020204" pitchFamily="18" charset="0"/>
                 <a:ea typeface="Source Serif Pro ExtraLight" panose="02040203050405020204" pitchFamily="18" charset="0"/>
               </a:rPr>
-              <a:t>Jack Shaw</a:t>
-            </a:r>
-            <a:r>
-              <a:rPr lang="en-US" dirty="0">
+              <a:t>Jack</a:t>
+            </a:r>
+            <a:r>
+              <a:rPr lang="en-US" sz="8000" dirty="0">
                 <a:latin typeface="Source Serif Pro ExtraLight" panose="02040203050405020204" pitchFamily="18" charset="0"/>
                 <a:ea typeface="Source Serif Pro ExtraLight" panose="02040203050405020204" pitchFamily="18" charset="0"/>
               </a:rPr>
               <a:t>, </a:t>
             </a:r>
             <a:r>
-              <a:rPr lang="en-GB" b="0" i="0" dirty="0">
+              <a:rPr lang="en-GB" sz="8000" b="0" i="0" dirty="0">
                 <a:effectLst/>
                 <a:latin typeface="Source Serif Pro ExtraLight" panose="02040203050405020204" pitchFamily="18" charset="0"/>
                 <a:ea typeface="Source Serif Pro ExtraLight" panose="02040203050405020204" pitchFamily="18" charset="0"/>
               </a:rPr>
-              <a:t>Shalan Sharma</a:t>
-            </a:r>
-            <a:r>
-              <a:rPr lang="en-US" dirty="0">
+              <a:t>Shalan</a:t>
+            </a:r>
+            <a:r>
+              <a:rPr lang="en-US" sz="8000" dirty="0">
                 <a:latin typeface="Source Serif Pro ExtraLight" panose="02040203050405020204" pitchFamily="18" charset="0"/>
                 <a:ea typeface="Source Serif Pro ExtraLight" panose="02040203050405020204" pitchFamily="18" charset="0"/>
               </a:rPr>
               <a:t>, </a:t>
             </a:r>
             <a:r>
-              <a:rPr lang="en-GB" b="0" i="0" dirty="0">
+              <a:rPr lang="en-GB" sz="8000" b="0" i="0" dirty="0">
                 <a:effectLst/>
                 <a:latin typeface="Source Serif Pro ExtraLight" panose="02040203050405020204" pitchFamily="18" charset="0"/>
                 <a:ea typeface="Source Serif Pro ExtraLight" panose="02040203050405020204" pitchFamily="18" charset="0"/>
               </a:rPr>
-              <a:t>Jason Gurung</a:t>
-            </a:r>
-            <a:r>
-              <a:rPr lang="en-US" dirty="0">
+              <a:t>Jason </a:t>
+            </a:r>
+            <a:r>
+              <a:rPr lang="en-US" sz="8000" dirty="0">
                 <a:latin typeface="Source Serif Pro ExtraLight" panose="02040203050405020204" pitchFamily="18" charset="0"/>
                 <a:ea typeface="Source Serif Pro ExtraLight" panose="02040203050405020204" pitchFamily="18" charset="0"/>
               </a:rPr>
-              <a:t> and </a:t>
-            </a:r>
-            <a:r>
-              <a:rPr lang="en-GB" b="0" i="0" dirty="0">
+              <a:t>and </a:t>
+            </a:r>
+            <a:r>
+              <a:rPr lang="en-GB" sz="8000" b="0" i="0" dirty="0">
                 <a:effectLst/>
                 <a:latin typeface="Source Serif Pro ExtraLight" panose="02040203050405020204" pitchFamily="18" charset="0"/>
                 <a:ea typeface="Source Serif Pro ExtraLight" panose="02040203050405020204" pitchFamily="18" charset="0"/>
               </a:rPr>
-              <a:t>Artur Kapitanczyk</a:t>
-            </a:r>
-            <a:r>
-              <a:rPr lang="en-US" dirty="0">
-                <a:latin typeface="Source Serif Pro ExtraLight" panose="02040203050405020204" pitchFamily="18" charset="0"/>
-                <a:ea typeface="Source Serif Pro ExtraLight" panose="02040203050405020204" pitchFamily="18" charset="0"/>
-              </a:rPr>
-              <a:t> </a:t>
-            </a:r>
+              <a:t>Artur</a:t>
+            </a:r>
+            <a:endParaRPr lang="en-US" sz="8000" dirty="0">
+              <a:latin typeface="Source Serif Pro ExtraLight" panose="02040203050405020204" pitchFamily="18" charset="0"/>
+              <a:ea typeface="Source Serif Pro ExtraLight" panose="02040203050405020204" pitchFamily="18" charset="0"/>
+            </a:endParaRPr>
           </a:p>
         </p:txBody>
       </p:sp>
@@ -7249,14 +7246,14 @@
           <p:nvPr>
             <p:extLst>
               <p:ext uri="{D42A27DB-BD31-4B8C-83A1-F6EECF244321}">
-                <p14:modId xmlns:p14="http://schemas.microsoft.com/office/powerpoint/2010/main" val="699283887"/>
+                <p14:modId xmlns:p14="http://schemas.microsoft.com/office/powerpoint/2010/main" val="4090142347"/>
               </p:ext>
             </p:extLst>
           </p:nvPr>
         </p:nvGraphicFramePr>
         <p:xfrm>
-          <a:off x="15866207" y="6597187"/>
-          <a:ext cx="19473983" cy="17513814"/>
+          <a:off x="18403198" y="6417953"/>
+          <a:ext cx="14400001" cy="14400000"/>
         </p:xfrm>
         <a:graphic>
           <a:graphicData uri="http://schemas.openxmlformats.org/drawingml/2006/diagram">
